--- a/figures/manual_figures.pptx
+++ b/figures/manual_figures.pptx
@@ -107,6 +107,11 @@
       </a:defRPr>
     </a:lvl9pPr>
   </p:defaultTextStyle>
+  <p:extLst>
+    <p:ext uri="{EFAFB233-063F-42B5-8137-9DF3F51BA10A}">
+      <p15:sldGuideLst xmlns:p15="http://schemas.microsoft.com/office/powerpoint/2012/main"/>
+    </p:ext>
+  </p:extLst>
 </p:presentation>
 </file>
 
@@ -192,7 +197,7 @@
           <a:p>
             <a:fld id="{9BE14856-88DD-744A-9FB7-3830681E7195}" type="datetimeFigureOut">
               <a:rPr lang="en-US" smtClean="0"/>
-              <a:t>7/21/23</a:t>
+              <a:t>8/1/23</a:t>
             </a:fld>
             <a:endParaRPr lang="en-US"/>
           </a:p>
@@ -690,7 +695,7 @@
           <a:p>
             <a:fld id="{9AFA58C7-16A3-DE4A-8BA1-DC642EC38F33}" type="datetimeFigureOut">
               <a:rPr lang="en-US" smtClean="0"/>
-              <a:t>7/21/23</a:t>
+              <a:t>8/1/23</a:t>
             </a:fld>
             <a:endParaRPr lang="en-US"/>
           </a:p>
@@ -888,7 +893,7 @@
           <a:p>
             <a:fld id="{9AFA58C7-16A3-DE4A-8BA1-DC642EC38F33}" type="datetimeFigureOut">
               <a:rPr lang="en-US" smtClean="0"/>
-              <a:t>7/21/23</a:t>
+              <a:t>8/1/23</a:t>
             </a:fld>
             <a:endParaRPr lang="en-US"/>
           </a:p>
@@ -1096,7 +1101,7 @@
           <a:p>
             <a:fld id="{9AFA58C7-16A3-DE4A-8BA1-DC642EC38F33}" type="datetimeFigureOut">
               <a:rPr lang="en-US" smtClean="0"/>
-              <a:t>7/21/23</a:t>
+              <a:t>8/1/23</a:t>
             </a:fld>
             <a:endParaRPr lang="en-US"/>
           </a:p>
@@ -1294,7 +1299,7 @@
           <a:p>
             <a:fld id="{9AFA58C7-16A3-DE4A-8BA1-DC642EC38F33}" type="datetimeFigureOut">
               <a:rPr lang="en-US" smtClean="0"/>
-              <a:t>7/21/23</a:t>
+              <a:t>8/1/23</a:t>
             </a:fld>
             <a:endParaRPr lang="en-US"/>
           </a:p>
@@ -1569,7 +1574,7 @@
           <a:p>
             <a:fld id="{9AFA58C7-16A3-DE4A-8BA1-DC642EC38F33}" type="datetimeFigureOut">
               <a:rPr lang="en-US" smtClean="0"/>
-              <a:t>7/21/23</a:t>
+              <a:t>8/1/23</a:t>
             </a:fld>
             <a:endParaRPr lang="en-US"/>
           </a:p>
@@ -1834,7 +1839,7 @@
           <a:p>
             <a:fld id="{9AFA58C7-16A3-DE4A-8BA1-DC642EC38F33}" type="datetimeFigureOut">
               <a:rPr lang="en-US" smtClean="0"/>
-              <a:t>7/21/23</a:t>
+              <a:t>8/1/23</a:t>
             </a:fld>
             <a:endParaRPr lang="en-US"/>
           </a:p>
@@ -2246,7 +2251,7 @@
           <a:p>
             <a:fld id="{9AFA58C7-16A3-DE4A-8BA1-DC642EC38F33}" type="datetimeFigureOut">
               <a:rPr lang="en-US" smtClean="0"/>
-              <a:t>7/21/23</a:t>
+              <a:t>8/1/23</a:t>
             </a:fld>
             <a:endParaRPr lang="en-US"/>
           </a:p>
@@ -2387,7 +2392,7 @@
           <a:p>
             <a:fld id="{9AFA58C7-16A3-DE4A-8BA1-DC642EC38F33}" type="datetimeFigureOut">
               <a:rPr lang="en-US" smtClean="0"/>
-              <a:t>7/21/23</a:t>
+              <a:t>8/1/23</a:t>
             </a:fld>
             <a:endParaRPr lang="en-US"/>
           </a:p>
@@ -2500,7 +2505,7 @@
           <a:p>
             <a:fld id="{9AFA58C7-16A3-DE4A-8BA1-DC642EC38F33}" type="datetimeFigureOut">
               <a:rPr lang="en-US" smtClean="0"/>
-              <a:t>7/21/23</a:t>
+              <a:t>8/1/23</a:t>
             </a:fld>
             <a:endParaRPr lang="en-US"/>
           </a:p>
@@ -2811,7 +2816,7 @@
           <a:p>
             <a:fld id="{9AFA58C7-16A3-DE4A-8BA1-DC642EC38F33}" type="datetimeFigureOut">
               <a:rPr lang="en-US" smtClean="0"/>
-              <a:t>7/21/23</a:t>
+              <a:t>8/1/23</a:t>
             </a:fld>
             <a:endParaRPr lang="en-US"/>
           </a:p>
@@ -3099,7 +3104,7 @@
           <a:p>
             <a:fld id="{9AFA58C7-16A3-DE4A-8BA1-DC642EC38F33}" type="datetimeFigureOut">
               <a:rPr lang="en-US" smtClean="0"/>
-              <a:t>7/21/23</a:t>
+              <a:t>8/1/23</a:t>
             </a:fld>
             <a:endParaRPr lang="en-US"/>
           </a:p>
@@ -3340,7 +3345,7 @@
           <a:p>
             <a:fld id="{9AFA58C7-16A3-DE4A-8BA1-DC642EC38F33}" type="datetimeFigureOut">
               <a:rPr lang="en-US" smtClean="0"/>
-              <a:t>7/21/23</a:t>
+              <a:t>8/1/23</a:t>
             </a:fld>
             <a:endParaRPr lang="en-US"/>
           </a:p>
@@ -3759,73 +3764,6 @@
       </p:grpSpPr>
       <p:sp>
         <p:nvSpPr>
-          <p:cNvPr id="14" name="TextBox 13">
-            <a:extLst>
-              <a:ext uri="{FF2B5EF4-FFF2-40B4-BE49-F238E27FC236}">
-                <a16:creationId xmlns:a16="http://schemas.microsoft.com/office/drawing/2014/main" id="{FDA2DA79-F172-117F-2FAA-CF05B50C725B}"/>
-              </a:ext>
-            </a:extLst>
-          </p:cNvPr>
-          <p:cNvSpPr txBox="1"/>
-          <p:nvPr/>
-        </p:nvSpPr>
-        <p:spPr>
-          <a:xfrm>
-            <a:off x="4505027" y="5342701"/>
-            <a:ext cx="4543425" cy="369332"/>
-          </a:xfrm>
-          <a:prstGeom prst="rect">
-            <a:avLst/>
-          </a:prstGeom>
-          <a:noFill/>
-        </p:spPr>
-        <p:txBody>
-          <a:bodyPr wrap="square" rtlCol="0">
-            <a:spAutoFit/>
-          </a:bodyPr>
-          <a:lstStyle/>
-          <a:p>
-            <a:pPr algn="ctr"/>
-            <a:r>
-              <a:rPr lang="en-US" b="1" dirty="0">
-                <a:latin typeface="Avenir Book" panose="02000503020000020003" pitchFamily="2" charset="0"/>
-              </a:rPr>
-              <a:t>Utility functions</a:t>
-            </a:r>
-          </a:p>
-        </p:txBody>
-      </p:sp>
-      <p:pic>
-        <p:nvPicPr>
-          <p:cNvPr id="17" name="Picture 16">
-            <a:extLst>
-              <a:ext uri="{FF2B5EF4-FFF2-40B4-BE49-F238E27FC236}">
-                <a16:creationId xmlns:a16="http://schemas.microsoft.com/office/drawing/2014/main" id="{6DE7C6BE-E9E0-8B43-9902-DC721974A0E5}"/>
-              </a:ext>
-            </a:extLst>
-          </p:cNvPr>
-          <p:cNvPicPr>
-            <a:picLocks noChangeAspect="1"/>
-          </p:cNvPicPr>
-          <p:nvPr/>
-        </p:nvPicPr>
-        <p:blipFill rotWithShape="1">
-          <a:blip r:embed="rId3"/>
-          <a:srcRect l="6612"/>
-          <a:stretch/>
-        </p:blipFill>
-        <p:spPr>
-          <a:xfrm>
-            <a:off x="522360" y="19527"/>
-            <a:ext cx="11318552" cy="1309334"/>
-          </a:xfrm>
-          <a:prstGeom prst="rect">
-            <a:avLst/>
-          </a:prstGeom>
-        </p:spPr>
-      </p:pic>
-      <p:sp>
-        <p:nvSpPr>
           <p:cNvPr id="18" name="Rounded Rectangle 17">
             <a:extLst>
               <a:ext uri="{FF2B5EF4-FFF2-40B4-BE49-F238E27FC236}">
@@ -3838,8 +3776,8 @@
         </p:nvSpPr>
         <p:spPr>
           <a:xfrm rot="5400000">
-            <a:off x="5773783" y="-4406537"/>
-            <a:ext cx="644433" cy="12192002"/>
+            <a:off x="5089921" y="-4946797"/>
+            <a:ext cx="2011680" cy="12048398"/>
           </a:xfrm>
           <a:prstGeom prst="roundRect">
             <a:avLst/>
@@ -3874,6 +3812,46 @@
           <a:lstStyle/>
           <a:p>
             <a:pPr algn="ctr"/>
+            <a:endParaRPr lang="en-US" i="1" dirty="0">
+              <a:solidFill>
+                <a:schemeClr val="tx1"/>
+              </a:solidFill>
+            </a:endParaRPr>
+          </a:p>
+          <a:p>
+            <a:pPr algn="ctr"/>
+            <a:endParaRPr lang="en-US" i="1" dirty="0">
+              <a:solidFill>
+                <a:schemeClr val="tx1"/>
+              </a:solidFill>
+            </a:endParaRPr>
+          </a:p>
+          <a:p>
+            <a:pPr algn="ctr"/>
+            <a:endParaRPr lang="en-US" i="1" dirty="0">
+              <a:solidFill>
+                <a:schemeClr val="tx1"/>
+              </a:solidFill>
+            </a:endParaRPr>
+          </a:p>
+          <a:p>
+            <a:pPr algn="ctr"/>
+            <a:endParaRPr lang="en-US" i="1" dirty="0">
+              <a:solidFill>
+                <a:schemeClr val="tx1"/>
+              </a:solidFill>
+            </a:endParaRPr>
+          </a:p>
+          <a:p>
+            <a:pPr algn="ctr"/>
+            <a:endParaRPr lang="en-US" i="1" dirty="0">
+              <a:solidFill>
+                <a:schemeClr val="tx1"/>
+              </a:solidFill>
+            </a:endParaRPr>
+          </a:p>
+          <a:p>
+            <a:pPr algn="ctr"/>
             <a:r>
               <a:rPr lang="en-US" i="1" dirty="0" err="1">
                 <a:solidFill>
@@ -3906,6 +3884,73 @@
       </p:sp>
       <p:sp>
         <p:nvSpPr>
+          <p:cNvPr id="14" name="TextBox 13">
+            <a:extLst>
+              <a:ext uri="{FF2B5EF4-FFF2-40B4-BE49-F238E27FC236}">
+                <a16:creationId xmlns:a16="http://schemas.microsoft.com/office/drawing/2014/main" id="{FDA2DA79-F172-117F-2FAA-CF05B50C725B}"/>
+              </a:ext>
+            </a:extLst>
+          </p:cNvPr>
+          <p:cNvSpPr txBox="1"/>
+          <p:nvPr/>
+        </p:nvSpPr>
+        <p:spPr>
+          <a:xfrm>
+            <a:off x="4505027" y="5398358"/>
+            <a:ext cx="4543425" cy="369332"/>
+          </a:xfrm>
+          <a:prstGeom prst="rect">
+            <a:avLst/>
+          </a:prstGeom>
+          <a:noFill/>
+        </p:spPr>
+        <p:txBody>
+          <a:bodyPr wrap="square" rtlCol="0">
+            <a:spAutoFit/>
+          </a:bodyPr>
+          <a:lstStyle/>
+          <a:p>
+            <a:pPr algn="ctr"/>
+            <a:r>
+              <a:rPr lang="en-US" b="1" dirty="0">
+                <a:latin typeface="Avenir Book" panose="02000503020000020003" pitchFamily="2" charset="0"/>
+              </a:rPr>
+              <a:t>Utility functions</a:t>
+            </a:r>
+          </a:p>
+        </p:txBody>
+      </p:sp>
+      <p:pic>
+        <p:nvPicPr>
+          <p:cNvPr id="17" name="Picture 16">
+            <a:extLst>
+              <a:ext uri="{FF2B5EF4-FFF2-40B4-BE49-F238E27FC236}">
+                <a16:creationId xmlns:a16="http://schemas.microsoft.com/office/drawing/2014/main" id="{6DE7C6BE-E9E0-8B43-9902-DC721974A0E5}"/>
+              </a:ext>
+            </a:extLst>
+          </p:cNvPr>
+          <p:cNvPicPr>
+            <a:picLocks noChangeAspect="1"/>
+          </p:cNvPicPr>
+          <p:nvPr/>
+        </p:nvPicPr>
+        <p:blipFill rotWithShape="1">
+          <a:blip r:embed="rId3"/>
+          <a:srcRect l="6612"/>
+          <a:stretch/>
+        </p:blipFill>
+        <p:spPr>
+          <a:xfrm>
+            <a:off x="522360" y="106988"/>
+            <a:ext cx="11318552" cy="1309334"/>
+          </a:xfrm>
+          <a:prstGeom prst="rect">
+            <a:avLst/>
+          </a:prstGeom>
+        </p:spPr>
+      </p:pic>
+      <p:sp>
+        <p:nvSpPr>
           <p:cNvPr id="19" name="Right Arrow 18">
             <a:extLst>
               <a:ext uri="{FF2B5EF4-FFF2-40B4-BE49-F238E27FC236}">
@@ -3918,8 +3963,8 @@
         </p:nvSpPr>
         <p:spPr>
           <a:xfrm rot="5400000">
-            <a:off x="5852132" y="1959406"/>
-            <a:ext cx="182881" cy="304852"/>
+            <a:off x="5855730" y="2018661"/>
+            <a:ext cx="175686" cy="304852"/>
           </a:xfrm>
           <a:prstGeom prst="rightArrow">
             <a:avLst/>
@@ -3968,8 +4013,8 @@
         </p:nvGrpSpPr>
         <p:grpSpPr>
           <a:xfrm>
-            <a:off x="-2" y="2211976"/>
-            <a:ext cx="12192002" cy="1705241"/>
+            <a:off x="70713" y="2267633"/>
+            <a:ext cx="12060667" cy="1705241"/>
             <a:chOff x="1683547" y="828673"/>
             <a:chExt cx="5000033" cy="3843340"/>
           </a:xfrm>
@@ -4086,7 +4131,7 @@
         </p:nvGrpSpPr>
         <p:grpSpPr>
           <a:xfrm>
-            <a:off x="4078587" y="2530269"/>
+            <a:off x="4078587" y="2585926"/>
             <a:ext cx="4056705" cy="1267560"/>
             <a:chOff x="228656" y="2799391"/>
             <a:chExt cx="4056705" cy="1267560"/>
@@ -4260,7 +4305,7 @@
         </p:nvGrpSpPr>
         <p:grpSpPr>
           <a:xfrm>
-            <a:off x="10941" y="2535369"/>
+            <a:off x="10941" y="2591026"/>
             <a:ext cx="4056705" cy="759481"/>
             <a:chOff x="10941" y="2700834"/>
             <a:chExt cx="4056705" cy="759481"/>
@@ -4376,7 +4421,7 @@
         </p:nvGrpSpPr>
         <p:grpSpPr>
           <a:xfrm>
-            <a:off x="9126583" y="2535369"/>
+            <a:off x="9126583" y="2591026"/>
             <a:ext cx="2815103" cy="1266930"/>
             <a:chOff x="9126583" y="2700834"/>
             <a:chExt cx="2815103" cy="1266930"/>
@@ -4543,8 +4588,8 @@
         </p:nvGrpSpPr>
         <p:grpSpPr>
           <a:xfrm>
-            <a:off x="-72043" y="4130205"/>
-            <a:ext cx="12264042" cy="2514436"/>
+            <a:off x="-482" y="4185862"/>
+            <a:ext cx="12120440" cy="2514436"/>
             <a:chOff x="1654003" y="828669"/>
             <a:chExt cx="5029577" cy="5019023"/>
           </a:xfrm>
@@ -4655,7 +4700,7 @@
         </p:nvGrpSpPr>
         <p:grpSpPr>
           <a:xfrm>
-            <a:off x="431946" y="4683955"/>
+            <a:off x="431946" y="4739612"/>
             <a:ext cx="2613556" cy="1626374"/>
             <a:chOff x="423855" y="4983649"/>
             <a:chExt cx="2613556" cy="1626374"/>
@@ -4890,7 +4935,7 @@
         </p:nvSpPr>
         <p:spPr>
           <a:xfrm rot="5400000">
-            <a:off x="5852131" y="3860389"/>
+            <a:off x="5852131" y="3916046"/>
             <a:ext cx="182881" cy="304852"/>
           </a:xfrm>
           <a:prstGeom prst="rightArrow">
@@ -4940,7 +4985,7 @@
         </p:nvGrpSpPr>
         <p:grpSpPr>
           <a:xfrm>
-            <a:off x="3410402" y="4683955"/>
+            <a:off x="3410402" y="4739612"/>
             <a:ext cx="2613556" cy="738664"/>
             <a:chOff x="3410402" y="5137175"/>
             <a:chExt cx="2613556" cy="738664"/>
@@ -5063,7 +5108,7 @@
         </p:nvGrpSpPr>
         <p:grpSpPr>
           <a:xfrm>
-            <a:off x="6366048" y="4706356"/>
+            <a:off x="6366048" y="4762013"/>
             <a:ext cx="2613556" cy="730154"/>
             <a:chOff x="5907457" y="5142862"/>
             <a:chExt cx="2613556" cy="730154"/>
@@ -5180,7 +5225,7 @@
         </p:nvGrpSpPr>
         <p:grpSpPr>
           <a:xfrm>
-            <a:off x="9227356" y="4702557"/>
+            <a:off x="9227356" y="4758214"/>
             <a:ext cx="2613556" cy="746458"/>
             <a:chOff x="9213543" y="5033351"/>
             <a:chExt cx="2613556" cy="746458"/>
@@ -5297,7 +5342,7 @@
         </p:nvSpPr>
         <p:spPr>
           <a:xfrm>
-            <a:off x="3283132" y="5739845"/>
+            <a:off x="3283132" y="5795502"/>
             <a:ext cx="8836826" cy="523220"/>
           </a:xfrm>
           <a:prstGeom prst="rect">
@@ -5312,10 +5357,16 @@
           <a:lstStyle/>
           <a:p>
             <a:r>
+              <a:rPr lang="en-US" sz="1400" i="1">
+                <a:latin typeface="Avenir Book" panose="02000503020000020003" pitchFamily="2" charset="0"/>
+              </a:rPr>
+              <a:t>If </a:t>
+            </a:r>
+            <a:r>
               <a:rPr lang="en-US" sz="1400" i="1" dirty="0">
                 <a:latin typeface="Avenir Book" panose="02000503020000020003" pitchFamily="2" charset="0"/>
               </a:rPr>
-              <a:t>Tip: If pattern seems </a:t>
+              <a:t>pattern seems </a:t>
             </a:r>
             <a:r>
               <a:rPr lang="en-US" sz="1400" b="1" i="1" dirty="0">
@@ -5364,7 +5415,7 @@
         </p:nvSpPr>
         <p:spPr>
           <a:xfrm>
-            <a:off x="857130" y="3421367"/>
+            <a:off x="857130" y="3477024"/>
             <a:ext cx="2364323" cy="369332"/>
           </a:xfrm>
           <a:prstGeom prst="rect">

--- a/figures/manual_figures.pptx
+++ b/figures/manual_figures.pptx
@@ -5,10 +5,11 @@
     <p:sldMasterId id="2147483648" r:id="rId1"/>
   </p:sldMasterIdLst>
   <p:notesMasterIdLst>
-    <p:notesMasterId r:id="rId3"/>
+    <p:notesMasterId r:id="rId4"/>
   </p:notesMasterIdLst>
   <p:sldIdLst>
     <p:sldId id="257" r:id="rId2"/>
+    <p:sldId id="2154" r:id="rId3"/>
   </p:sldIdLst>
   <p:sldSz cx="12192000" cy="6858000"/>
   <p:notesSz cx="6858000" cy="9144000"/>
@@ -197,7 +198,7 @@
           <a:p>
             <a:fld id="{9BE14856-88DD-744A-9FB7-3830681E7195}" type="datetimeFigureOut">
               <a:rPr lang="en-US" smtClean="0"/>
-              <a:t>8/1/23</a:t>
+              <a:t>8/3/23</a:t>
             </a:fld>
             <a:endParaRPr lang="en-US"/>
           </a:p>
@@ -548,6 +549,72 @@
 </p:notes>
 </file>
 
+<file path=ppt/notesSlides/notesSlide2.xml><?xml version="1.0" encoding="utf-8"?>
+<p:notes xmlns:a="http://schemas.openxmlformats.org/drawingml/2006/main" xmlns:r="http://schemas.openxmlformats.org/officeDocument/2006/relationships" xmlns:p="http://schemas.openxmlformats.org/presentationml/2006/main">
+  <p:cSld>
+    <p:spTree>
+      <p:nvGrpSpPr>
+        <p:cNvPr id="1" name=""/>
+        <p:cNvGrpSpPr/>
+        <p:nvPr/>
+      </p:nvGrpSpPr>
+      <p:grpSpPr>
+        <a:xfrm>
+          <a:off x="0" y="0"/>
+          <a:ext cx="0" cy="0"/>
+          <a:chOff x="0" y="0"/>
+          <a:chExt cx="0" cy="0"/>
+        </a:xfrm>
+      </p:grpSpPr>
+      <p:sp>
+        <p:nvSpPr>
+          <p:cNvPr id="2" name="Slide Image Placeholder 1"/>
+          <p:cNvSpPr>
+            <a:spLocks noGrp="1" noRot="1" noChangeAspect="1"/>
+          </p:cNvSpPr>
+          <p:nvPr>
+            <p:ph type="sldImg"/>
+          </p:nvPr>
+        </p:nvSpPr>
+        <p:spPr>
+          <a:xfrm>
+            <a:off x="381000" y="685800"/>
+            <a:ext cx="6096000" cy="3429000"/>
+          </a:xfrm>
+        </p:spPr>
+      </p:sp>
+      <p:sp>
+        <p:nvSpPr>
+          <p:cNvPr id="3" name="Notes Placeholder 2"/>
+          <p:cNvSpPr>
+            <a:spLocks noGrp="1"/>
+          </p:cNvSpPr>
+          <p:nvPr>
+            <p:ph type="body" idx="1"/>
+          </p:nvPr>
+        </p:nvSpPr>
+        <p:spPr/>
+        <p:txBody>
+          <a:bodyPr/>
+          <a:lstStyle/>
+          <a:p>
+            <a:endParaRPr lang="en-US" dirty="0"/>
+          </a:p>
+        </p:txBody>
+      </p:sp>
+    </p:spTree>
+    <p:extLst>
+      <p:ext uri="{BB962C8B-B14F-4D97-AF65-F5344CB8AC3E}">
+        <p14:creationId xmlns:p14="http://schemas.microsoft.com/office/powerpoint/2010/main" val="3380806127"/>
+      </p:ext>
+    </p:extLst>
+  </p:cSld>
+  <p:clrMapOvr>
+    <a:masterClrMapping/>
+  </p:clrMapOvr>
+</p:notes>
+</file>
+
 <file path=ppt/slideLayouts/slideLayout1.xml><?xml version="1.0" encoding="utf-8"?>
 <p:sldLayout xmlns:a="http://schemas.openxmlformats.org/drawingml/2006/main" xmlns:r="http://schemas.openxmlformats.org/officeDocument/2006/relationships" xmlns:p="http://schemas.openxmlformats.org/presentationml/2006/main" type="title" preserve="1">
   <p:cSld name="Title Slide">
@@ -695,7 +762,7 @@
           <a:p>
             <a:fld id="{9AFA58C7-16A3-DE4A-8BA1-DC642EC38F33}" type="datetimeFigureOut">
               <a:rPr lang="en-US" smtClean="0"/>
-              <a:t>8/1/23</a:t>
+              <a:t>8/3/23</a:t>
             </a:fld>
             <a:endParaRPr lang="en-US"/>
           </a:p>
@@ -893,7 +960,7 @@
           <a:p>
             <a:fld id="{9AFA58C7-16A3-DE4A-8BA1-DC642EC38F33}" type="datetimeFigureOut">
               <a:rPr lang="en-US" smtClean="0"/>
-              <a:t>8/1/23</a:t>
+              <a:t>8/3/23</a:t>
             </a:fld>
             <a:endParaRPr lang="en-US"/>
           </a:p>
@@ -1101,7 +1168,7 @@
           <a:p>
             <a:fld id="{9AFA58C7-16A3-DE4A-8BA1-DC642EC38F33}" type="datetimeFigureOut">
               <a:rPr lang="en-US" smtClean="0"/>
-              <a:t>8/1/23</a:t>
+              <a:t>8/3/23</a:t>
             </a:fld>
             <a:endParaRPr lang="en-US"/>
           </a:p>
@@ -1299,7 +1366,7 @@
           <a:p>
             <a:fld id="{9AFA58C7-16A3-DE4A-8BA1-DC642EC38F33}" type="datetimeFigureOut">
               <a:rPr lang="en-US" smtClean="0"/>
-              <a:t>8/1/23</a:t>
+              <a:t>8/3/23</a:t>
             </a:fld>
             <a:endParaRPr lang="en-US"/>
           </a:p>
@@ -1574,7 +1641,7 @@
           <a:p>
             <a:fld id="{9AFA58C7-16A3-DE4A-8BA1-DC642EC38F33}" type="datetimeFigureOut">
               <a:rPr lang="en-US" smtClean="0"/>
-              <a:t>8/1/23</a:t>
+              <a:t>8/3/23</a:t>
             </a:fld>
             <a:endParaRPr lang="en-US"/>
           </a:p>
@@ -1839,7 +1906,7 @@
           <a:p>
             <a:fld id="{9AFA58C7-16A3-DE4A-8BA1-DC642EC38F33}" type="datetimeFigureOut">
               <a:rPr lang="en-US" smtClean="0"/>
-              <a:t>8/1/23</a:t>
+              <a:t>8/3/23</a:t>
             </a:fld>
             <a:endParaRPr lang="en-US"/>
           </a:p>
@@ -2251,7 +2318,7 @@
           <a:p>
             <a:fld id="{9AFA58C7-16A3-DE4A-8BA1-DC642EC38F33}" type="datetimeFigureOut">
               <a:rPr lang="en-US" smtClean="0"/>
-              <a:t>8/1/23</a:t>
+              <a:t>8/3/23</a:t>
             </a:fld>
             <a:endParaRPr lang="en-US"/>
           </a:p>
@@ -2392,7 +2459,7 @@
           <a:p>
             <a:fld id="{9AFA58C7-16A3-DE4A-8BA1-DC642EC38F33}" type="datetimeFigureOut">
               <a:rPr lang="en-US" smtClean="0"/>
-              <a:t>8/1/23</a:t>
+              <a:t>8/3/23</a:t>
             </a:fld>
             <a:endParaRPr lang="en-US"/>
           </a:p>
@@ -2505,7 +2572,7 @@
           <a:p>
             <a:fld id="{9AFA58C7-16A3-DE4A-8BA1-DC642EC38F33}" type="datetimeFigureOut">
               <a:rPr lang="en-US" smtClean="0"/>
-              <a:t>8/1/23</a:t>
+              <a:t>8/3/23</a:t>
             </a:fld>
             <a:endParaRPr lang="en-US"/>
           </a:p>
@@ -2816,7 +2883,7 @@
           <a:p>
             <a:fld id="{9AFA58C7-16A3-DE4A-8BA1-DC642EC38F33}" type="datetimeFigureOut">
               <a:rPr lang="en-US" smtClean="0"/>
-              <a:t>8/1/23</a:t>
+              <a:t>8/3/23</a:t>
             </a:fld>
             <a:endParaRPr lang="en-US"/>
           </a:p>
@@ -3104,7 +3171,7 @@
           <a:p>
             <a:fld id="{9AFA58C7-16A3-DE4A-8BA1-DC642EC38F33}" type="datetimeFigureOut">
               <a:rPr lang="en-US" smtClean="0"/>
-              <a:t>8/1/23</a:t>
+              <a:t>8/3/23</a:t>
             </a:fld>
             <a:endParaRPr lang="en-US"/>
           </a:p>
@@ -3345,7 +3412,7 @@
           <a:p>
             <a:fld id="{9AFA58C7-16A3-DE4A-8BA1-DC642EC38F33}" type="datetimeFigureOut">
               <a:rPr lang="en-US" smtClean="0"/>
-              <a:t>8/1/23</a:t>
+              <a:t>8/3/23</a:t>
             </a:fld>
             <a:endParaRPr lang="en-US"/>
           </a:p>
@@ -4588,7 +4655,7 @@
         </p:nvGrpSpPr>
         <p:grpSpPr>
           <a:xfrm>
-            <a:off x="-482" y="4185862"/>
+            <a:off x="121416" y="4185862"/>
             <a:ext cx="12120440" cy="2514436"/>
             <a:chOff x="1654003" y="828669"/>
             <a:chExt cx="5029577" cy="5019023"/>
@@ -5342,7 +5409,7 @@
         </p:nvSpPr>
         <p:spPr>
           <a:xfrm>
-            <a:off x="3283132" y="5795502"/>
+            <a:off x="3283132" y="6177078"/>
             <a:ext cx="8836826" cy="523220"/>
           </a:xfrm>
           <a:prstGeom prst="rect">
@@ -5357,16 +5424,10 @@
           <a:lstStyle/>
           <a:p>
             <a:r>
-              <a:rPr lang="en-US" sz="1400" i="1">
-                <a:latin typeface="Avenir Book" panose="02000503020000020003" pitchFamily="2" charset="0"/>
-              </a:rPr>
-              <a:t>If </a:t>
-            </a:r>
-            <a:r>
               <a:rPr lang="en-US" sz="1400" i="1" dirty="0">
                 <a:latin typeface="Avenir Book" panose="02000503020000020003" pitchFamily="2" charset="0"/>
               </a:rPr>
-              <a:t>pattern seems </a:t>
+              <a:t>If pattern seems </a:t>
             </a:r>
             <a:r>
               <a:rPr lang="en-US" sz="1400" b="1" i="1" dirty="0">
@@ -5459,10 +5520,4796 @@
           </a:p>
         </p:txBody>
       </p:sp>
+      <p:sp>
+        <p:nvSpPr>
+          <p:cNvPr id="2" name="TextBox 1">
+            <a:extLst>
+              <a:ext uri="{FF2B5EF4-FFF2-40B4-BE49-F238E27FC236}">
+                <a16:creationId xmlns:a16="http://schemas.microsoft.com/office/drawing/2014/main" id="{60269BD6-0787-7F40-A2E7-17BB504FA4FA}"/>
+              </a:ext>
+            </a:extLst>
+          </p:cNvPr>
+          <p:cNvSpPr txBox="1"/>
+          <p:nvPr/>
+        </p:nvSpPr>
+        <p:spPr>
+          <a:xfrm>
+            <a:off x="9494467" y="5618818"/>
+            <a:ext cx="1936422" cy="369332"/>
+          </a:xfrm>
+          <a:prstGeom prst="rect">
+            <a:avLst/>
+          </a:prstGeom>
+          <a:solidFill>
+            <a:schemeClr val="bg1">
+              <a:lumMod val="85000"/>
+            </a:schemeClr>
+          </a:solidFill>
+        </p:spPr>
+        <p:txBody>
+          <a:bodyPr wrap="square" rtlCol="0">
+            <a:spAutoFit/>
+          </a:bodyPr>
+          <a:lstStyle/>
+          <a:p>
+            <a:pPr algn="ctr"/>
+            <a:r>
+              <a:rPr lang="en-US" i="1" dirty="0" err="1">
+                <a:latin typeface="Avenir Book" panose="02000503020000020003" pitchFamily="2" charset="0"/>
+              </a:rPr>
+              <a:t>s</a:t>
+            </a:r>
+            <a:r>
+              <a:rPr lang="en-US" i="1" dirty="0" err="1">
+                <a:effectLst/>
+                <a:latin typeface="Avenir Book" panose="02000503020000020003" pitchFamily="2" charset="0"/>
+              </a:rPr>
+              <a:t>mdi_style_gt</a:t>
+            </a:r>
+            <a:r>
+              <a:rPr lang="en-US" i="1" dirty="0">
+                <a:effectLst/>
+                <a:latin typeface="Avenir Book" panose="02000503020000020003" pitchFamily="2" charset="0"/>
+              </a:rPr>
+              <a:t>()</a:t>
+            </a:r>
+            <a:endParaRPr lang="en-US" i="1" dirty="0">
+              <a:latin typeface="Avenir Book" panose="02000503020000020003" pitchFamily="2" charset="0"/>
+            </a:endParaRPr>
+          </a:p>
+        </p:txBody>
+      </p:sp>
     </p:spTree>
     <p:extLst>
       <p:ext uri="{BB962C8B-B14F-4D97-AF65-F5344CB8AC3E}">
         <p14:creationId xmlns:p14="http://schemas.microsoft.com/office/powerpoint/2010/main" val="773854608"/>
+      </p:ext>
+    </p:extLst>
+  </p:cSld>
+  <p:clrMapOvr>
+    <a:masterClrMapping/>
+  </p:clrMapOvr>
+</p:sld>
+</file>
+
+<file path=ppt/slides/slide2.xml><?xml version="1.0" encoding="utf-8"?>
+<p:sld xmlns:a="http://schemas.openxmlformats.org/drawingml/2006/main" xmlns:r="http://schemas.openxmlformats.org/officeDocument/2006/relationships" xmlns:p="http://schemas.openxmlformats.org/presentationml/2006/main">
+  <p:cSld>
+    <p:spTree>
+      <p:nvGrpSpPr>
+        <p:cNvPr id="1" name=""/>
+        <p:cNvGrpSpPr/>
+        <p:nvPr/>
+      </p:nvGrpSpPr>
+      <p:grpSpPr>
+        <a:xfrm>
+          <a:off x="0" y="0"/>
+          <a:ext cx="0" cy="0"/>
+          <a:chOff x="0" y="0"/>
+          <a:chExt cx="0" cy="0"/>
+        </a:xfrm>
+      </p:grpSpPr>
+      <p:graphicFrame>
+        <p:nvGraphicFramePr>
+          <p:cNvPr id="2" name="Table 1">
+            <a:extLst>
+              <a:ext uri="{FF2B5EF4-FFF2-40B4-BE49-F238E27FC236}">
+                <a16:creationId xmlns:a16="http://schemas.microsoft.com/office/drawing/2014/main" id="{E795C747-F5D6-2591-EE23-BCA0D2AAB204}"/>
+              </a:ext>
+            </a:extLst>
+          </p:cNvPr>
+          <p:cNvGraphicFramePr>
+            <a:graphicFrameLocks noGrp="1"/>
+          </p:cNvGraphicFramePr>
+          <p:nvPr>
+            <p:extLst>
+              <p:ext uri="{D42A27DB-BD31-4B8C-83A1-F6EECF244321}">
+                <p14:modId xmlns:p14="http://schemas.microsoft.com/office/powerpoint/2010/main" val="158131409"/>
+              </p:ext>
+            </p:extLst>
+          </p:nvPr>
+        </p:nvGraphicFramePr>
+        <p:xfrm>
+          <a:off x="1001965" y="1021737"/>
+          <a:ext cx="10320692" cy="2390704"/>
+        </p:xfrm>
+        <a:graphic>
+          <a:graphicData uri="http://schemas.openxmlformats.org/drawingml/2006/table">
+            <a:tbl>
+              <a:tblPr firstRow="1" bandRow="1">
+                <a:tableStyleId>{2D5ABB26-0587-4C30-8999-92F81FD0307C}</a:tableStyleId>
+              </a:tblPr>
+              <a:tblGrid>
+                <a:gridCol w="2480706">
+                  <a:extLst>
+                    <a:ext uri="{9D8B030D-6E8A-4147-A177-3AD203B41FA5}">
+                      <a16:colId xmlns:a16="http://schemas.microsoft.com/office/drawing/2014/main" val="3053808379"/>
+                    </a:ext>
+                  </a:extLst>
+                </a:gridCol>
+                <a:gridCol w="1729409">
+                  <a:extLst>
+                    <a:ext uri="{9D8B030D-6E8A-4147-A177-3AD203B41FA5}">
+                      <a16:colId xmlns:a16="http://schemas.microsoft.com/office/drawing/2014/main" val="488264534"/>
+                    </a:ext>
+                  </a:extLst>
+                </a:gridCol>
+                <a:gridCol w="1236428">
+                  <a:extLst>
+                    <a:ext uri="{9D8B030D-6E8A-4147-A177-3AD203B41FA5}">
+                      <a16:colId xmlns:a16="http://schemas.microsoft.com/office/drawing/2014/main" val="3219290638"/>
+                    </a:ext>
+                  </a:extLst>
+                </a:gridCol>
+                <a:gridCol w="1781092">
+                  <a:extLst>
+                    <a:ext uri="{9D8B030D-6E8A-4147-A177-3AD203B41FA5}">
+                      <a16:colId xmlns:a16="http://schemas.microsoft.com/office/drawing/2014/main" val="3401066358"/>
+                    </a:ext>
+                  </a:extLst>
+                </a:gridCol>
+                <a:gridCol w="1526650">
+                  <a:extLst>
+                    <a:ext uri="{9D8B030D-6E8A-4147-A177-3AD203B41FA5}">
+                      <a16:colId xmlns:a16="http://schemas.microsoft.com/office/drawing/2014/main" val="696228586"/>
+                    </a:ext>
+                  </a:extLst>
+                </a:gridCol>
+                <a:gridCol w="1566407">
+                  <a:extLst>
+                    <a:ext uri="{9D8B030D-6E8A-4147-A177-3AD203B41FA5}">
+                      <a16:colId xmlns:a16="http://schemas.microsoft.com/office/drawing/2014/main" val="3292113492"/>
+                    </a:ext>
+                  </a:extLst>
+                </a:gridCol>
+              </a:tblGrid>
+              <a:tr h="511393">
+                <a:tc>
+                  <a:txBody>
+                    <a:bodyPr/>
+                    <a:lstStyle/>
+                    <a:p>
+                      <a:pPr algn="ctr"/>
+                      <a:r>
+                        <a:rPr lang="en-US" sz="1400" b="1" i="0" kern="1200" dirty="0">
+                          <a:solidFill>
+                            <a:schemeClr val="tx1"/>
+                          </a:solidFill>
+                          <a:latin typeface="Avenir Black" panose="02000503020000020003" pitchFamily="2" charset="0"/>
+                          <a:ea typeface="+mn-ea"/>
+                          <a:cs typeface="+mn-cs"/>
+                        </a:rPr>
+                        <a:t>Expected parameter constellations based on simulation results</a:t>
+                      </a:r>
+                    </a:p>
+                  </a:txBody>
+                  <a:tcPr anchor="b">
+                    <a:lnL w="12700" cap="flat" cmpd="sng" algn="ctr">
+                      <a:solidFill>
+                        <a:schemeClr val="tx1"/>
+                      </a:solidFill>
+                      <a:prstDash val="solid"/>
+                      <a:round/>
+                      <a:headEnd type="none" w="med" len="med"/>
+                      <a:tailEnd type="none" w="med" len="med"/>
+                    </a:lnL>
+                    <a:lnR w="12700" cap="flat" cmpd="sng" algn="ctr">
+                      <a:solidFill>
+                        <a:schemeClr val="tx1"/>
+                      </a:solidFill>
+                      <a:prstDash val="solid"/>
+                      <a:round/>
+                      <a:headEnd type="none" w="med" len="med"/>
+                      <a:tailEnd type="none" w="med" len="med"/>
+                    </a:lnR>
+                    <a:lnT w="12700" cap="flat" cmpd="sng" algn="ctr">
+                      <a:solidFill>
+                        <a:schemeClr val="tx1"/>
+                      </a:solidFill>
+                      <a:prstDash val="solid"/>
+                      <a:round/>
+                      <a:headEnd type="none" w="med" len="med"/>
+                      <a:tailEnd type="none" w="med" len="med"/>
+                    </a:lnT>
+                    <a:lnB w="12700" cap="flat" cmpd="sng" algn="ctr">
+                      <a:solidFill>
+                        <a:schemeClr val="tx1"/>
+                      </a:solidFill>
+                      <a:prstDash val="solid"/>
+                      <a:round/>
+                      <a:headEnd type="none" w="med" len="med"/>
+                      <a:tailEnd type="none" w="med" len="med"/>
+                    </a:lnB>
+                  </a:tcPr>
+                </a:tc>
+                <a:tc>
+                  <a:txBody>
+                    <a:bodyPr/>
+                    <a:lstStyle/>
+                    <a:p>
+                      <a:pPr algn="ctr"/>
+                      <a:r>
+                        <a:rPr lang="en-US" sz="1400" b="1" i="0" dirty="0">
+                          <a:latin typeface="Avenir Black" panose="02000503020000020003" pitchFamily="2" charset="0"/>
+                        </a:rPr>
+                        <a:t>ASMD</a:t>
+                      </a:r>
+                    </a:p>
+                    <a:p>
+                      <a:pPr algn="ctr"/>
+                      <a:r>
+                        <a:rPr lang="en-US" sz="1000" b="1" i="0" dirty="0">
+                          <a:latin typeface="Avenir Black" panose="02000503020000020003" pitchFamily="2" charset="0"/>
+                        </a:rPr>
+                        <a:t>(Absolute standardized </a:t>
+                      </a:r>
+                    </a:p>
+                    <a:p>
+                      <a:pPr algn="ctr"/>
+                      <a:r>
+                        <a:rPr lang="en-US" sz="1000" b="1" i="0" dirty="0">
+                          <a:latin typeface="Avenir Black" panose="02000503020000020003" pitchFamily="2" charset="0"/>
+                        </a:rPr>
+                        <a:t>mean difference)</a:t>
+                      </a:r>
+                    </a:p>
+                  </a:txBody>
+                  <a:tcPr anchor="b">
+                    <a:lnL w="12700" cap="flat" cmpd="sng" algn="ctr">
+                      <a:solidFill>
+                        <a:schemeClr val="tx1"/>
+                      </a:solidFill>
+                      <a:prstDash val="solid"/>
+                      <a:round/>
+                      <a:headEnd type="none" w="med" len="med"/>
+                      <a:tailEnd type="none" w="med" len="med"/>
+                    </a:lnL>
+                    <a:lnR w="12700" cap="flat" cmpd="sng" algn="ctr">
+                      <a:solidFill>
+                        <a:schemeClr val="tx1"/>
+                      </a:solidFill>
+                      <a:prstDash val="solid"/>
+                      <a:round/>
+                      <a:headEnd type="none" w="med" len="med"/>
+                      <a:tailEnd type="none" w="med" len="med"/>
+                    </a:lnR>
+                    <a:lnT w="12700" cap="flat" cmpd="sng" algn="ctr">
+                      <a:solidFill>
+                        <a:schemeClr val="tx1"/>
+                      </a:solidFill>
+                      <a:prstDash val="solid"/>
+                      <a:round/>
+                      <a:headEnd type="none" w="med" len="med"/>
+                      <a:tailEnd type="none" w="med" len="med"/>
+                    </a:lnT>
+                    <a:lnB w="12700" cap="flat" cmpd="sng" algn="ctr">
+                      <a:solidFill>
+                        <a:schemeClr val="tx1"/>
+                      </a:solidFill>
+                      <a:prstDash val="solid"/>
+                      <a:round/>
+                      <a:headEnd type="none" w="med" len="med"/>
+                      <a:tailEnd type="none" w="med" len="med"/>
+                    </a:lnB>
+                    <a:solidFill>
+                      <a:schemeClr val="accent2">
+                        <a:lumMod val="20000"/>
+                        <a:lumOff val="80000"/>
+                      </a:schemeClr>
+                    </a:solidFill>
+                  </a:tcPr>
+                </a:tc>
+                <a:tc>
+                  <a:txBody>
+                    <a:bodyPr/>
+                    <a:lstStyle/>
+                    <a:p>
+                      <a:pPr algn="ctr"/>
+                      <a:r>
+                        <a:rPr lang="en-US" sz="1400" b="1" i="0" dirty="0">
+                          <a:latin typeface="Avenir Black" panose="02000503020000020003" pitchFamily="2" charset="0"/>
+                        </a:rPr>
+                        <a:t>P-value </a:t>
+                      </a:r>
+                    </a:p>
+                    <a:p>
+                      <a:pPr algn="ctr"/>
+                      <a:r>
+                        <a:rPr lang="en-US" sz="1000" b="1" i="0" dirty="0" err="1">
+                          <a:latin typeface="Avenir Black" panose="02000503020000020003" pitchFamily="2" charset="0"/>
+                        </a:rPr>
+                        <a:t>Hotelling</a:t>
+                      </a:r>
+                      <a:r>
+                        <a:rPr lang="en-US" sz="1000" b="1" i="0" dirty="0">
+                          <a:latin typeface="Avenir Black" panose="02000503020000020003" pitchFamily="2" charset="0"/>
+                        </a:rPr>
+                        <a:t>/Little</a:t>
+                      </a:r>
+                    </a:p>
+                  </a:txBody>
+                  <a:tcPr anchor="b">
+                    <a:lnL w="12700" cap="flat" cmpd="sng" algn="ctr">
+                      <a:solidFill>
+                        <a:schemeClr val="tx1"/>
+                      </a:solidFill>
+                      <a:prstDash val="solid"/>
+                      <a:round/>
+                      <a:headEnd type="none" w="med" len="med"/>
+                      <a:tailEnd type="none" w="med" len="med"/>
+                    </a:lnL>
+                    <a:lnR w="12700" cap="flat" cmpd="sng" algn="ctr">
+                      <a:solidFill>
+                        <a:schemeClr val="tx1"/>
+                      </a:solidFill>
+                      <a:prstDash val="solid"/>
+                      <a:round/>
+                      <a:headEnd type="none" w="med" len="med"/>
+                      <a:tailEnd type="none" w="med" len="med"/>
+                    </a:lnR>
+                    <a:lnT w="12700" cap="flat" cmpd="sng" algn="ctr">
+                      <a:solidFill>
+                        <a:schemeClr val="tx1"/>
+                      </a:solidFill>
+                      <a:prstDash val="solid"/>
+                      <a:round/>
+                      <a:headEnd type="none" w="med" len="med"/>
+                      <a:tailEnd type="none" w="med" len="med"/>
+                    </a:lnT>
+                    <a:lnB w="12700" cap="flat" cmpd="sng" algn="ctr">
+                      <a:solidFill>
+                        <a:schemeClr val="tx1"/>
+                      </a:solidFill>
+                      <a:prstDash val="solid"/>
+                      <a:round/>
+                      <a:headEnd type="none" w="med" len="med"/>
+                      <a:tailEnd type="none" w="med" len="med"/>
+                    </a:lnB>
+                    <a:solidFill>
+                      <a:schemeClr val="accent2">
+                        <a:lumMod val="20000"/>
+                        <a:lumOff val="80000"/>
+                      </a:schemeClr>
+                    </a:solidFill>
+                  </a:tcPr>
+                </a:tc>
+                <a:tc>
+                  <a:txBody>
+                    <a:bodyPr/>
+                    <a:lstStyle/>
+                    <a:p>
+                      <a:pPr algn="ctr"/>
+                      <a:r>
+                        <a:rPr lang="en-US" sz="1400" b="1" i="0" dirty="0">
+                          <a:latin typeface="Avenir Black" panose="02000503020000020003" pitchFamily="2" charset="0"/>
+                        </a:rPr>
+                        <a:t>AUC </a:t>
+                      </a:r>
+                    </a:p>
+                    <a:p>
+                      <a:pPr algn="ctr"/>
+                      <a:r>
+                        <a:rPr lang="en-US" sz="1000" b="1" i="0" dirty="0">
+                          <a:latin typeface="Avenir Black" panose="02000503020000020003" pitchFamily="2" charset="0"/>
+                        </a:rPr>
+                        <a:t>(are under the </a:t>
+                      </a:r>
+                    </a:p>
+                    <a:p>
+                      <a:pPr algn="ctr"/>
+                      <a:r>
+                        <a:rPr lang="en-US" sz="1000" b="1" i="0" dirty="0">
+                          <a:latin typeface="Avenir Black" panose="02000503020000020003" pitchFamily="2" charset="0"/>
+                        </a:rPr>
+                        <a:t>receiver operating curve)</a:t>
+                      </a:r>
+                    </a:p>
+                  </a:txBody>
+                  <a:tcPr anchor="b">
+                    <a:lnL w="12700" cap="flat" cmpd="sng" algn="ctr">
+                      <a:solidFill>
+                        <a:schemeClr val="tx1"/>
+                      </a:solidFill>
+                      <a:prstDash val="solid"/>
+                      <a:round/>
+                      <a:headEnd type="none" w="med" len="med"/>
+                      <a:tailEnd type="none" w="med" len="med"/>
+                    </a:lnL>
+                    <a:lnR w="12700" cap="flat" cmpd="sng" algn="ctr">
+                      <a:solidFill>
+                        <a:schemeClr val="tx1"/>
+                      </a:solidFill>
+                      <a:prstDash val="solid"/>
+                      <a:round/>
+                      <a:headEnd type="none" w="med" len="med"/>
+                      <a:tailEnd type="none" w="med" len="med"/>
+                    </a:lnR>
+                    <a:lnT w="12700" cap="flat" cmpd="sng" algn="ctr">
+                      <a:solidFill>
+                        <a:schemeClr val="tx1"/>
+                      </a:solidFill>
+                      <a:prstDash val="solid"/>
+                      <a:round/>
+                      <a:headEnd type="none" w="med" len="med"/>
+                      <a:tailEnd type="none" w="med" len="med"/>
+                    </a:lnT>
+                    <a:lnB w="12700" cap="flat" cmpd="sng" algn="ctr">
+                      <a:solidFill>
+                        <a:schemeClr val="tx1"/>
+                      </a:solidFill>
+                      <a:prstDash val="solid"/>
+                      <a:round/>
+                      <a:headEnd type="none" w="med" len="med"/>
+                      <a:tailEnd type="none" w="med" len="med"/>
+                    </a:lnB>
+                    <a:solidFill>
+                      <a:schemeClr val="accent5">
+                        <a:lumMod val="20000"/>
+                        <a:lumOff val="80000"/>
+                      </a:schemeClr>
+                    </a:solidFill>
+                  </a:tcPr>
+                </a:tc>
+                <a:tc>
+                  <a:txBody>
+                    <a:bodyPr/>
+                    <a:lstStyle/>
+                    <a:p>
+                      <a:pPr algn="ctr"/>
+                      <a:r>
+                        <a:rPr lang="en-US" sz="1400" b="1" i="0" dirty="0">
+                          <a:latin typeface="Avenir Black" panose="02000503020000020003" pitchFamily="2" charset="0"/>
+                        </a:rPr>
+                        <a:t>Log HR </a:t>
+                      </a:r>
+                    </a:p>
+                    <a:p>
+                      <a:pPr algn="ctr"/>
+                      <a:r>
+                        <a:rPr lang="en-US" sz="1000" b="1" i="0" dirty="0">
+                          <a:latin typeface="Avenir Black" panose="02000503020000020003" pitchFamily="2" charset="0"/>
+                        </a:rPr>
+                        <a:t>(crude)</a:t>
+                      </a:r>
+                    </a:p>
+                  </a:txBody>
+                  <a:tcPr anchor="b">
+                    <a:lnL w="12700" cap="flat" cmpd="sng" algn="ctr">
+                      <a:solidFill>
+                        <a:schemeClr val="tx1"/>
+                      </a:solidFill>
+                      <a:prstDash val="solid"/>
+                      <a:round/>
+                      <a:headEnd type="none" w="med" len="med"/>
+                      <a:tailEnd type="none" w="med" len="med"/>
+                    </a:lnL>
+                    <a:lnR w="12700" cap="flat" cmpd="sng" algn="ctr">
+                      <a:solidFill>
+                        <a:schemeClr val="tx1"/>
+                      </a:solidFill>
+                      <a:prstDash val="solid"/>
+                      <a:round/>
+                      <a:headEnd type="none" w="med" len="med"/>
+                      <a:tailEnd type="none" w="med" len="med"/>
+                    </a:lnR>
+                    <a:lnT w="12700" cap="flat" cmpd="sng" algn="ctr">
+                      <a:solidFill>
+                        <a:schemeClr val="tx1"/>
+                      </a:solidFill>
+                      <a:prstDash val="solid"/>
+                      <a:round/>
+                      <a:headEnd type="none" w="med" len="med"/>
+                      <a:tailEnd type="none" w="med" len="med"/>
+                    </a:lnT>
+                    <a:lnB w="12700" cap="flat" cmpd="sng" algn="ctr">
+                      <a:solidFill>
+                        <a:schemeClr val="tx1"/>
+                      </a:solidFill>
+                      <a:prstDash val="solid"/>
+                      <a:round/>
+                      <a:headEnd type="none" w="med" len="med"/>
+                      <a:tailEnd type="none" w="med" len="med"/>
+                    </a:lnB>
+                    <a:solidFill>
+                      <a:schemeClr val="accent6">
+                        <a:lumMod val="20000"/>
+                        <a:lumOff val="80000"/>
+                      </a:schemeClr>
+                    </a:solidFill>
+                  </a:tcPr>
+                </a:tc>
+                <a:tc>
+                  <a:txBody>
+                    <a:bodyPr/>
+                    <a:lstStyle/>
+                    <a:p>
+                      <a:pPr marL="0" marR="0" lvl="0" indent="0" algn="ctr" defTabSz="685800" rtl="0" eaLnBrk="1" fontAlgn="auto" latinLnBrk="0" hangingPunct="1">
+                        <a:lnSpc>
+                          <a:spcPct val="100000"/>
+                        </a:lnSpc>
+                        <a:spcBef>
+                          <a:spcPts val="0"/>
+                        </a:spcBef>
+                        <a:spcAft>
+                          <a:spcPts val="0"/>
+                        </a:spcAft>
+                        <a:buClrTx/>
+                        <a:buSzTx/>
+                        <a:buFontTx/>
+                        <a:buNone/>
+                        <a:tabLst/>
+                        <a:defRPr/>
+                      </a:pPr>
+                      <a:r>
+                        <a:rPr lang="en-US" sz="1400" b="1" i="0" dirty="0">
+                          <a:latin typeface="Avenir Black" panose="02000503020000020003" pitchFamily="2" charset="0"/>
+                        </a:rPr>
+                        <a:t>Log HR </a:t>
+                      </a:r>
+                    </a:p>
+                    <a:p>
+                      <a:pPr marL="0" marR="0" lvl="0" indent="0" algn="ctr" defTabSz="685800" rtl="0" eaLnBrk="1" fontAlgn="auto" latinLnBrk="0" hangingPunct="1">
+                        <a:lnSpc>
+                          <a:spcPct val="100000"/>
+                        </a:lnSpc>
+                        <a:spcBef>
+                          <a:spcPts val="0"/>
+                        </a:spcBef>
+                        <a:spcAft>
+                          <a:spcPts val="0"/>
+                        </a:spcAft>
+                        <a:buClrTx/>
+                        <a:buSzTx/>
+                        <a:buFontTx/>
+                        <a:buNone/>
+                        <a:tabLst/>
+                        <a:defRPr/>
+                      </a:pPr>
+                      <a:r>
+                        <a:rPr lang="en-US" sz="1000" b="1" i="0" dirty="0">
+                          <a:latin typeface="Avenir Black" panose="02000503020000020003" pitchFamily="2" charset="0"/>
+                        </a:rPr>
+                        <a:t>(adjusted)</a:t>
+                      </a:r>
+                    </a:p>
+                  </a:txBody>
+                  <a:tcPr anchor="b">
+                    <a:lnL w="12700" cap="flat" cmpd="sng" algn="ctr">
+                      <a:solidFill>
+                        <a:schemeClr val="tx1"/>
+                      </a:solidFill>
+                      <a:prstDash val="solid"/>
+                      <a:round/>
+                      <a:headEnd type="none" w="med" len="med"/>
+                      <a:tailEnd type="none" w="med" len="med"/>
+                    </a:lnL>
+                    <a:lnR w="12700" cap="flat" cmpd="sng" algn="ctr">
+                      <a:solidFill>
+                        <a:schemeClr val="tx1"/>
+                      </a:solidFill>
+                      <a:prstDash val="solid"/>
+                      <a:round/>
+                      <a:headEnd type="none" w="med" len="med"/>
+                      <a:tailEnd type="none" w="med" len="med"/>
+                    </a:lnR>
+                    <a:lnT w="12700" cap="flat" cmpd="sng" algn="ctr">
+                      <a:solidFill>
+                        <a:schemeClr val="tx1"/>
+                      </a:solidFill>
+                      <a:prstDash val="solid"/>
+                      <a:round/>
+                      <a:headEnd type="none" w="med" len="med"/>
+                      <a:tailEnd type="none" w="med" len="med"/>
+                    </a:lnT>
+                    <a:lnB w="12700" cap="flat" cmpd="sng" algn="ctr">
+                      <a:solidFill>
+                        <a:schemeClr val="tx1"/>
+                      </a:solidFill>
+                      <a:prstDash val="solid"/>
+                      <a:round/>
+                      <a:headEnd type="none" w="med" len="med"/>
+                      <a:tailEnd type="none" w="med" len="med"/>
+                    </a:lnB>
+                    <a:solidFill>
+                      <a:schemeClr val="accent6">
+                        <a:lumMod val="20000"/>
+                        <a:lumOff val="80000"/>
+                      </a:schemeClr>
+                    </a:solidFill>
+                  </a:tcPr>
+                </a:tc>
+                <a:extLst>
+                  <a:ext uri="{0D108BD9-81ED-4DB2-BD59-A6C34878D82A}">
+                    <a16:rowId xmlns:a16="http://schemas.microsoft.com/office/drawing/2014/main" val="3797417887"/>
+                  </a:ext>
+                </a:extLst>
+              </a:tr>
+              <a:tr h="414796">
+                <a:tc>
+                  <a:txBody>
+                    <a:bodyPr/>
+                    <a:lstStyle/>
+                    <a:p>
+                      <a:r>
+                        <a:rPr lang="en-US" sz="1400" b="1" dirty="0">
+                          <a:latin typeface="Avenir Book" panose="02000503020000020003"/>
+                        </a:rPr>
+                        <a:t>MCAR</a:t>
+                      </a:r>
+                    </a:p>
+                  </a:txBody>
+                  <a:tcPr>
+                    <a:lnL w="12700" cap="flat" cmpd="sng" algn="ctr">
+                      <a:solidFill>
+                        <a:schemeClr val="tx1"/>
+                      </a:solidFill>
+                      <a:prstDash val="solid"/>
+                      <a:round/>
+                      <a:headEnd type="none" w="med" len="med"/>
+                      <a:tailEnd type="none" w="med" len="med"/>
+                    </a:lnL>
+                    <a:lnR w="12700" cap="flat" cmpd="sng" algn="ctr">
+                      <a:solidFill>
+                        <a:schemeClr val="tx1"/>
+                      </a:solidFill>
+                      <a:prstDash val="solid"/>
+                      <a:round/>
+                      <a:headEnd type="none" w="med" len="med"/>
+                      <a:tailEnd type="none" w="med" len="med"/>
+                    </a:lnR>
+                    <a:lnT w="12700" cap="flat" cmpd="sng" algn="ctr">
+                      <a:solidFill>
+                        <a:schemeClr val="tx1"/>
+                      </a:solidFill>
+                      <a:prstDash val="solid"/>
+                      <a:round/>
+                      <a:headEnd type="none" w="med" len="med"/>
+                      <a:tailEnd type="none" w="med" len="med"/>
+                    </a:lnT>
+                    <a:lnB w="12700" cap="flat" cmpd="sng" algn="ctr">
+                      <a:solidFill>
+                        <a:schemeClr val="tx1"/>
+                      </a:solidFill>
+                      <a:prstDash val="solid"/>
+                      <a:round/>
+                      <a:headEnd type="none" w="med" len="med"/>
+                      <a:tailEnd type="none" w="med" len="med"/>
+                    </a:lnB>
+                  </a:tcPr>
+                </a:tc>
+                <a:tc>
+                  <a:txBody>
+                    <a:bodyPr/>
+                    <a:lstStyle/>
+                    <a:p>
+                      <a:r>
+                        <a:rPr lang="en-US" sz="1400" dirty="0">
+                          <a:latin typeface="Avenir Book" panose="02000503020000020003"/>
+                        </a:rPr>
+                        <a:t>0.05</a:t>
+                      </a:r>
+                    </a:p>
+                  </a:txBody>
+                  <a:tcPr>
+                    <a:lnL w="12700" cap="flat" cmpd="sng" algn="ctr">
+                      <a:solidFill>
+                        <a:schemeClr val="tx1"/>
+                      </a:solidFill>
+                      <a:prstDash val="solid"/>
+                      <a:round/>
+                      <a:headEnd type="none" w="med" len="med"/>
+                      <a:tailEnd type="none" w="med" len="med"/>
+                    </a:lnL>
+                    <a:lnR w="12700" cap="flat" cmpd="sng" algn="ctr">
+                      <a:solidFill>
+                        <a:schemeClr val="tx1"/>
+                      </a:solidFill>
+                      <a:prstDash val="solid"/>
+                      <a:round/>
+                      <a:headEnd type="none" w="med" len="med"/>
+                      <a:tailEnd type="none" w="med" len="med"/>
+                    </a:lnR>
+                    <a:lnT w="12700" cap="flat" cmpd="sng" algn="ctr">
+                      <a:solidFill>
+                        <a:schemeClr val="tx1"/>
+                      </a:solidFill>
+                      <a:prstDash val="solid"/>
+                      <a:round/>
+                      <a:headEnd type="none" w="med" len="med"/>
+                      <a:tailEnd type="none" w="med" len="med"/>
+                    </a:lnT>
+                    <a:lnB w="12700" cap="flat" cmpd="sng" algn="ctr">
+                      <a:solidFill>
+                        <a:schemeClr val="tx1"/>
+                      </a:solidFill>
+                      <a:prstDash val="solid"/>
+                      <a:round/>
+                      <a:headEnd type="none" w="med" len="med"/>
+                      <a:tailEnd type="none" w="med" len="med"/>
+                    </a:lnB>
+                    <a:solidFill>
+                      <a:schemeClr val="accent2">
+                        <a:lumMod val="20000"/>
+                        <a:lumOff val="80000"/>
+                      </a:schemeClr>
+                    </a:solidFill>
+                  </a:tcPr>
+                </a:tc>
+                <a:tc>
+                  <a:txBody>
+                    <a:bodyPr/>
+                    <a:lstStyle/>
+                    <a:p>
+                      <a:r>
+                        <a:rPr lang="en-US" sz="1400" dirty="0">
+                          <a:latin typeface="Avenir Book" panose="02000503020000020003"/>
+                        </a:rPr>
+                        <a:t>0.5</a:t>
+                      </a:r>
+                    </a:p>
+                  </a:txBody>
+                  <a:tcPr>
+                    <a:lnL w="12700" cap="flat" cmpd="sng" algn="ctr">
+                      <a:solidFill>
+                        <a:schemeClr val="tx1"/>
+                      </a:solidFill>
+                      <a:prstDash val="solid"/>
+                      <a:round/>
+                      <a:headEnd type="none" w="med" len="med"/>
+                      <a:tailEnd type="none" w="med" len="med"/>
+                    </a:lnL>
+                    <a:lnR w="12700" cap="flat" cmpd="sng" algn="ctr">
+                      <a:solidFill>
+                        <a:schemeClr val="tx1"/>
+                      </a:solidFill>
+                      <a:prstDash val="solid"/>
+                      <a:round/>
+                      <a:headEnd type="none" w="med" len="med"/>
+                      <a:tailEnd type="none" w="med" len="med"/>
+                    </a:lnR>
+                    <a:lnT w="12700" cap="flat" cmpd="sng" algn="ctr">
+                      <a:solidFill>
+                        <a:schemeClr val="tx1"/>
+                      </a:solidFill>
+                      <a:prstDash val="solid"/>
+                      <a:round/>
+                      <a:headEnd type="none" w="med" len="med"/>
+                      <a:tailEnd type="none" w="med" len="med"/>
+                    </a:lnT>
+                    <a:lnB w="12700" cap="flat" cmpd="sng" algn="ctr">
+                      <a:solidFill>
+                        <a:schemeClr val="tx1"/>
+                      </a:solidFill>
+                      <a:prstDash val="solid"/>
+                      <a:round/>
+                      <a:headEnd type="none" w="med" len="med"/>
+                      <a:tailEnd type="none" w="med" len="med"/>
+                    </a:lnB>
+                    <a:solidFill>
+                      <a:schemeClr val="accent2">
+                        <a:lumMod val="20000"/>
+                        <a:lumOff val="80000"/>
+                      </a:schemeClr>
+                    </a:solidFill>
+                  </a:tcPr>
+                </a:tc>
+                <a:tc>
+                  <a:txBody>
+                    <a:bodyPr/>
+                    <a:lstStyle/>
+                    <a:p>
+                      <a:r>
+                        <a:rPr lang="en-US" sz="1400" dirty="0">
+                          <a:latin typeface="Avenir Book" panose="02000503020000020003"/>
+                        </a:rPr>
+                        <a:t>0.50</a:t>
+                      </a:r>
+                    </a:p>
+                  </a:txBody>
+                  <a:tcPr>
+                    <a:lnL w="12700" cap="flat" cmpd="sng" algn="ctr">
+                      <a:solidFill>
+                        <a:schemeClr val="tx1"/>
+                      </a:solidFill>
+                      <a:prstDash val="solid"/>
+                      <a:round/>
+                      <a:headEnd type="none" w="med" len="med"/>
+                      <a:tailEnd type="none" w="med" len="med"/>
+                    </a:lnL>
+                    <a:lnR w="12700" cap="flat" cmpd="sng" algn="ctr">
+                      <a:solidFill>
+                        <a:schemeClr val="tx1"/>
+                      </a:solidFill>
+                      <a:prstDash val="solid"/>
+                      <a:round/>
+                      <a:headEnd type="none" w="med" len="med"/>
+                      <a:tailEnd type="none" w="med" len="med"/>
+                    </a:lnR>
+                    <a:lnT w="12700" cap="flat" cmpd="sng" algn="ctr">
+                      <a:solidFill>
+                        <a:schemeClr val="tx1"/>
+                      </a:solidFill>
+                      <a:prstDash val="solid"/>
+                      <a:round/>
+                      <a:headEnd type="none" w="med" len="med"/>
+                      <a:tailEnd type="none" w="med" len="med"/>
+                    </a:lnT>
+                    <a:lnB w="12700" cap="flat" cmpd="sng" algn="ctr">
+                      <a:solidFill>
+                        <a:schemeClr val="tx1"/>
+                      </a:solidFill>
+                      <a:prstDash val="solid"/>
+                      <a:round/>
+                      <a:headEnd type="none" w="med" len="med"/>
+                      <a:tailEnd type="none" w="med" len="med"/>
+                    </a:lnB>
+                    <a:solidFill>
+                      <a:schemeClr val="accent5">
+                        <a:lumMod val="20000"/>
+                        <a:lumOff val="80000"/>
+                      </a:schemeClr>
+                    </a:solidFill>
+                  </a:tcPr>
+                </a:tc>
+                <a:tc>
+                  <a:txBody>
+                    <a:bodyPr/>
+                    <a:lstStyle/>
+                    <a:p>
+                      <a:r>
+                        <a:rPr lang="en-US" sz="1400" dirty="0">
+                          <a:latin typeface="Avenir Book" panose="02000503020000020003"/>
+                        </a:rPr>
+                        <a:t>-0.01</a:t>
+                      </a:r>
+                    </a:p>
+                  </a:txBody>
+                  <a:tcPr>
+                    <a:lnL w="12700" cap="flat" cmpd="sng" algn="ctr">
+                      <a:solidFill>
+                        <a:schemeClr val="tx1"/>
+                      </a:solidFill>
+                      <a:prstDash val="solid"/>
+                      <a:round/>
+                      <a:headEnd type="none" w="med" len="med"/>
+                      <a:tailEnd type="none" w="med" len="med"/>
+                    </a:lnL>
+                    <a:lnR w="12700" cap="flat" cmpd="sng" algn="ctr">
+                      <a:solidFill>
+                        <a:schemeClr val="tx1"/>
+                      </a:solidFill>
+                      <a:prstDash val="solid"/>
+                      <a:round/>
+                      <a:headEnd type="none" w="med" len="med"/>
+                      <a:tailEnd type="none" w="med" len="med"/>
+                    </a:lnR>
+                    <a:lnT w="12700" cap="flat" cmpd="sng" algn="ctr">
+                      <a:solidFill>
+                        <a:schemeClr val="tx1"/>
+                      </a:solidFill>
+                      <a:prstDash val="solid"/>
+                      <a:round/>
+                      <a:headEnd type="none" w="med" len="med"/>
+                      <a:tailEnd type="none" w="med" len="med"/>
+                    </a:lnT>
+                    <a:lnB w="12700" cap="flat" cmpd="sng" algn="ctr">
+                      <a:solidFill>
+                        <a:schemeClr val="tx1"/>
+                      </a:solidFill>
+                      <a:prstDash val="solid"/>
+                      <a:round/>
+                      <a:headEnd type="none" w="med" len="med"/>
+                      <a:tailEnd type="none" w="med" len="med"/>
+                    </a:lnB>
+                    <a:solidFill>
+                      <a:schemeClr val="accent6">
+                        <a:lumMod val="20000"/>
+                        <a:lumOff val="80000"/>
+                      </a:schemeClr>
+                    </a:solidFill>
+                  </a:tcPr>
+                </a:tc>
+                <a:tc>
+                  <a:txBody>
+                    <a:bodyPr/>
+                    <a:lstStyle/>
+                    <a:p>
+                      <a:r>
+                        <a:rPr lang="en-US" sz="1400" dirty="0">
+                          <a:latin typeface="Avenir Book" panose="02000503020000020003"/>
+                        </a:rPr>
+                        <a:t>0.00</a:t>
+                      </a:r>
+                    </a:p>
+                  </a:txBody>
+                  <a:tcPr>
+                    <a:lnL w="12700" cap="flat" cmpd="sng" algn="ctr">
+                      <a:solidFill>
+                        <a:schemeClr val="tx1"/>
+                      </a:solidFill>
+                      <a:prstDash val="solid"/>
+                      <a:round/>
+                      <a:headEnd type="none" w="med" len="med"/>
+                      <a:tailEnd type="none" w="med" len="med"/>
+                    </a:lnL>
+                    <a:lnR w="12700" cap="flat" cmpd="sng" algn="ctr">
+                      <a:solidFill>
+                        <a:schemeClr val="tx1"/>
+                      </a:solidFill>
+                      <a:prstDash val="solid"/>
+                      <a:round/>
+                      <a:headEnd type="none" w="med" len="med"/>
+                      <a:tailEnd type="none" w="med" len="med"/>
+                    </a:lnR>
+                    <a:lnT w="12700" cap="flat" cmpd="sng" algn="ctr">
+                      <a:solidFill>
+                        <a:schemeClr val="tx1"/>
+                      </a:solidFill>
+                      <a:prstDash val="solid"/>
+                      <a:round/>
+                      <a:headEnd type="none" w="med" len="med"/>
+                      <a:tailEnd type="none" w="med" len="med"/>
+                    </a:lnT>
+                    <a:lnB w="12700" cap="flat" cmpd="sng" algn="ctr">
+                      <a:solidFill>
+                        <a:schemeClr val="tx1"/>
+                      </a:solidFill>
+                      <a:prstDash val="solid"/>
+                      <a:round/>
+                      <a:headEnd type="none" w="med" len="med"/>
+                      <a:tailEnd type="none" w="med" len="med"/>
+                    </a:lnB>
+                    <a:solidFill>
+                      <a:schemeClr val="accent6">
+                        <a:lumMod val="20000"/>
+                        <a:lumOff val="80000"/>
+                      </a:schemeClr>
+                    </a:solidFill>
+                  </a:tcPr>
+                </a:tc>
+                <a:extLst>
+                  <a:ext uri="{0D108BD9-81ED-4DB2-BD59-A6C34878D82A}">
+                    <a16:rowId xmlns:a16="http://schemas.microsoft.com/office/drawing/2014/main" val="1346357246"/>
+                  </a:ext>
+                </a:extLst>
+              </a:tr>
+              <a:tr h="414796">
+                <a:tc>
+                  <a:txBody>
+                    <a:bodyPr/>
+                    <a:lstStyle/>
+                    <a:p>
+                      <a:r>
+                        <a:rPr lang="en-US" sz="1400" b="1" dirty="0">
+                          <a:latin typeface="Avenir Book" panose="02000503020000020003"/>
+                        </a:rPr>
+                        <a:t>MAR</a:t>
+                      </a:r>
+                    </a:p>
+                  </a:txBody>
+                  <a:tcPr>
+                    <a:lnL w="12700" cap="flat" cmpd="sng" algn="ctr">
+                      <a:solidFill>
+                        <a:schemeClr val="tx1"/>
+                      </a:solidFill>
+                      <a:prstDash val="solid"/>
+                      <a:round/>
+                      <a:headEnd type="none" w="med" len="med"/>
+                      <a:tailEnd type="none" w="med" len="med"/>
+                    </a:lnL>
+                    <a:lnR w="12700" cap="flat" cmpd="sng" algn="ctr">
+                      <a:solidFill>
+                        <a:schemeClr val="tx1"/>
+                      </a:solidFill>
+                      <a:prstDash val="solid"/>
+                      <a:round/>
+                      <a:headEnd type="none" w="med" len="med"/>
+                      <a:tailEnd type="none" w="med" len="med"/>
+                    </a:lnR>
+                    <a:lnT w="12700" cap="flat" cmpd="sng" algn="ctr">
+                      <a:solidFill>
+                        <a:schemeClr val="tx1"/>
+                      </a:solidFill>
+                      <a:prstDash val="solid"/>
+                      <a:round/>
+                      <a:headEnd type="none" w="med" len="med"/>
+                      <a:tailEnd type="none" w="med" len="med"/>
+                    </a:lnT>
+                    <a:lnB w="12700" cap="flat" cmpd="sng" algn="ctr">
+                      <a:solidFill>
+                        <a:schemeClr val="tx1"/>
+                      </a:solidFill>
+                      <a:prstDash val="solid"/>
+                      <a:round/>
+                      <a:headEnd type="none" w="med" len="med"/>
+                      <a:tailEnd type="none" w="med" len="med"/>
+                    </a:lnB>
+                  </a:tcPr>
+                </a:tc>
+                <a:tc>
+                  <a:txBody>
+                    <a:bodyPr/>
+                    <a:lstStyle/>
+                    <a:p>
+                      <a:r>
+                        <a:rPr lang="en-US" sz="1400" dirty="0">
+                          <a:latin typeface="Avenir Book" panose="02000503020000020003"/>
+                        </a:rPr>
+                        <a:t>0.20</a:t>
+                      </a:r>
+                    </a:p>
+                  </a:txBody>
+                  <a:tcPr>
+                    <a:lnL w="12700" cap="flat" cmpd="sng" algn="ctr">
+                      <a:solidFill>
+                        <a:schemeClr val="tx1"/>
+                      </a:solidFill>
+                      <a:prstDash val="solid"/>
+                      <a:round/>
+                      <a:headEnd type="none" w="med" len="med"/>
+                      <a:tailEnd type="none" w="med" len="med"/>
+                    </a:lnL>
+                    <a:lnR w="12700" cap="flat" cmpd="sng" algn="ctr">
+                      <a:solidFill>
+                        <a:schemeClr val="tx1"/>
+                      </a:solidFill>
+                      <a:prstDash val="solid"/>
+                      <a:round/>
+                      <a:headEnd type="none" w="med" len="med"/>
+                      <a:tailEnd type="none" w="med" len="med"/>
+                    </a:lnR>
+                    <a:lnT w="12700" cap="flat" cmpd="sng" algn="ctr">
+                      <a:solidFill>
+                        <a:schemeClr val="tx1"/>
+                      </a:solidFill>
+                      <a:prstDash val="solid"/>
+                      <a:round/>
+                      <a:headEnd type="none" w="med" len="med"/>
+                      <a:tailEnd type="none" w="med" len="med"/>
+                    </a:lnT>
+                    <a:lnB w="12700" cap="flat" cmpd="sng" algn="ctr">
+                      <a:solidFill>
+                        <a:schemeClr val="tx1"/>
+                      </a:solidFill>
+                      <a:prstDash val="solid"/>
+                      <a:round/>
+                      <a:headEnd type="none" w="med" len="med"/>
+                      <a:tailEnd type="none" w="med" len="med"/>
+                    </a:lnB>
+                    <a:solidFill>
+                      <a:schemeClr val="accent2">
+                        <a:lumMod val="20000"/>
+                        <a:lumOff val="80000"/>
+                      </a:schemeClr>
+                    </a:solidFill>
+                  </a:tcPr>
+                </a:tc>
+                <a:tc>
+                  <a:txBody>
+                    <a:bodyPr/>
+                    <a:lstStyle/>
+                    <a:p>
+                      <a:r>
+                        <a:rPr lang="en-US" sz="1400" dirty="0">
+                          <a:latin typeface="Avenir Book" panose="02000503020000020003"/>
+                        </a:rPr>
+                        <a:t>&lt;.001</a:t>
+                      </a:r>
+                    </a:p>
+                  </a:txBody>
+                  <a:tcPr>
+                    <a:lnL w="12700" cap="flat" cmpd="sng" algn="ctr">
+                      <a:solidFill>
+                        <a:schemeClr val="tx1"/>
+                      </a:solidFill>
+                      <a:prstDash val="solid"/>
+                      <a:round/>
+                      <a:headEnd type="none" w="med" len="med"/>
+                      <a:tailEnd type="none" w="med" len="med"/>
+                    </a:lnL>
+                    <a:lnR w="12700" cap="flat" cmpd="sng" algn="ctr">
+                      <a:solidFill>
+                        <a:schemeClr val="tx1"/>
+                      </a:solidFill>
+                      <a:prstDash val="solid"/>
+                      <a:round/>
+                      <a:headEnd type="none" w="med" len="med"/>
+                      <a:tailEnd type="none" w="med" len="med"/>
+                    </a:lnR>
+                    <a:lnT w="12700" cap="flat" cmpd="sng" algn="ctr">
+                      <a:solidFill>
+                        <a:schemeClr val="tx1"/>
+                      </a:solidFill>
+                      <a:prstDash val="solid"/>
+                      <a:round/>
+                      <a:headEnd type="none" w="med" len="med"/>
+                      <a:tailEnd type="none" w="med" len="med"/>
+                    </a:lnT>
+                    <a:lnB w="12700" cap="flat" cmpd="sng" algn="ctr">
+                      <a:solidFill>
+                        <a:schemeClr val="tx1"/>
+                      </a:solidFill>
+                      <a:prstDash val="solid"/>
+                      <a:round/>
+                      <a:headEnd type="none" w="med" len="med"/>
+                      <a:tailEnd type="none" w="med" len="med"/>
+                    </a:lnB>
+                    <a:solidFill>
+                      <a:schemeClr val="accent2">
+                        <a:lumMod val="20000"/>
+                        <a:lumOff val="80000"/>
+                      </a:schemeClr>
+                    </a:solidFill>
+                  </a:tcPr>
+                </a:tc>
+                <a:tc>
+                  <a:txBody>
+                    <a:bodyPr/>
+                    <a:lstStyle/>
+                    <a:p>
+                      <a:r>
+                        <a:rPr lang="en-US" sz="1400" dirty="0">
+                          <a:latin typeface="Avenir Book" panose="02000503020000020003"/>
+                        </a:rPr>
+                        <a:t>0.58</a:t>
+                      </a:r>
+                    </a:p>
+                  </a:txBody>
+                  <a:tcPr>
+                    <a:lnL w="12700" cap="flat" cmpd="sng" algn="ctr">
+                      <a:solidFill>
+                        <a:schemeClr val="tx1"/>
+                      </a:solidFill>
+                      <a:prstDash val="solid"/>
+                      <a:round/>
+                      <a:headEnd type="none" w="med" len="med"/>
+                      <a:tailEnd type="none" w="med" len="med"/>
+                    </a:lnL>
+                    <a:lnR w="12700" cap="flat" cmpd="sng" algn="ctr">
+                      <a:solidFill>
+                        <a:schemeClr val="tx1"/>
+                      </a:solidFill>
+                      <a:prstDash val="solid"/>
+                      <a:round/>
+                      <a:headEnd type="none" w="med" len="med"/>
+                      <a:tailEnd type="none" w="med" len="med"/>
+                    </a:lnR>
+                    <a:lnT w="12700" cap="flat" cmpd="sng" algn="ctr">
+                      <a:solidFill>
+                        <a:schemeClr val="tx1"/>
+                      </a:solidFill>
+                      <a:prstDash val="solid"/>
+                      <a:round/>
+                      <a:headEnd type="none" w="med" len="med"/>
+                      <a:tailEnd type="none" w="med" len="med"/>
+                    </a:lnT>
+                    <a:lnB w="12700" cap="flat" cmpd="sng" algn="ctr">
+                      <a:solidFill>
+                        <a:schemeClr val="tx1"/>
+                      </a:solidFill>
+                      <a:prstDash val="solid"/>
+                      <a:round/>
+                      <a:headEnd type="none" w="med" len="med"/>
+                      <a:tailEnd type="none" w="med" len="med"/>
+                    </a:lnB>
+                    <a:solidFill>
+                      <a:schemeClr val="accent5">
+                        <a:lumMod val="20000"/>
+                        <a:lumOff val="80000"/>
+                      </a:schemeClr>
+                    </a:solidFill>
+                  </a:tcPr>
+                </a:tc>
+                <a:tc>
+                  <a:txBody>
+                    <a:bodyPr/>
+                    <a:lstStyle/>
+                    <a:p>
+                      <a:r>
+                        <a:rPr lang="en-US" sz="1400" dirty="0">
+                          <a:latin typeface="Avenir Book" panose="02000503020000020003"/>
+                        </a:rPr>
+                        <a:t>0.53</a:t>
+                      </a:r>
+                    </a:p>
+                  </a:txBody>
+                  <a:tcPr>
+                    <a:lnL w="12700" cap="flat" cmpd="sng" algn="ctr">
+                      <a:solidFill>
+                        <a:schemeClr val="tx1"/>
+                      </a:solidFill>
+                      <a:prstDash val="solid"/>
+                      <a:round/>
+                      <a:headEnd type="none" w="med" len="med"/>
+                      <a:tailEnd type="none" w="med" len="med"/>
+                    </a:lnL>
+                    <a:lnR w="12700" cap="flat" cmpd="sng" algn="ctr">
+                      <a:solidFill>
+                        <a:schemeClr val="tx1"/>
+                      </a:solidFill>
+                      <a:prstDash val="solid"/>
+                      <a:round/>
+                      <a:headEnd type="none" w="med" len="med"/>
+                      <a:tailEnd type="none" w="med" len="med"/>
+                    </a:lnR>
+                    <a:lnT w="12700" cap="flat" cmpd="sng" algn="ctr">
+                      <a:solidFill>
+                        <a:schemeClr val="tx1"/>
+                      </a:solidFill>
+                      <a:prstDash val="solid"/>
+                      <a:round/>
+                      <a:headEnd type="none" w="med" len="med"/>
+                      <a:tailEnd type="none" w="med" len="med"/>
+                    </a:lnT>
+                    <a:lnB w="12700" cap="flat" cmpd="sng" algn="ctr">
+                      <a:solidFill>
+                        <a:schemeClr val="tx1"/>
+                      </a:solidFill>
+                      <a:prstDash val="solid"/>
+                      <a:round/>
+                      <a:headEnd type="none" w="med" len="med"/>
+                      <a:tailEnd type="none" w="med" len="med"/>
+                    </a:lnB>
+                    <a:solidFill>
+                      <a:schemeClr val="accent6">
+                        <a:lumMod val="20000"/>
+                        <a:lumOff val="80000"/>
+                      </a:schemeClr>
+                    </a:solidFill>
+                  </a:tcPr>
+                </a:tc>
+                <a:tc>
+                  <a:txBody>
+                    <a:bodyPr/>
+                    <a:lstStyle/>
+                    <a:p>
+                      <a:r>
+                        <a:rPr lang="en-US" sz="1400" dirty="0">
+                          <a:latin typeface="Avenir Book" panose="02000503020000020003"/>
+                        </a:rPr>
+                        <a:t>0.00</a:t>
+                      </a:r>
+                    </a:p>
+                  </a:txBody>
+                  <a:tcPr>
+                    <a:lnL w="12700" cap="flat" cmpd="sng" algn="ctr">
+                      <a:solidFill>
+                        <a:schemeClr val="tx1"/>
+                      </a:solidFill>
+                      <a:prstDash val="solid"/>
+                      <a:round/>
+                      <a:headEnd type="none" w="med" len="med"/>
+                      <a:tailEnd type="none" w="med" len="med"/>
+                    </a:lnL>
+                    <a:lnR w="12700" cap="flat" cmpd="sng" algn="ctr">
+                      <a:solidFill>
+                        <a:schemeClr val="tx1"/>
+                      </a:solidFill>
+                      <a:prstDash val="solid"/>
+                      <a:round/>
+                      <a:headEnd type="none" w="med" len="med"/>
+                      <a:tailEnd type="none" w="med" len="med"/>
+                    </a:lnR>
+                    <a:lnT w="12700" cap="flat" cmpd="sng" algn="ctr">
+                      <a:solidFill>
+                        <a:schemeClr val="tx1"/>
+                      </a:solidFill>
+                      <a:prstDash val="solid"/>
+                      <a:round/>
+                      <a:headEnd type="none" w="med" len="med"/>
+                      <a:tailEnd type="none" w="med" len="med"/>
+                    </a:lnT>
+                    <a:lnB w="12700" cap="flat" cmpd="sng" algn="ctr">
+                      <a:solidFill>
+                        <a:schemeClr val="tx1"/>
+                      </a:solidFill>
+                      <a:prstDash val="solid"/>
+                      <a:round/>
+                      <a:headEnd type="none" w="med" len="med"/>
+                      <a:tailEnd type="none" w="med" len="med"/>
+                    </a:lnB>
+                    <a:solidFill>
+                      <a:schemeClr val="accent6">
+                        <a:lumMod val="20000"/>
+                        <a:lumOff val="80000"/>
+                      </a:schemeClr>
+                    </a:solidFill>
+                  </a:tcPr>
+                </a:tc>
+                <a:extLst>
+                  <a:ext uri="{0D108BD9-81ED-4DB2-BD59-A6C34878D82A}">
+                    <a16:rowId xmlns:a16="http://schemas.microsoft.com/office/drawing/2014/main" val="50545016"/>
+                  </a:ext>
+                </a:extLst>
+              </a:tr>
+              <a:tr h="414796">
+                <a:tc>
+                  <a:txBody>
+                    <a:bodyPr/>
+                    <a:lstStyle/>
+                    <a:p>
+                      <a:r>
+                        <a:rPr lang="en-US" sz="1400" b="1" dirty="0" err="1">
+                          <a:latin typeface="Avenir Book" panose="02000503020000020003"/>
+                        </a:rPr>
+                        <a:t>MNAR</a:t>
+                      </a:r>
+                      <a:r>
+                        <a:rPr lang="en-US" sz="1400" b="1" baseline="-25000" dirty="0" err="1">
+                          <a:latin typeface="Avenir Book" panose="02000503020000020003"/>
+                        </a:rPr>
+                        <a:t>unmeasured</a:t>
+                      </a:r>
+                      <a:endParaRPr lang="en-US" sz="1400" b="1" baseline="-25000" dirty="0">
+                        <a:latin typeface="Avenir Book" panose="02000503020000020003"/>
+                      </a:endParaRPr>
+                    </a:p>
+                  </a:txBody>
+                  <a:tcPr>
+                    <a:lnL w="12700" cap="flat" cmpd="sng" algn="ctr">
+                      <a:solidFill>
+                        <a:schemeClr val="tx1"/>
+                      </a:solidFill>
+                      <a:prstDash val="solid"/>
+                      <a:round/>
+                      <a:headEnd type="none" w="med" len="med"/>
+                      <a:tailEnd type="none" w="med" len="med"/>
+                    </a:lnL>
+                    <a:lnR w="12700" cap="flat" cmpd="sng" algn="ctr">
+                      <a:solidFill>
+                        <a:schemeClr val="tx1"/>
+                      </a:solidFill>
+                      <a:prstDash val="solid"/>
+                      <a:round/>
+                      <a:headEnd type="none" w="med" len="med"/>
+                      <a:tailEnd type="none" w="med" len="med"/>
+                    </a:lnR>
+                    <a:lnT w="12700" cap="flat" cmpd="sng" algn="ctr">
+                      <a:solidFill>
+                        <a:schemeClr val="tx1"/>
+                      </a:solidFill>
+                      <a:prstDash val="solid"/>
+                      <a:round/>
+                      <a:headEnd type="none" w="med" len="med"/>
+                      <a:tailEnd type="none" w="med" len="med"/>
+                    </a:lnT>
+                    <a:lnB w="12700" cap="flat" cmpd="sng" algn="ctr">
+                      <a:solidFill>
+                        <a:schemeClr val="tx1"/>
+                      </a:solidFill>
+                      <a:prstDash val="solid"/>
+                      <a:round/>
+                      <a:headEnd type="none" w="med" len="med"/>
+                      <a:tailEnd type="none" w="med" len="med"/>
+                    </a:lnB>
+                  </a:tcPr>
+                </a:tc>
+                <a:tc>
+                  <a:txBody>
+                    <a:bodyPr/>
+                    <a:lstStyle/>
+                    <a:p>
+                      <a:r>
+                        <a:rPr lang="en-US" sz="1400" dirty="0">
+                          <a:latin typeface="Avenir Book" panose="02000503020000020003"/>
+                        </a:rPr>
+                        <a:t>0.09</a:t>
+                      </a:r>
+                    </a:p>
+                  </a:txBody>
+                  <a:tcPr>
+                    <a:lnL w="12700" cap="flat" cmpd="sng" algn="ctr">
+                      <a:solidFill>
+                        <a:schemeClr val="tx1"/>
+                      </a:solidFill>
+                      <a:prstDash val="solid"/>
+                      <a:round/>
+                      <a:headEnd type="none" w="med" len="med"/>
+                      <a:tailEnd type="none" w="med" len="med"/>
+                    </a:lnL>
+                    <a:lnR w="12700" cap="flat" cmpd="sng" algn="ctr">
+                      <a:solidFill>
+                        <a:schemeClr val="tx1"/>
+                      </a:solidFill>
+                      <a:prstDash val="solid"/>
+                      <a:round/>
+                      <a:headEnd type="none" w="med" len="med"/>
+                      <a:tailEnd type="none" w="med" len="med"/>
+                    </a:lnR>
+                    <a:lnT w="12700" cap="flat" cmpd="sng" algn="ctr">
+                      <a:solidFill>
+                        <a:schemeClr val="tx1"/>
+                      </a:solidFill>
+                      <a:prstDash val="solid"/>
+                      <a:round/>
+                      <a:headEnd type="none" w="med" len="med"/>
+                      <a:tailEnd type="none" w="med" len="med"/>
+                    </a:lnT>
+                    <a:lnB w="12700" cap="flat" cmpd="sng" algn="ctr">
+                      <a:solidFill>
+                        <a:schemeClr val="tx1"/>
+                      </a:solidFill>
+                      <a:prstDash val="solid"/>
+                      <a:round/>
+                      <a:headEnd type="none" w="med" len="med"/>
+                      <a:tailEnd type="none" w="med" len="med"/>
+                    </a:lnB>
+                    <a:solidFill>
+                      <a:schemeClr val="accent2">
+                        <a:lumMod val="20000"/>
+                        <a:lumOff val="80000"/>
+                      </a:schemeClr>
+                    </a:solidFill>
+                  </a:tcPr>
+                </a:tc>
+                <a:tc>
+                  <a:txBody>
+                    <a:bodyPr/>
+                    <a:lstStyle/>
+                    <a:p>
+                      <a:r>
+                        <a:rPr lang="en-US" sz="1400" dirty="0">
+                          <a:latin typeface="Avenir Book" panose="02000503020000020003"/>
+                        </a:rPr>
+                        <a:t>0.02</a:t>
+                      </a:r>
+                    </a:p>
+                  </a:txBody>
+                  <a:tcPr>
+                    <a:lnL w="12700" cap="flat" cmpd="sng" algn="ctr">
+                      <a:solidFill>
+                        <a:schemeClr val="tx1"/>
+                      </a:solidFill>
+                      <a:prstDash val="solid"/>
+                      <a:round/>
+                      <a:headEnd type="none" w="med" len="med"/>
+                      <a:tailEnd type="none" w="med" len="med"/>
+                    </a:lnL>
+                    <a:lnR w="12700" cap="flat" cmpd="sng" algn="ctr">
+                      <a:solidFill>
+                        <a:schemeClr val="tx1"/>
+                      </a:solidFill>
+                      <a:prstDash val="solid"/>
+                      <a:round/>
+                      <a:headEnd type="none" w="med" len="med"/>
+                      <a:tailEnd type="none" w="med" len="med"/>
+                    </a:lnR>
+                    <a:lnT w="12700" cap="flat" cmpd="sng" algn="ctr">
+                      <a:solidFill>
+                        <a:schemeClr val="tx1"/>
+                      </a:solidFill>
+                      <a:prstDash val="solid"/>
+                      <a:round/>
+                      <a:headEnd type="none" w="med" len="med"/>
+                      <a:tailEnd type="none" w="med" len="med"/>
+                    </a:lnT>
+                    <a:lnB w="12700" cap="flat" cmpd="sng" algn="ctr">
+                      <a:solidFill>
+                        <a:schemeClr val="tx1"/>
+                      </a:solidFill>
+                      <a:prstDash val="solid"/>
+                      <a:round/>
+                      <a:headEnd type="none" w="med" len="med"/>
+                      <a:tailEnd type="none" w="med" len="med"/>
+                    </a:lnB>
+                    <a:solidFill>
+                      <a:schemeClr val="accent2">
+                        <a:lumMod val="20000"/>
+                        <a:lumOff val="80000"/>
+                      </a:schemeClr>
+                    </a:solidFill>
+                  </a:tcPr>
+                </a:tc>
+                <a:tc>
+                  <a:txBody>
+                    <a:bodyPr/>
+                    <a:lstStyle/>
+                    <a:p>
+                      <a:r>
+                        <a:rPr lang="en-US" sz="1400" dirty="0">
+                          <a:latin typeface="Avenir Book" panose="02000503020000020003"/>
+                        </a:rPr>
+                        <a:t>0.54</a:t>
+                      </a:r>
+                    </a:p>
+                  </a:txBody>
+                  <a:tcPr>
+                    <a:lnL w="12700" cap="flat" cmpd="sng" algn="ctr">
+                      <a:solidFill>
+                        <a:schemeClr val="tx1"/>
+                      </a:solidFill>
+                      <a:prstDash val="solid"/>
+                      <a:round/>
+                      <a:headEnd type="none" w="med" len="med"/>
+                      <a:tailEnd type="none" w="med" len="med"/>
+                    </a:lnL>
+                    <a:lnR w="12700" cap="flat" cmpd="sng" algn="ctr">
+                      <a:solidFill>
+                        <a:schemeClr val="tx1"/>
+                      </a:solidFill>
+                      <a:prstDash val="solid"/>
+                      <a:round/>
+                      <a:headEnd type="none" w="med" len="med"/>
+                      <a:tailEnd type="none" w="med" len="med"/>
+                    </a:lnR>
+                    <a:lnT w="12700" cap="flat" cmpd="sng" algn="ctr">
+                      <a:solidFill>
+                        <a:schemeClr val="tx1"/>
+                      </a:solidFill>
+                      <a:prstDash val="solid"/>
+                      <a:round/>
+                      <a:headEnd type="none" w="med" len="med"/>
+                      <a:tailEnd type="none" w="med" len="med"/>
+                    </a:lnT>
+                    <a:lnB w="12700" cap="flat" cmpd="sng" algn="ctr">
+                      <a:solidFill>
+                        <a:schemeClr val="tx1"/>
+                      </a:solidFill>
+                      <a:prstDash val="solid"/>
+                      <a:round/>
+                      <a:headEnd type="none" w="med" len="med"/>
+                      <a:tailEnd type="none" w="med" len="med"/>
+                    </a:lnB>
+                    <a:solidFill>
+                      <a:schemeClr val="accent5">
+                        <a:lumMod val="20000"/>
+                        <a:lumOff val="80000"/>
+                      </a:schemeClr>
+                    </a:solidFill>
+                  </a:tcPr>
+                </a:tc>
+                <a:tc>
+                  <a:txBody>
+                    <a:bodyPr/>
+                    <a:lstStyle/>
+                    <a:p>
+                      <a:r>
+                        <a:rPr lang="en-US" sz="1400" dirty="0">
+                          <a:latin typeface="Avenir Book" panose="02000503020000020003"/>
+                        </a:rPr>
+                        <a:t>0.43</a:t>
+                      </a:r>
+                    </a:p>
+                  </a:txBody>
+                  <a:tcPr>
+                    <a:lnL w="12700" cap="flat" cmpd="sng" algn="ctr">
+                      <a:solidFill>
+                        <a:schemeClr val="tx1"/>
+                      </a:solidFill>
+                      <a:prstDash val="solid"/>
+                      <a:round/>
+                      <a:headEnd type="none" w="med" len="med"/>
+                      <a:tailEnd type="none" w="med" len="med"/>
+                    </a:lnL>
+                    <a:lnR w="12700" cap="flat" cmpd="sng" algn="ctr">
+                      <a:solidFill>
+                        <a:schemeClr val="tx1"/>
+                      </a:solidFill>
+                      <a:prstDash val="solid"/>
+                      <a:round/>
+                      <a:headEnd type="none" w="med" len="med"/>
+                      <a:tailEnd type="none" w="med" len="med"/>
+                    </a:lnR>
+                    <a:lnT w="12700" cap="flat" cmpd="sng" algn="ctr">
+                      <a:solidFill>
+                        <a:schemeClr val="tx1"/>
+                      </a:solidFill>
+                      <a:prstDash val="solid"/>
+                      <a:round/>
+                      <a:headEnd type="none" w="med" len="med"/>
+                      <a:tailEnd type="none" w="med" len="med"/>
+                    </a:lnT>
+                    <a:lnB w="12700" cap="flat" cmpd="sng" algn="ctr">
+                      <a:solidFill>
+                        <a:schemeClr val="tx1"/>
+                      </a:solidFill>
+                      <a:prstDash val="solid"/>
+                      <a:round/>
+                      <a:headEnd type="none" w="med" len="med"/>
+                      <a:tailEnd type="none" w="med" len="med"/>
+                    </a:lnB>
+                    <a:solidFill>
+                      <a:schemeClr val="accent6">
+                        <a:lumMod val="20000"/>
+                        <a:lumOff val="80000"/>
+                      </a:schemeClr>
+                    </a:solidFill>
+                  </a:tcPr>
+                </a:tc>
+                <a:tc>
+                  <a:txBody>
+                    <a:bodyPr/>
+                    <a:lstStyle/>
+                    <a:p>
+                      <a:r>
+                        <a:rPr lang="en-US" sz="1400" dirty="0">
+                          <a:latin typeface="Avenir Book" panose="02000503020000020003"/>
+                        </a:rPr>
+                        <a:t>0.31</a:t>
+                      </a:r>
+                    </a:p>
+                  </a:txBody>
+                  <a:tcPr>
+                    <a:lnL w="12700" cap="flat" cmpd="sng" algn="ctr">
+                      <a:solidFill>
+                        <a:schemeClr val="tx1"/>
+                      </a:solidFill>
+                      <a:prstDash val="solid"/>
+                      <a:round/>
+                      <a:headEnd type="none" w="med" len="med"/>
+                      <a:tailEnd type="none" w="med" len="med"/>
+                    </a:lnL>
+                    <a:lnR w="12700" cap="flat" cmpd="sng" algn="ctr">
+                      <a:solidFill>
+                        <a:schemeClr val="tx1"/>
+                      </a:solidFill>
+                      <a:prstDash val="solid"/>
+                      <a:round/>
+                      <a:headEnd type="none" w="med" len="med"/>
+                      <a:tailEnd type="none" w="med" len="med"/>
+                    </a:lnR>
+                    <a:lnT w="12700" cap="flat" cmpd="sng" algn="ctr">
+                      <a:solidFill>
+                        <a:schemeClr val="tx1"/>
+                      </a:solidFill>
+                      <a:prstDash val="solid"/>
+                      <a:round/>
+                      <a:headEnd type="none" w="med" len="med"/>
+                      <a:tailEnd type="none" w="med" len="med"/>
+                    </a:lnT>
+                    <a:lnB w="12700" cap="flat" cmpd="sng" algn="ctr">
+                      <a:solidFill>
+                        <a:schemeClr val="tx1"/>
+                      </a:solidFill>
+                      <a:prstDash val="solid"/>
+                      <a:round/>
+                      <a:headEnd type="none" w="med" len="med"/>
+                      <a:tailEnd type="none" w="med" len="med"/>
+                    </a:lnB>
+                    <a:solidFill>
+                      <a:schemeClr val="accent6">
+                        <a:lumMod val="20000"/>
+                        <a:lumOff val="80000"/>
+                      </a:schemeClr>
+                    </a:solidFill>
+                  </a:tcPr>
+                </a:tc>
+                <a:extLst>
+                  <a:ext uri="{0D108BD9-81ED-4DB2-BD59-A6C34878D82A}">
+                    <a16:rowId xmlns:a16="http://schemas.microsoft.com/office/drawing/2014/main" val="3659009812"/>
+                  </a:ext>
+                </a:extLst>
+              </a:tr>
+              <a:tr h="414796">
+                <a:tc>
+                  <a:txBody>
+                    <a:bodyPr/>
+                    <a:lstStyle/>
+                    <a:p>
+                      <a:pPr marL="0" marR="0" lvl="0" indent="0" algn="l" defTabSz="685800" rtl="0" eaLnBrk="1" fontAlgn="auto" latinLnBrk="0" hangingPunct="1">
+                        <a:lnSpc>
+                          <a:spcPct val="100000"/>
+                        </a:lnSpc>
+                        <a:spcBef>
+                          <a:spcPts val="0"/>
+                        </a:spcBef>
+                        <a:spcAft>
+                          <a:spcPts val="0"/>
+                        </a:spcAft>
+                        <a:buClrTx/>
+                        <a:buSzTx/>
+                        <a:buFontTx/>
+                        <a:buNone/>
+                        <a:tabLst/>
+                        <a:defRPr/>
+                      </a:pPr>
+                      <a:r>
+                        <a:rPr lang="en-US" sz="1400" b="1" dirty="0" err="1">
+                          <a:latin typeface="Avenir Book" panose="02000503020000020003"/>
+                        </a:rPr>
+                        <a:t>MNAR</a:t>
+                      </a:r>
+                      <a:r>
+                        <a:rPr lang="en-US" sz="1400" b="1" baseline="-25000" dirty="0" err="1">
+                          <a:latin typeface="Avenir Book" panose="02000503020000020003"/>
+                        </a:rPr>
+                        <a:t>value</a:t>
+                      </a:r>
+                      <a:endParaRPr lang="en-US" sz="1400" b="1" baseline="-25000" dirty="0">
+                        <a:latin typeface="Avenir Book" panose="02000503020000020003"/>
+                      </a:endParaRPr>
+                    </a:p>
+                  </a:txBody>
+                  <a:tcPr>
+                    <a:lnL w="12700" cap="flat" cmpd="sng" algn="ctr">
+                      <a:solidFill>
+                        <a:schemeClr val="tx1"/>
+                      </a:solidFill>
+                      <a:prstDash val="solid"/>
+                      <a:round/>
+                      <a:headEnd type="none" w="med" len="med"/>
+                      <a:tailEnd type="none" w="med" len="med"/>
+                    </a:lnL>
+                    <a:lnR w="12700" cap="flat" cmpd="sng" algn="ctr">
+                      <a:solidFill>
+                        <a:schemeClr val="tx1"/>
+                      </a:solidFill>
+                      <a:prstDash val="solid"/>
+                      <a:round/>
+                      <a:headEnd type="none" w="med" len="med"/>
+                      <a:tailEnd type="none" w="med" len="med"/>
+                    </a:lnR>
+                    <a:lnT w="12700" cap="flat" cmpd="sng" algn="ctr">
+                      <a:solidFill>
+                        <a:schemeClr val="tx1"/>
+                      </a:solidFill>
+                      <a:prstDash val="solid"/>
+                      <a:round/>
+                      <a:headEnd type="none" w="med" len="med"/>
+                      <a:tailEnd type="none" w="med" len="med"/>
+                    </a:lnT>
+                    <a:lnB w="12700" cap="flat" cmpd="sng" algn="ctr">
+                      <a:solidFill>
+                        <a:schemeClr val="tx1"/>
+                      </a:solidFill>
+                      <a:prstDash val="solid"/>
+                      <a:round/>
+                      <a:headEnd type="none" w="med" len="med"/>
+                      <a:tailEnd type="none" w="med" len="med"/>
+                    </a:lnB>
+                  </a:tcPr>
+                </a:tc>
+                <a:tc>
+                  <a:txBody>
+                    <a:bodyPr/>
+                    <a:lstStyle/>
+                    <a:p>
+                      <a:r>
+                        <a:rPr lang="en-US" sz="1400" dirty="0">
+                          <a:latin typeface="Avenir Book" panose="02000503020000020003"/>
+                        </a:rPr>
+                        <a:t>0.06</a:t>
+                      </a:r>
+                    </a:p>
+                  </a:txBody>
+                  <a:tcPr>
+                    <a:lnL w="12700" cap="flat" cmpd="sng" algn="ctr">
+                      <a:solidFill>
+                        <a:schemeClr val="tx1"/>
+                      </a:solidFill>
+                      <a:prstDash val="solid"/>
+                      <a:round/>
+                      <a:headEnd type="none" w="med" len="med"/>
+                      <a:tailEnd type="none" w="med" len="med"/>
+                    </a:lnL>
+                    <a:lnR w="12700" cap="flat" cmpd="sng" algn="ctr">
+                      <a:solidFill>
+                        <a:schemeClr val="tx1"/>
+                      </a:solidFill>
+                      <a:prstDash val="solid"/>
+                      <a:round/>
+                      <a:headEnd type="none" w="med" len="med"/>
+                      <a:tailEnd type="none" w="med" len="med"/>
+                    </a:lnR>
+                    <a:lnT w="12700" cap="flat" cmpd="sng" algn="ctr">
+                      <a:solidFill>
+                        <a:schemeClr val="tx1"/>
+                      </a:solidFill>
+                      <a:prstDash val="solid"/>
+                      <a:round/>
+                      <a:headEnd type="none" w="med" len="med"/>
+                      <a:tailEnd type="none" w="med" len="med"/>
+                    </a:lnT>
+                    <a:lnB w="12700" cap="flat" cmpd="sng" algn="ctr">
+                      <a:solidFill>
+                        <a:schemeClr val="tx1"/>
+                      </a:solidFill>
+                      <a:prstDash val="solid"/>
+                      <a:round/>
+                      <a:headEnd type="none" w="med" len="med"/>
+                      <a:tailEnd type="none" w="med" len="med"/>
+                    </a:lnB>
+                    <a:solidFill>
+                      <a:schemeClr val="accent2">
+                        <a:lumMod val="20000"/>
+                        <a:lumOff val="80000"/>
+                      </a:schemeClr>
+                    </a:solidFill>
+                  </a:tcPr>
+                </a:tc>
+                <a:tc>
+                  <a:txBody>
+                    <a:bodyPr/>
+                    <a:lstStyle/>
+                    <a:p>
+                      <a:r>
+                        <a:rPr lang="en-US" sz="1400" dirty="0">
+                          <a:latin typeface="Avenir Book" panose="02000503020000020003"/>
+                        </a:rPr>
+                        <a:t>0.10</a:t>
+                      </a:r>
+                    </a:p>
+                  </a:txBody>
+                  <a:tcPr>
+                    <a:lnL w="12700" cap="flat" cmpd="sng" algn="ctr">
+                      <a:solidFill>
+                        <a:schemeClr val="tx1"/>
+                      </a:solidFill>
+                      <a:prstDash val="solid"/>
+                      <a:round/>
+                      <a:headEnd type="none" w="med" len="med"/>
+                      <a:tailEnd type="none" w="med" len="med"/>
+                    </a:lnL>
+                    <a:lnR w="12700" cap="flat" cmpd="sng" algn="ctr">
+                      <a:solidFill>
+                        <a:schemeClr val="tx1"/>
+                      </a:solidFill>
+                      <a:prstDash val="solid"/>
+                      <a:round/>
+                      <a:headEnd type="none" w="med" len="med"/>
+                      <a:tailEnd type="none" w="med" len="med"/>
+                    </a:lnR>
+                    <a:lnT w="12700" cap="flat" cmpd="sng" algn="ctr">
+                      <a:solidFill>
+                        <a:schemeClr val="tx1"/>
+                      </a:solidFill>
+                      <a:prstDash val="solid"/>
+                      <a:round/>
+                      <a:headEnd type="none" w="med" len="med"/>
+                      <a:tailEnd type="none" w="med" len="med"/>
+                    </a:lnT>
+                    <a:lnB w="12700" cap="flat" cmpd="sng" algn="ctr">
+                      <a:solidFill>
+                        <a:schemeClr val="tx1"/>
+                      </a:solidFill>
+                      <a:prstDash val="solid"/>
+                      <a:round/>
+                      <a:headEnd type="none" w="med" len="med"/>
+                      <a:tailEnd type="none" w="med" len="med"/>
+                    </a:lnB>
+                    <a:solidFill>
+                      <a:schemeClr val="accent2">
+                        <a:lumMod val="20000"/>
+                        <a:lumOff val="80000"/>
+                      </a:schemeClr>
+                    </a:solidFill>
+                  </a:tcPr>
+                </a:tc>
+                <a:tc>
+                  <a:txBody>
+                    <a:bodyPr/>
+                    <a:lstStyle/>
+                    <a:p>
+                      <a:r>
+                        <a:rPr lang="en-US" sz="1400" dirty="0">
+                          <a:latin typeface="Avenir Book" panose="02000503020000020003"/>
+                        </a:rPr>
+                        <a:t>0.53</a:t>
+                      </a:r>
+                    </a:p>
+                  </a:txBody>
+                  <a:tcPr>
+                    <a:lnL w="12700" cap="flat" cmpd="sng" algn="ctr">
+                      <a:solidFill>
+                        <a:schemeClr val="tx1"/>
+                      </a:solidFill>
+                      <a:prstDash val="solid"/>
+                      <a:round/>
+                      <a:headEnd type="none" w="med" len="med"/>
+                      <a:tailEnd type="none" w="med" len="med"/>
+                    </a:lnL>
+                    <a:lnR w="12700" cap="flat" cmpd="sng" algn="ctr">
+                      <a:solidFill>
+                        <a:schemeClr val="tx1"/>
+                      </a:solidFill>
+                      <a:prstDash val="solid"/>
+                      <a:round/>
+                      <a:headEnd type="none" w="med" len="med"/>
+                      <a:tailEnd type="none" w="med" len="med"/>
+                    </a:lnR>
+                    <a:lnT w="12700" cap="flat" cmpd="sng" algn="ctr">
+                      <a:solidFill>
+                        <a:schemeClr val="tx1"/>
+                      </a:solidFill>
+                      <a:prstDash val="solid"/>
+                      <a:round/>
+                      <a:headEnd type="none" w="med" len="med"/>
+                      <a:tailEnd type="none" w="med" len="med"/>
+                    </a:lnT>
+                    <a:lnB w="12700" cap="flat" cmpd="sng" algn="ctr">
+                      <a:solidFill>
+                        <a:schemeClr val="tx1"/>
+                      </a:solidFill>
+                      <a:prstDash val="solid"/>
+                      <a:round/>
+                      <a:headEnd type="none" w="med" len="med"/>
+                      <a:tailEnd type="none" w="med" len="med"/>
+                    </a:lnB>
+                    <a:solidFill>
+                      <a:schemeClr val="accent5">
+                        <a:lumMod val="20000"/>
+                        <a:lumOff val="80000"/>
+                      </a:schemeClr>
+                    </a:solidFill>
+                  </a:tcPr>
+                </a:tc>
+                <a:tc>
+                  <a:txBody>
+                    <a:bodyPr/>
+                    <a:lstStyle/>
+                    <a:p>
+                      <a:r>
+                        <a:rPr lang="en-US" sz="1400" dirty="0">
+                          <a:latin typeface="Avenir Book" panose="02000503020000020003"/>
+                        </a:rPr>
+                        <a:t>0.04</a:t>
+                      </a:r>
+                    </a:p>
+                  </a:txBody>
+                  <a:tcPr>
+                    <a:lnL w="12700" cap="flat" cmpd="sng" algn="ctr">
+                      <a:solidFill>
+                        <a:schemeClr val="tx1"/>
+                      </a:solidFill>
+                      <a:prstDash val="solid"/>
+                      <a:round/>
+                      <a:headEnd type="none" w="med" len="med"/>
+                      <a:tailEnd type="none" w="med" len="med"/>
+                    </a:lnL>
+                    <a:lnR w="12700" cap="flat" cmpd="sng" algn="ctr">
+                      <a:solidFill>
+                        <a:schemeClr val="tx1"/>
+                      </a:solidFill>
+                      <a:prstDash val="solid"/>
+                      <a:round/>
+                      <a:headEnd type="none" w="med" len="med"/>
+                      <a:tailEnd type="none" w="med" len="med"/>
+                    </a:lnR>
+                    <a:lnT w="12700" cap="flat" cmpd="sng" algn="ctr">
+                      <a:solidFill>
+                        <a:schemeClr val="tx1"/>
+                      </a:solidFill>
+                      <a:prstDash val="solid"/>
+                      <a:round/>
+                      <a:headEnd type="none" w="med" len="med"/>
+                      <a:tailEnd type="none" w="med" len="med"/>
+                    </a:lnT>
+                    <a:lnB w="12700" cap="flat" cmpd="sng" algn="ctr">
+                      <a:solidFill>
+                        <a:schemeClr val="tx1"/>
+                      </a:solidFill>
+                      <a:prstDash val="solid"/>
+                      <a:round/>
+                      <a:headEnd type="none" w="med" len="med"/>
+                      <a:tailEnd type="none" w="med" len="med"/>
+                    </a:lnB>
+                    <a:solidFill>
+                      <a:schemeClr val="accent6">
+                        <a:lumMod val="20000"/>
+                        <a:lumOff val="80000"/>
+                      </a:schemeClr>
+                    </a:solidFill>
+                  </a:tcPr>
+                </a:tc>
+                <a:tc>
+                  <a:txBody>
+                    <a:bodyPr/>
+                    <a:lstStyle/>
+                    <a:p>
+                      <a:r>
+                        <a:rPr lang="en-US" sz="1400" dirty="0">
+                          <a:latin typeface="Avenir Book" panose="02000503020000020003"/>
+                        </a:rPr>
+                        <a:t>0.10</a:t>
+                      </a:r>
+                    </a:p>
+                  </a:txBody>
+                  <a:tcPr>
+                    <a:lnL w="12700" cap="flat" cmpd="sng" algn="ctr">
+                      <a:solidFill>
+                        <a:schemeClr val="tx1"/>
+                      </a:solidFill>
+                      <a:prstDash val="solid"/>
+                      <a:round/>
+                      <a:headEnd type="none" w="med" len="med"/>
+                      <a:tailEnd type="none" w="med" len="med"/>
+                    </a:lnL>
+                    <a:lnR w="12700" cap="flat" cmpd="sng" algn="ctr">
+                      <a:solidFill>
+                        <a:schemeClr val="tx1"/>
+                      </a:solidFill>
+                      <a:prstDash val="solid"/>
+                      <a:round/>
+                      <a:headEnd type="none" w="med" len="med"/>
+                      <a:tailEnd type="none" w="med" len="med"/>
+                    </a:lnR>
+                    <a:lnT w="12700" cap="flat" cmpd="sng" algn="ctr">
+                      <a:solidFill>
+                        <a:schemeClr val="tx1"/>
+                      </a:solidFill>
+                      <a:prstDash val="solid"/>
+                      <a:round/>
+                      <a:headEnd type="none" w="med" len="med"/>
+                      <a:tailEnd type="none" w="med" len="med"/>
+                    </a:lnT>
+                    <a:lnB w="12700" cap="flat" cmpd="sng" algn="ctr">
+                      <a:solidFill>
+                        <a:schemeClr val="tx1"/>
+                      </a:solidFill>
+                      <a:prstDash val="solid"/>
+                      <a:round/>
+                      <a:headEnd type="none" w="med" len="med"/>
+                      <a:tailEnd type="none" w="med" len="med"/>
+                    </a:lnB>
+                    <a:solidFill>
+                      <a:schemeClr val="accent6">
+                        <a:lumMod val="20000"/>
+                        <a:lumOff val="80000"/>
+                      </a:schemeClr>
+                    </a:solidFill>
+                  </a:tcPr>
+                </a:tc>
+                <a:extLst>
+                  <a:ext uri="{0D108BD9-81ED-4DB2-BD59-A6C34878D82A}">
+                    <a16:rowId xmlns:a16="http://schemas.microsoft.com/office/drawing/2014/main" val="2087505606"/>
+                  </a:ext>
+                </a:extLst>
+              </a:tr>
+            </a:tbl>
+          </a:graphicData>
+        </a:graphic>
+      </p:graphicFrame>
+      <p:graphicFrame>
+        <p:nvGraphicFramePr>
+          <p:cNvPr id="9" name="Table 8">
+            <a:extLst>
+              <a:ext uri="{FF2B5EF4-FFF2-40B4-BE49-F238E27FC236}">
+                <a16:creationId xmlns:a16="http://schemas.microsoft.com/office/drawing/2014/main" id="{76C9D8F2-BB2E-8961-F4F5-CA14DA10E65C}"/>
+              </a:ext>
+            </a:extLst>
+          </p:cNvPr>
+          <p:cNvGraphicFramePr>
+            <a:graphicFrameLocks noGrp="1"/>
+          </p:cNvGraphicFramePr>
+          <p:nvPr>
+            <p:extLst>
+              <p:ext uri="{D42A27DB-BD31-4B8C-83A1-F6EECF244321}">
+                <p14:modId xmlns:p14="http://schemas.microsoft.com/office/powerpoint/2010/main" val="3438983060"/>
+              </p:ext>
+            </p:extLst>
+          </p:nvPr>
+        </p:nvGraphicFramePr>
+        <p:xfrm>
+          <a:off x="1001965" y="3405262"/>
+          <a:ext cx="10418891" cy="2024521"/>
+        </p:xfrm>
+        <a:graphic>
+          <a:graphicData uri="http://schemas.openxmlformats.org/drawingml/2006/table">
+            <a:tbl>
+              <a:tblPr firstRow="1" bandRow="1">
+                <a:tableStyleId>{2D5ABB26-0587-4C30-8999-92F81FD0307C}</a:tableStyleId>
+              </a:tblPr>
+              <a:tblGrid>
+                <a:gridCol w="2500497">
+                  <a:extLst>
+                    <a:ext uri="{9D8B030D-6E8A-4147-A177-3AD203B41FA5}">
+                      <a16:colId xmlns:a16="http://schemas.microsoft.com/office/drawing/2014/main" val="3053808379"/>
+                    </a:ext>
+                  </a:extLst>
+                </a:gridCol>
+                <a:gridCol w="1718762">
+                  <a:extLst>
+                    <a:ext uri="{9D8B030D-6E8A-4147-A177-3AD203B41FA5}">
+                      <a16:colId xmlns:a16="http://schemas.microsoft.com/office/drawing/2014/main" val="488264534"/>
+                    </a:ext>
+                  </a:extLst>
+                </a:gridCol>
+                <a:gridCol w="1272293">
+                  <a:extLst>
+                    <a:ext uri="{9D8B030D-6E8A-4147-A177-3AD203B41FA5}">
+                      <a16:colId xmlns:a16="http://schemas.microsoft.com/office/drawing/2014/main" val="3219290638"/>
+                    </a:ext>
+                  </a:extLst>
+                </a:gridCol>
+                <a:gridCol w="1745227">
+                  <a:extLst>
+                    <a:ext uri="{9D8B030D-6E8A-4147-A177-3AD203B41FA5}">
+                      <a16:colId xmlns:a16="http://schemas.microsoft.com/office/drawing/2014/main" val="3401066358"/>
+                    </a:ext>
+                  </a:extLst>
+                </a:gridCol>
+                <a:gridCol w="1536192">
+                  <a:extLst>
+                    <a:ext uri="{9D8B030D-6E8A-4147-A177-3AD203B41FA5}">
+                      <a16:colId xmlns:a16="http://schemas.microsoft.com/office/drawing/2014/main" val="696228586"/>
+                    </a:ext>
+                  </a:extLst>
+                </a:gridCol>
+                <a:gridCol w="1645920">
+                  <a:extLst>
+                    <a:ext uri="{9D8B030D-6E8A-4147-A177-3AD203B41FA5}">
+                      <a16:colId xmlns:a16="http://schemas.microsoft.com/office/drawing/2014/main" val="3292113492"/>
+                    </a:ext>
+                  </a:extLst>
+                </a:gridCol>
+              </a:tblGrid>
+              <a:tr h="315313">
+                <a:tc gridSpan="6">
+                  <a:txBody>
+                    <a:bodyPr/>
+                    <a:lstStyle/>
+                    <a:p>
+                      <a:pPr algn="l"/>
+                      <a:r>
+                        <a:rPr lang="en-US" sz="1400" b="1" i="0" kern="1200" dirty="0">
+                          <a:solidFill>
+                            <a:schemeClr val="tx1"/>
+                          </a:solidFill>
+                          <a:latin typeface="Avenir Black" panose="02000503020000020003" pitchFamily="2" charset="0"/>
+                          <a:ea typeface="+mn-ea"/>
+                          <a:cs typeface="+mn-cs"/>
+                        </a:rPr>
+                        <a:t>Partially observed EHR covariate examples results:</a:t>
+                      </a:r>
+                    </a:p>
+                  </a:txBody>
+                  <a:tcPr>
+                    <a:lnL w="12700" cap="flat" cmpd="sng" algn="ctr">
+                      <a:noFill/>
+                      <a:prstDash val="solid"/>
+                      <a:round/>
+                      <a:headEnd type="none" w="med" len="med"/>
+                      <a:tailEnd type="none" w="med" len="med"/>
+                    </a:lnL>
+                    <a:lnR w="12700" cap="flat" cmpd="sng" algn="ctr">
+                      <a:noFill/>
+                      <a:prstDash val="solid"/>
+                      <a:round/>
+                      <a:headEnd type="none" w="med" len="med"/>
+                      <a:tailEnd type="none" w="med" len="med"/>
+                    </a:lnR>
+                    <a:lnT w="12700" cap="flat" cmpd="sng" algn="ctr">
+                      <a:noFill/>
+                      <a:prstDash val="solid"/>
+                      <a:round/>
+                      <a:headEnd type="none" w="med" len="med"/>
+                      <a:tailEnd type="none" w="med" len="med"/>
+                    </a:lnT>
+                    <a:lnB w="12700" cap="flat" cmpd="sng" algn="ctr">
+                      <a:solidFill>
+                        <a:schemeClr val="tx1"/>
+                      </a:solidFill>
+                      <a:prstDash val="solid"/>
+                      <a:round/>
+                      <a:headEnd type="none" w="med" len="med"/>
+                      <a:tailEnd type="none" w="med" len="med"/>
+                    </a:lnB>
+                  </a:tcPr>
+                </a:tc>
+                <a:tc hMerge="1">
+                  <a:txBody>
+                    <a:bodyPr/>
+                    <a:lstStyle/>
+                    <a:p>
+                      <a:pPr algn="ctr"/>
+                      <a:endParaRPr lang="en-US" sz="1050" b="1" i="0" dirty="0">
+                        <a:latin typeface="Avenir Black" panose="02000503020000020003" pitchFamily="2" charset="0"/>
+                      </a:endParaRPr>
+                    </a:p>
+                  </a:txBody>
+                  <a:tcPr>
+                    <a:lnL w="12700" cap="flat" cmpd="sng" algn="ctr">
+                      <a:solidFill>
+                        <a:schemeClr val="tx1"/>
+                      </a:solidFill>
+                      <a:prstDash val="solid"/>
+                      <a:round/>
+                      <a:headEnd type="none" w="med" len="med"/>
+                      <a:tailEnd type="none" w="med" len="med"/>
+                    </a:lnL>
+                    <a:lnR w="12700" cap="flat" cmpd="sng" algn="ctr">
+                      <a:solidFill>
+                        <a:schemeClr val="tx1"/>
+                      </a:solidFill>
+                      <a:prstDash val="solid"/>
+                      <a:round/>
+                      <a:headEnd type="none" w="med" len="med"/>
+                      <a:tailEnd type="none" w="med" len="med"/>
+                    </a:lnR>
+                    <a:lnT w="12700" cap="flat" cmpd="sng" algn="ctr">
+                      <a:solidFill>
+                        <a:schemeClr val="tx1"/>
+                      </a:solidFill>
+                      <a:prstDash val="solid"/>
+                      <a:round/>
+                      <a:headEnd type="none" w="med" len="med"/>
+                      <a:tailEnd type="none" w="med" len="med"/>
+                    </a:lnT>
+                    <a:lnB w="12700" cap="flat" cmpd="sng" algn="ctr">
+                      <a:solidFill>
+                        <a:schemeClr val="tx1"/>
+                      </a:solidFill>
+                      <a:prstDash val="solid"/>
+                      <a:round/>
+                      <a:headEnd type="none" w="med" len="med"/>
+                      <a:tailEnd type="none" w="med" len="med"/>
+                    </a:lnB>
+                    <a:solidFill>
+                      <a:schemeClr val="accent2">
+                        <a:lumMod val="20000"/>
+                        <a:lumOff val="80000"/>
+                      </a:schemeClr>
+                    </a:solidFill>
+                  </a:tcPr>
+                </a:tc>
+                <a:tc hMerge="1">
+                  <a:txBody>
+                    <a:bodyPr/>
+                    <a:lstStyle/>
+                    <a:p>
+                      <a:pPr algn="ctr"/>
+                      <a:endParaRPr lang="en-US" sz="1400" b="1" i="0" dirty="0">
+                        <a:latin typeface="Avenir Black" panose="02000503020000020003" pitchFamily="2" charset="0"/>
+                      </a:endParaRPr>
+                    </a:p>
+                  </a:txBody>
+                  <a:tcPr>
+                    <a:lnL w="12700" cap="flat" cmpd="sng" algn="ctr">
+                      <a:solidFill>
+                        <a:schemeClr val="tx1"/>
+                      </a:solidFill>
+                      <a:prstDash val="solid"/>
+                      <a:round/>
+                      <a:headEnd type="none" w="med" len="med"/>
+                      <a:tailEnd type="none" w="med" len="med"/>
+                    </a:lnL>
+                    <a:lnR w="12700" cap="flat" cmpd="sng" algn="ctr">
+                      <a:solidFill>
+                        <a:schemeClr val="tx1"/>
+                      </a:solidFill>
+                      <a:prstDash val="solid"/>
+                      <a:round/>
+                      <a:headEnd type="none" w="med" len="med"/>
+                      <a:tailEnd type="none" w="med" len="med"/>
+                    </a:lnR>
+                    <a:lnT w="12700" cap="flat" cmpd="sng" algn="ctr">
+                      <a:solidFill>
+                        <a:schemeClr val="tx1"/>
+                      </a:solidFill>
+                      <a:prstDash val="solid"/>
+                      <a:round/>
+                      <a:headEnd type="none" w="med" len="med"/>
+                      <a:tailEnd type="none" w="med" len="med"/>
+                    </a:lnT>
+                    <a:lnB w="12700" cap="flat" cmpd="sng" algn="ctr">
+                      <a:solidFill>
+                        <a:schemeClr val="tx1"/>
+                      </a:solidFill>
+                      <a:prstDash val="solid"/>
+                      <a:round/>
+                      <a:headEnd type="none" w="med" len="med"/>
+                      <a:tailEnd type="none" w="med" len="med"/>
+                    </a:lnB>
+                    <a:solidFill>
+                      <a:schemeClr val="accent2">
+                        <a:lumMod val="20000"/>
+                        <a:lumOff val="80000"/>
+                      </a:schemeClr>
+                    </a:solidFill>
+                  </a:tcPr>
+                </a:tc>
+                <a:tc hMerge="1">
+                  <a:txBody>
+                    <a:bodyPr/>
+                    <a:lstStyle/>
+                    <a:p>
+                      <a:pPr algn="ctr"/>
+                      <a:endParaRPr lang="en-US" sz="1050" b="1" i="0" dirty="0">
+                        <a:latin typeface="Avenir Black" panose="02000503020000020003" pitchFamily="2" charset="0"/>
+                      </a:endParaRPr>
+                    </a:p>
+                  </a:txBody>
+                  <a:tcPr>
+                    <a:lnL w="12700" cap="flat" cmpd="sng" algn="ctr">
+                      <a:solidFill>
+                        <a:schemeClr val="tx1"/>
+                      </a:solidFill>
+                      <a:prstDash val="solid"/>
+                      <a:round/>
+                      <a:headEnd type="none" w="med" len="med"/>
+                      <a:tailEnd type="none" w="med" len="med"/>
+                    </a:lnL>
+                    <a:lnR w="12700" cap="flat" cmpd="sng" algn="ctr">
+                      <a:solidFill>
+                        <a:schemeClr val="tx1"/>
+                      </a:solidFill>
+                      <a:prstDash val="solid"/>
+                      <a:round/>
+                      <a:headEnd type="none" w="med" len="med"/>
+                      <a:tailEnd type="none" w="med" len="med"/>
+                    </a:lnR>
+                    <a:lnT w="12700" cap="flat" cmpd="sng" algn="ctr">
+                      <a:solidFill>
+                        <a:schemeClr val="tx1"/>
+                      </a:solidFill>
+                      <a:prstDash val="solid"/>
+                      <a:round/>
+                      <a:headEnd type="none" w="med" len="med"/>
+                      <a:tailEnd type="none" w="med" len="med"/>
+                    </a:lnT>
+                    <a:lnB w="12700" cap="flat" cmpd="sng" algn="ctr">
+                      <a:solidFill>
+                        <a:schemeClr val="tx1"/>
+                      </a:solidFill>
+                      <a:prstDash val="solid"/>
+                      <a:round/>
+                      <a:headEnd type="none" w="med" len="med"/>
+                      <a:tailEnd type="none" w="med" len="med"/>
+                    </a:lnB>
+                    <a:solidFill>
+                      <a:schemeClr val="accent5">
+                        <a:lumMod val="20000"/>
+                        <a:lumOff val="80000"/>
+                      </a:schemeClr>
+                    </a:solidFill>
+                  </a:tcPr>
+                </a:tc>
+                <a:tc hMerge="1">
+                  <a:txBody>
+                    <a:bodyPr/>
+                    <a:lstStyle/>
+                    <a:p>
+                      <a:pPr algn="ctr"/>
+                      <a:endParaRPr lang="en-US" sz="1400" b="1" i="0" dirty="0">
+                        <a:latin typeface="Avenir Black" panose="02000503020000020003" pitchFamily="2" charset="0"/>
+                      </a:endParaRPr>
+                    </a:p>
+                  </a:txBody>
+                  <a:tcPr>
+                    <a:lnL w="12700" cap="flat" cmpd="sng" algn="ctr">
+                      <a:solidFill>
+                        <a:schemeClr val="tx1"/>
+                      </a:solidFill>
+                      <a:prstDash val="solid"/>
+                      <a:round/>
+                      <a:headEnd type="none" w="med" len="med"/>
+                      <a:tailEnd type="none" w="med" len="med"/>
+                    </a:lnL>
+                    <a:lnR w="12700" cap="flat" cmpd="sng" algn="ctr">
+                      <a:solidFill>
+                        <a:schemeClr val="tx1"/>
+                      </a:solidFill>
+                      <a:prstDash val="solid"/>
+                      <a:round/>
+                      <a:headEnd type="none" w="med" len="med"/>
+                      <a:tailEnd type="none" w="med" len="med"/>
+                    </a:lnR>
+                    <a:lnT w="12700" cap="flat" cmpd="sng" algn="ctr">
+                      <a:solidFill>
+                        <a:schemeClr val="tx1"/>
+                      </a:solidFill>
+                      <a:prstDash val="solid"/>
+                      <a:round/>
+                      <a:headEnd type="none" w="med" len="med"/>
+                      <a:tailEnd type="none" w="med" len="med"/>
+                    </a:lnT>
+                    <a:lnB w="12700" cap="flat" cmpd="sng" algn="ctr">
+                      <a:solidFill>
+                        <a:schemeClr val="tx1"/>
+                      </a:solidFill>
+                      <a:prstDash val="solid"/>
+                      <a:round/>
+                      <a:headEnd type="none" w="med" len="med"/>
+                      <a:tailEnd type="none" w="med" len="med"/>
+                    </a:lnB>
+                    <a:solidFill>
+                      <a:schemeClr val="accent6">
+                        <a:lumMod val="20000"/>
+                        <a:lumOff val="80000"/>
+                      </a:schemeClr>
+                    </a:solidFill>
+                  </a:tcPr>
+                </a:tc>
+                <a:tc hMerge="1">
+                  <a:txBody>
+                    <a:bodyPr/>
+                    <a:lstStyle/>
+                    <a:p>
+                      <a:pPr marL="0" marR="0" lvl="0" indent="0" algn="ctr" defTabSz="685800" rtl="0" eaLnBrk="1" fontAlgn="auto" latinLnBrk="0" hangingPunct="1">
+                        <a:lnSpc>
+                          <a:spcPct val="100000"/>
+                        </a:lnSpc>
+                        <a:spcBef>
+                          <a:spcPts val="0"/>
+                        </a:spcBef>
+                        <a:spcAft>
+                          <a:spcPts val="0"/>
+                        </a:spcAft>
+                        <a:buClrTx/>
+                        <a:buSzTx/>
+                        <a:buFontTx/>
+                        <a:buNone/>
+                        <a:tabLst/>
+                        <a:defRPr/>
+                      </a:pPr>
+                      <a:endParaRPr lang="en-US" sz="1400" b="1" i="0" dirty="0">
+                        <a:latin typeface="Avenir Black" panose="02000503020000020003" pitchFamily="2" charset="0"/>
+                      </a:endParaRPr>
+                    </a:p>
+                  </a:txBody>
+                  <a:tcPr>
+                    <a:lnL w="12700" cap="flat" cmpd="sng" algn="ctr">
+                      <a:solidFill>
+                        <a:schemeClr val="tx1"/>
+                      </a:solidFill>
+                      <a:prstDash val="solid"/>
+                      <a:round/>
+                      <a:headEnd type="none" w="med" len="med"/>
+                      <a:tailEnd type="none" w="med" len="med"/>
+                    </a:lnL>
+                    <a:lnR w="12700" cap="flat" cmpd="sng" algn="ctr">
+                      <a:solidFill>
+                        <a:schemeClr val="tx1"/>
+                      </a:solidFill>
+                      <a:prstDash val="solid"/>
+                      <a:round/>
+                      <a:headEnd type="none" w="med" len="med"/>
+                      <a:tailEnd type="none" w="med" len="med"/>
+                    </a:lnR>
+                    <a:lnT w="12700" cap="flat" cmpd="sng" algn="ctr">
+                      <a:solidFill>
+                        <a:schemeClr val="tx1"/>
+                      </a:solidFill>
+                      <a:prstDash val="solid"/>
+                      <a:round/>
+                      <a:headEnd type="none" w="med" len="med"/>
+                      <a:tailEnd type="none" w="med" len="med"/>
+                    </a:lnT>
+                    <a:lnB w="12700" cap="flat" cmpd="sng" algn="ctr">
+                      <a:solidFill>
+                        <a:schemeClr val="tx1"/>
+                      </a:solidFill>
+                      <a:prstDash val="solid"/>
+                      <a:round/>
+                      <a:headEnd type="none" w="med" len="med"/>
+                      <a:tailEnd type="none" w="med" len="med"/>
+                    </a:lnB>
+                    <a:solidFill>
+                      <a:schemeClr val="accent6">
+                        <a:lumMod val="20000"/>
+                        <a:lumOff val="80000"/>
+                      </a:schemeClr>
+                    </a:solidFill>
+                  </a:tcPr>
+                </a:tc>
+                <a:extLst>
+                  <a:ext uri="{0D108BD9-81ED-4DB2-BD59-A6C34878D82A}">
+                    <a16:rowId xmlns:a16="http://schemas.microsoft.com/office/drawing/2014/main" val="2419238932"/>
+                  </a:ext>
+                </a:extLst>
+              </a:tr>
+              <a:tr h="457836">
+                <a:tc>
+                  <a:txBody>
+                    <a:bodyPr/>
+                    <a:lstStyle/>
+                    <a:p>
+                      <a:pPr algn="ctr"/>
+                      <a:r>
+                        <a:rPr lang="en-US" sz="1400" b="1" i="0" kern="1200" dirty="0">
+                          <a:solidFill>
+                            <a:schemeClr val="tx1"/>
+                          </a:solidFill>
+                          <a:latin typeface="Avenir Black" panose="02000503020000020003" pitchFamily="2" charset="0"/>
+                          <a:ea typeface="+mn-ea"/>
+                          <a:cs typeface="+mn-cs"/>
+                        </a:rPr>
+                        <a:t>Covariate</a:t>
+                      </a:r>
+                    </a:p>
+                  </a:txBody>
+                  <a:tcPr anchor="b">
+                    <a:lnL w="12700" cap="flat" cmpd="sng" algn="ctr">
+                      <a:solidFill>
+                        <a:schemeClr val="tx1"/>
+                      </a:solidFill>
+                      <a:prstDash val="solid"/>
+                      <a:round/>
+                      <a:headEnd type="none" w="med" len="med"/>
+                      <a:tailEnd type="none" w="med" len="med"/>
+                    </a:lnL>
+                    <a:lnR w="12700" cap="flat" cmpd="sng" algn="ctr">
+                      <a:solidFill>
+                        <a:schemeClr val="tx1"/>
+                      </a:solidFill>
+                      <a:prstDash val="solid"/>
+                      <a:round/>
+                      <a:headEnd type="none" w="med" len="med"/>
+                      <a:tailEnd type="none" w="med" len="med"/>
+                    </a:lnR>
+                    <a:lnT w="12700" cap="flat" cmpd="sng" algn="ctr">
+                      <a:solidFill>
+                        <a:schemeClr val="tx1"/>
+                      </a:solidFill>
+                      <a:prstDash val="solid"/>
+                      <a:round/>
+                      <a:headEnd type="none" w="med" len="med"/>
+                      <a:tailEnd type="none" w="med" len="med"/>
+                    </a:lnT>
+                    <a:lnB w="12700" cap="flat" cmpd="sng" algn="ctr">
+                      <a:solidFill>
+                        <a:schemeClr val="tx1"/>
+                      </a:solidFill>
+                      <a:prstDash val="solid"/>
+                      <a:round/>
+                      <a:headEnd type="none" w="med" len="med"/>
+                      <a:tailEnd type="none" w="med" len="med"/>
+                    </a:lnB>
+                  </a:tcPr>
+                </a:tc>
+                <a:tc>
+                  <a:txBody>
+                    <a:bodyPr/>
+                    <a:lstStyle/>
+                    <a:p>
+                      <a:pPr algn="ctr"/>
+                      <a:r>
+                        <a:rPr lang="en-US" sz="1400" b="1" i="0" dirty="0">
+                          <a:latin typeface="Avenir Black" panose="02000503020000020003" pitchFamily="2" charset="0"/>
+                        </a:rPr>
+                        <a:t>ASMD</a:t>
+                      </a:r>
+                    </a:p>
+                    <a:p>
+                      <a:pPr algn="ctr"/>
+                      <a:r>
+                        <a:rPr lang="en-US" sz="1050" b="1" i="0" dirty="0">
+                          <a:latin typeface="Avenir Black" panose="02000503020000020003" pitchFamily="2" charset="0"/>
+                        </a:rPr>
+                        <a:t>(min to max)</a:t>
+                      </a:r>
+                    </a:p>
+                  </a:txBody>
+                  <a:tcPr anchor="b">
+                    <a:lnL w="12700" cap="flat" cmpd="sng" algn="ctr">
+                      <a:solidFill>
+                        <a:schemeClr val="tx1"/>
+                      </a:solidFill>
+                      <a:prstDash val="solid"/>
+                      <a:round/>
+                      <a:headEnd type="none" w="med" len="med"/>
+                      <a:tailEnd type="none" w="med" len="med"/>
+                    </a:lnL>
+                    <a:lnR w="12700" cap="flat" cmpd="sng" algn="ctr">
+                      <a:solidFill>
+                        <a:schemeClr val="tx1"/>
+                      </a:solidFill>
+                      <a:prstDash val="solid"/>
+                      <a:round/>
+                      <a:headEnd type="none" w="med" len="med"/>
+                      <a:tailEnd type="none" w="med" len="med"/>
+                    </a:lnR>
+                    <a:lnT w="12700" cap="flat" cmpd="sng" algn="ctr">
+                      <a:solidFill>
+                        <a:schemeClr val="tx1"/>
+                      </a:solidFill>
+                      <a:prstDash val="solid"/>
+                      <a:round/>
+                      <a:headEnd type="none" w="med" len="med"/>
+                      <a:tailEnd type="none" w="med" len="med"/>
+                    </a:lnT>
+                    <a:lnB w="12700" cap="flat" cmpd="sng" algn="ctr">
+                      <a:solidFill>
+                        <a:schemeClr val="tx1"/>
+                      </a:solidFill>
+                      <a:prstDash val="solid"/>
+                      <a:round/>
+                      <a:headEnd type="none" w="med" len="med"/>
+                      <a:tailEnd type="none" w="med" len="med"/>
+                    </a:lnB>
+                    <a:solidFill>
+                      <a:schemeClr val="accent2">
+                        <a:lumMod val="20000"/>
+                        <a:lumOff val="80000"/>
+                      </a:schemeClr>
+                    </a:solidFill>
+                  </a:tcPr>
+                </a:tc>
+                <a:tc>
+                  <a:txBody>
+                    <a:bodyPr/>
+                    <a:lstStyle/>
+                    <a:p>
+                      <a:pPr algn="ctr"/>
+                      <a:r>
+                        <a:rPr lang="en-US" sz="1400" b="1" i="0" dirty="0">
+                          <a:latin typeface="Avenir Black" panose="02000503020000020003" pitchFamily="2" charset="0"/>
+                        </a:rPr>
+                        <a:t>P-value </a:t>
+                      </a:r>
+                    </a:p>
+                  </a:txBody>
+                  <a:tcPr anchor="b">
+                    <a:lnL w="12700" cap="flat" cmpd="sng" algn="ctr">
+                      <a:solidFill>
+                        <a:schemeClr val="tx1"/>
+                      </a:solidFill>
+                      <a:prstDash val="solid"/>
+                      <a:round/>
+                      <a:headEnd type="none" w="med" len="med"/>
+                      <a:tailEnd type="none" w="med" len="med"/>
+                    </a:lnL>
+                    <a:lnR w="12700" cap="flat" cmpd="sng" algn="ctr">
+                      <a:solidFill>
+                        <a:schemeClr val="tx1"/>
+                      </a:solidFill>
+                      <a:prstDash val="solid"/>
+                      <a:round/>
+                      <a:headEnd type="none" w="med" len="med"/>
+                      <a:tailEnd type="none" w="med" len="med"/>
+                    </a:lnR>
+                    <a:lnT w="12700" cap="flat" cmpd="sng" algn="ctr">
+                      <a:solidFill>
+                        <a:schemeClr val="tx1"/>
+                      </a:solidFill>
+                      <a:prstDash val="solid"/>
+                      <a:round/>
+                      <a:headEnd type="none" w="med" len="med"/>
+                      <a:tailEnd type="none" w="med" len="med"/>
+                    </a:lnT>
+                    <a:lnB w="12700" cap="flat" cmpd="sng" algn="ctr">
+                      <a:solidFill>
+                        <a:schemeClr val="tx1"/>
+                      </a:solidFill>
+                      <a:prstDash val="solid"/>
+                      <a:round/>
+                      <a:headEnd type="none" w="med" len="med"/>
+                      <a:tailEnd type="none" w="med" len="med"/>
+                    </a:lnB>
+                    <a:solidFill>
+                      <a:schemeClr val="accent2">
+                        <a:lumMod val="20000"/>
+                        <a:lumOff val="80000"/>
+                      </a:schemeClr>
+                    </a:solidFill>
+                  </a:tcPr>
+                </a:tc>
+                <a:tc>
+                  <a:txBody>
+                    <a:bodyPr/>
+                    <a:lstStyle/>
+                    <a:p>
+                      <a:pPr algn="ctr"/>
+                      <a:r>
+                        <a:rPr lang="en-US" sz="1400" b="1" i="0" dirty="0">
+                          <a:latin typeface="Avenir Black" panose="02000503020000020003" pitchFamily="2" charset="0"/>
+                        </a:rPr>
+                        <a:t>AUC </a:t>
+                      </a:r>
+                    </a:p>
+                  </a:txBody>
+                  <a:tcPr anchor="b">
+                    <a:lnL w="12700" cap="flat" cmpd="sng" algn="ctr">
+                      <a:solidFill>
+                        <a:schemeClr val="tx1"/>
+                      </a:solidFill>
+                      <a:prstDash val="solid"/>
+                      <a:round/>
+                      <a:headEnd type="none" w="med" len="med"/>
+                      <a:tailEnd type="none" w="med" len="med"/>
+                    </a:lnL>
+                    <a:lnR w="12700" cap="flat" cmpd="sng" algn="ctr">
+                      <a:solidFill>
+                        <a:schemeClr val="tx1"/>
+                      </a:solidFill>
+                      <a:prstDash val="solid"/>
+                      <a:round/>
+                      <a:headEnd type="none" w="med" len="med"/>
+                      <a:tailEnd type="none" w="med" len="med"/>
+                    </a:lnR>
+                    <a:lnT w="12700" cap="flat" cmpd="sng" algn="ctr">
+                      <a:solidFill>
+                        <a:schemeClr val="tx1"/>
+                      </a:solidFill>
+                      <a:prstDash val="solid"/>
+                      <a:round/>
+                      <a:headEnd type="none" w="med" len="med"/>
+                      <a:tailEnd type="none" w="med" len="med"/>
+                    </a:lnT>
+                    <a:lnB w="12700" cap="flat" cmpd="sng" algn="ctr">
+                      <a:solidFill>
+                        <a:schemeClr val="tx1"/>
+                      </a:solidFill>
+                      <a:prstDash val="solid"/>
+                      <a:round/>
+                      <a:headEnd type="none" w="med" len="med"/>
+                      <a:tailEnd type="none" w="med" len="med"/>
+                    </a:lnB>
+                    <a:solidFill>
+                      <a:schemeClr val="accent5">
+                        <a:lumMod val="20000"/>
+                        <a:lumOff val="80000"/>
+                      </a:schemeClr>
+                    </a:solidFill>
+                  </a:tcPr>
+                </a:tc>
+                <a:tc>
+                  <a:txBody>
+                    <a:bodyPr/>
+                    <a:lstStyle/>
+                    <a:p>
+                      <a:pPr algn="ctr"/>
+                      <a:r>
+                        <a:rPr lang="en-US" sz="1400" b="1" i="0" dirty="0">
+                          <a:latin typeface="Avenir Black" panose="02000503020000020003" pitchFamily="2" charset="0"/>
+                        </a:rPr>
+                        <a:t>Log HR </a:t>
+                      </a:r>
+                    </a:p>
+                    <a:p>
+                      <a:pPr algn="ctr"/>
+                      <a:r>
+                        <a:rPr lang="en-US" sz="1000" b="0" i="0" dirty="0">
+                          <a:latin typeface="Avenir Black" panose="02000503020000020003" pitchFamily="2" charset="0"/>
+                        </a:rPr>
+                        <a:t>(crude, 95% CI)</a:t>
+                      </a:r>
+                    </a:p>
+                  </a:txBody>
+                  <a:tcPr anchor="b">
+                    <a:lnL w="12700" cap="flat" cmpd="sng" algn="ctr">
+                      <a:solidFill>
+                        <a:schemeClr val="tx1"/>
+                      </a:solidFill>
+                      <a:prstDash val="solid"/>
+                      <a:round/>
+                      <a:headEnd type="none" w="med" len="med"/>
+                      <a:tailEnd type="none" w="med" len="med"/>
+                    </a:lnL>
+                    <a:lnR w="12700" cap="flat" cmpd="sng" algn="ctr">
+                      <a:solidFill>
+                        <a:schemeClr val="tx1"/>
+                      </a:solidFill>
+                      <a:prstDash val="solid"/>
+                      <a:round/>
+                      <a:headEnd type="none" w="med" len="med"/>
+                      <a:tailEnd type="none" w="med" len="med"/>
+                    </a:lnR>
+                    <a:lnT w="12700" cap="flat" cmpd="sng" algn="ctr">
+                      <a:solidFill>
+                        <a:schemeClr val="tx1"/>
+                      </a:solidFill>
+                      <a:prstDash val="solid"/>
+                      <a:round/>
+                      <a:headEnd type="none" w="med" len="med"/>
+                      <a:tailEnd type="none" w="med" len="med"/>
+                    </a:lnT>
+                    <a:lnB w="12700" cap="flat" cmpd="sng" algn="ctr">
+                      <a:solidFill>
+                        <a:schemeClr val="tx1"/>
+                      </a:solidFill>
+                      <a:prstDash val="solid"/>
+                      <a:round/>
+                      <a:headEnd type="none" w="med" len="med"/>
+                      <a:tailEnd type="none" w="med" len="med"/>
+                    </a:lnB>
+                    <a:solidFill>
+                      <a:schemeClr val="accent6">
+                        <a:lumMod val="20000"/>
+                        <a:lumOff val="80000"/>
+                      </a:schemeClr>
+                    </a:solidFill>
+                  </a:tcPr>
+                </a:tc>
+                <a:tc>
+                  <a:txBody>
+                    <a:bodyPr/>
+                    <a:lstStyle/>
+                    <a:p>
+                      <a:pPr marL="0" marR="0" lvl="0" indent="0" algn="ctr" defTabSz="685800" rtl="0" eaLnBrk="1" fontAlgn="auto" latinLnBrk="0" hangingPunct="1">
+                        <a:lnSpc>
+                          <a:spcPct val="100000"/>
+                        </a:lnSpc>
+                        <a:spcBef>
+                          <a:spcPts val="0"/>
+                        </a:spcBef>
+                        <a:spcAft>
+                          <a:spcPts val="0"/>
+                        </a:spcAft>
+                        <a:buClrTx/>
+                        <a:buSzTx/>
+                        <a:buFontTx/>
+                        <a:buNone/>
+                        <a:tabLst/>
+                        <a:defRPr/>
+                      </a:pPr>
+                      <a:r>
+                        <a:rPr lang="en-US" sz="1400" b="1" i="0" dirty="0">
+                          <a:latin typeface="Avenir Black" panose="02000503020000020003" pitchFamily="2" charset="0"/>
+                        </a:rPr>
+                        <a:t>Log HR </a:t>
+                      </a:r>
+                    </a:p>
+                    <a:p>
+                      <a:pPr marL="0" marR="0" lvl="0" indent="0" algn="ctr" defTabSz="685800" rtl="0" eaLnBrk="1" fontAlgn="auto" latinLnBrk="0" hangingPunct="1">
+                        <a:lnSpc>
+                          <a:spcPct val="100000"/>
+                        </a:lnSpc>
+                        <a:spcBef>
+                          <a:spcPts val="0"/>
+                        </a:spcBef>
+                        <a:spcAft>
+                          <a:spcPts val="0"/>
+                        </a:spcAft>
+                        <a:buClrTx/>
+                        <a:buSzTx/>
+                        <a:buFontTx/>
+                        <a:buNone/>
+                        <a:tabLst/>
+                        <a:defRPr/>
+                      </a:pPr>
+                      <a:r>
+                        <a:rPr lang="en-US" sz="1000" b="1" i="0" dirty="0">
+                          <a:latin typeface="Avenir Black" panose="02000503020000020003" pitchFamily="2" charset="0"/>
+                        </a:rPr>
+                        <a:t>(adjusted, 95% CI)</a:t>
+                      </a:r>
+                    </a:p>
+                  </a:txBody>
+                  <a:tcPr anchor="b">
+                    <a:lnL w="12700" cap="flat" cmpd="sng" algn="ctr">
+                      <a:solidFill>
+                        <a:schemeClr val="tx1"/>
+                      </a:solidFill>
+                      <a:prstDash val="solid"/>
+                      <a:round/>
+                      <a:headEnd type="none" w="med" len="med"/>
+                      <a:tailEnd type="none" w="med" len="med"/>
+                    </a:lnL>
+                    <a:lnR w="12700" cap="flat" cmpd="sng" algn="ctr">
+                      <a:solidFill>
+                        <a:schemeClr val="tx1"/>
+                      </a:solidFill>
+                      <a:prstDash val="solid"/>
+                      <a:round/>
+                      <a:headEnd type="none" w="med" len="med"/>
+                      <a:tailEnd type="none" w="med" len="med"/>
+                    </a:lnR>
+                    <a:lnT w="12700" cap="flat" cmpd="sng" algn="ctr">
+                      <a:solidFill>
+                        <a:schemeClr val="tx1"/>
+                      </a:solidFill>
+                      <a:prstDash val="solid"/>
+                      <a:round/>
+                      <a:headEnd type="none" w="med" len="med"/>
+                      <a:tailEnd type="none" w="med" len="med"/>
+                    </a:lnT>
+                    <a:lnB w="12700" cap="flat" cmpd="sng" algn="ctr">
+                      <a:solidFill>
+                        <a:schemeClr val="tx1"/>
+                      </a:solidFill>
+                      <a:prstDash val="solid"/>
+                      <a:round/>
+                      <a:headEnd type="none" w="med" len="med"/>
+                      <a:tailEnd type="none" w="med" len="med"/>
+                    </a:lnB>
+                    <a:solidFill>
+                      <a:schemeClr val="accent6">
+                        <a:lumMod val="20000"/>
+                        <a:lumOff val="80000"/>
+                      </a:schemeClr>
+                    </a:solidFill>
+                  </a:tcPr>
+                </a:tc>
+                <a:extLst>
+                  <a:ext uri="{0D108BD9-81ED-4DB2-BD59-A6C34878D82A}">
+                    <a16:rowId xmlns:a16="http://schemas.microsoft.com/office/drawing/2014/main" val="3797417887"/>
+                  </a:ext>
+                </a:extLst>
+              </a:tr>
+              <a:tr h="414796">
+                <a:tc>
+                  <a:txBody>
+                    <a:bodyPr/>
+                    <a:lstStyle/>
+                    <a:p>
+                      <a:pPr marL="0" algn="l" defTabSz="685800" rtl="0" eaLnBrk="1" latinLnBrk="0" hangingPunct="1"/>
+                      <a:r>
+                        <a:rPr lang="en-US" sz="1400" b="0" kern="1200" dirty="0">
+                          <a:solidFill>
+                            <a:schemeClr val="tx1"/>
+                          </a:solidFill>
+                          <a:latin typeface="Avenir Book" panose="02000503020000020003"/>
+                          <a:ea typeface="+mn-ea"/>
+                          <a:cs typeface="+mn-cs"/>
+                        </a:rPr>
+                        <a:t>EGFR (cancer biomarker)</a:t>
+                      </a:r>
+                    </a:p>
+                  </a:txBody>
+                  <a:tcPr>
+                    <a:lnL w="12700" cap="flat" cmpd="sng" algn="ctr">
+                      <a:solidFill>
+                        <a:schemeClr val="tx1"/>
+                      </a:solidFill>
+                      <a:prstDash val="solid"/>
+                      <a:round/>
+                      <a:headEnd type="none" w="med" len="med"/>
+                      <a:tailEnd type="none" w="med" len="med"/>
+                    </a:lnL>
+                    <a:lnR w="12700" cap="flat" cmpd="sng" algn="ctr">
+                      <a:solidFill>
+                        <a:schemeClr val="tx1"/>
+                      </a:solidFill>
+                      <a:prstDash val="solid"/>
+                      <a:round/>
+                      <a:headEnd type="none" w="med" len="med"/>
+                      <a:tailEnd type="none" w="med" len="med"/>
+                    </a:lnR>
+                    <a:lnT w="12700" cap="flat" cmpd="sng" algn="ctr">
+                      <a:solidFill>
+                        <a:schemeClr val="tx1"/>
+                      </a:solidFill>
+                      <a:prstDash val="solid"/>
+                      <a:round/>
+                      <a:headEnd type="none" w="med" len="med"/>
+                      <a:tailEnd type="none" w="med" len="med"/>
+                    </a:lnT>
+                    <a:lnB w="12700" cap="flat" cmpd="sng" algn="ctr">
+                      <a:solidFill>
+                        <a:schemeClr val="tx1"/>
+                      </a:solidFill>
+                      <a:prstDash val="solid"/>
+                      <a:round/>
+                      <a:headEnd type="none" w="med" len="med"/>
+                      <a:tailEnd type="none" w="med" len="med"/>
+                    </a:lnB>
+                  </a:tcPr>
+                </a:tc>
+                <a:tc>
+                  <a:txBody>
+                    <a:bodyPr/>
+                    <a:lstStyle/>
+                    <a:p>
+                      <a:pPr marL="0" algn="l" defTabSz="685800" rtl="0" eaLnBrk="1" fontAlgn="ctr" latinLnBrk="0" hangingPunct="1"/>
+                      <a:r>
+                        <a:rPr lang="en-US" sz="1400" b="1" kern="1200" dirty="0">
+                          <a:solidFill>
+                            <a:schemeClr val="tx1"/>
+                          </a:solidFill>
+                          <a:latin typeface="Avenir Book" panose="02000503020000020003"/>
+                          <a:ea typeface="+mn-ea"/>
+                          <a:cs typeface="+mn-cs"/>
+                        </a:rPr>
+                        <a:t>0.24</a:t>
+                      </a:r>
+                      <a:r>
+                        <a:rPr lang="en-US" sz="1400" kern="1200" dirty="0">
+                          <a:solidFill>
+                            <a:schemeClr val="tx1"/>
+                          </a:solidFill>
+                          <a:latin typeface="Avenir Book" panose="02000503020000020003"/>
+                          <a:ea typeface="+mn-ea"/>
+                          <a:cs typeface="+mn-cs"/>
+                        </a:rPr>
+                        <a:t> (0.01 to 0.49)</a:t>
+                      </a:r>
+                    </a:p>
+                  </a:txBody>
+                  <a:tcPr marL="47625" marR="47625" marT="76200" marB="76200" anchor="ctr">
+                    <a:lnL w="12700" cap="flat" cmpd="sng" algn="ctr">
+                      <a:solidFill>
+                        <a:schemeClr val="tx1"/>
+                      </a:solidFill>
+                      <a:prstDash val="solid"/>
+                      <a:round/>
+                      <a:headEnd type="none" w="med" len="med"/>
+                      <a:tailEnd type="none" w="med" len="med"/>
+                    </a:lnL>
+                    <a:lnR w="12700" cap="flat" cmpd="sng" algn="ctr">
+                      <a:solidFill>
+                        <a:schemeClr val="tx1"/>
+                      </a:solidFill>
+                      <a:prstDash val="solid"/>
+                      <a:round/>
+                      <a:headEnd type="none" w="med" len="med"/>
+                      <a:tailEnd type="none" w="med" len="med"/>
+                    </a:lnR>
+                    <a:lnT w="12700" cap="flat" cmpd="sng" algn="ctr">
+                      <a:solidFill>
+                        <a:schemeClr val="tx1"/>
+                      </a:solidFill>
+                      <a:prstDash val="solid"/>
+                      <a:round/>
+                      <a:headEnd type="none" w="med" len="med"/>
+                      <a:tailEnd type="none" w="med" len="med"/>
+                    </a:lnT>
+                    <a:lnB w="12700" cap="flat" cmpd="sng" algn="ctr">
+                      <a:solidFill>
+                        <a:schemeClr val="tx1"/>
+                      </a:solidFill>
+                      <a:prstDash val="solid"/>
+                      <a:round/>
+                      <a:headEnd type="none" w="med" len="med"/>
+                      <a:tailEnd type="none" w="med" len="med"/>
+                    </a:lnB>
+                    <a:solidFill>
+                      <a:schemeClr val="accent2">
+                        <a:lumMod val="20000"/>
+                        <a:lumOff val="80000"/>
+                      </a:schemeClr>
+                    </a:solidFill>
+                  </a:tcPr>
+                </a:tc>
+                <a:tc>
+                  <a:txBody>
+                    <a:bodyPr/>
+                    <a:lstStyle/>
+                    <a:p>
+                      <a:pPr marL="0" algn="l" defTabSz="685800" rtl="0" eaLnBrk="1" fontAlgn="ctr" latinLnBrk="0" hangingPunct="1"/>
+                      <a:r>
+                        <a:rPr lang="en-US" sz="1400" b="1" kern="1200" dirty="0">
+                          <a:solidFill>
+                            <a:schemeClr val="tx1"/>
+                          </a:solidFill>
+                          <a:latin typeface="Avenir Book" panose="02000503020000020003"/>
+                          <a:ea typeface="+mn-ea"/>
+                          <a:cs typeface="+mn-cs"/>
+                        </a:rPr>
+                        <a:t>&lt;.001</a:t>
+                      </a:r>
+                    </a:p>
+                  </a:txBody>
+                  <a:tcPr marL="47625" marR="47625" marT="76200" marB="76200" anchor="ctr">
+                    <a:lnL w="12700" cap="flat" cmpd="sng" algn="ctr">
+                      <a:solidFill>
+                        <a:schemeClr val="tx1"/>
+                      </a:solidFill>
+                      <a:prstDash val="solid"/>
+                      <a:round/>
+                      <a:headEnd type="none" w="med" len="med"/>
+                      <a:tailEnd type="none" w="med" len="med"/>
+                    </a:lnL>
+                    <a:lnR w="12700" cap="flat" cmpd="sng" algn="ctr">
+                      <a:solidFill>
+                        <a:schemeClr val="tx1"/>
+                      </a:solidFill>
+                      <a:prstDash val="solid"/>
+                      <a:round/>
+                      <a:headEnd type="none" w="med" len="med"/>
+                      <a:tailEnd type="none" w="med" len="med"/>
+                    </a:lnR>
+                    <a:lnT w="12700" cap="flat" cmpd="sng" algn="ctr">
+                      <a:solidFill>
+                        <a:schemeClr val="tx1"/>
+                      </a:solidFill>
+                      <a:prstDash val="solid"/>
+                      <a:round/>
+                      <a:headEnd type="none" w="med" len="med"/>
+                      <a:tailEnd type="none" w="med" len="med"/>
+                    </a:lnT>
+                    <a:lnB w="12700" cap="flat" cmpd="sng" algn="ctr">
+                      <a:solidFill>
+                        <a:schemeClr val="tx1"/>
+                      </a:solidFill>
+                      <a:prstDash val="solid"/>
+                      <a:round/>
+                      <a:headEnd type="none" w="med" len="med"/>
+                      <a:tailEnd type="none" w="med" len="med"/>
+                    </a:lnB>
+                    <a:solidFill>
+                      <a:schemeClr val="accent2">
+                        <a:lumMod val="20000"/>
+                        <a:lumOff val="80000"/>
+                      </a:schemeClr>
+                    </a:solidFill>
+                  </a:tcPr>
+                </a:tc>
+                <a:tc>
+                  <a:txBody>
+                    <a:bodyPr/>
+                    <a:lstStyle/>
+                    <a:p>
+                      <a:pPr marL="0" algn="l" defTabSz="685800" rtl="0" eaLnBrk="1" fontAlgn="ctr" latinLnBrk="0" hangingPunct="1"/>
+                      <a:r>
+                        <a:rPr lang="en-US" sz="1400" b="1" kern="1200" dirty="0">
+                          <a:solidFill>
+                            <a:schemeClr val="tx1"/>
+                          </a:solidFill>
+                          <a:latin typeface="Avenir Book" panose="02000503020000020003"/>
+                          <a:ea typeface="+mn-ea"/>
+                          <a:cs typeface="+mn-cs"/>
+                        </a:rPr>
+                        <a:t>0.63</a:t>
+                      </a:r>
+                    </a:p>
+                  </a:txBody>
+                  <a:tcPr marL="47625" marR="47625" marT="76200" marB="76200" anchor="ctr">
+                    <a:lnL w="12700" cap="flat" cmpd="sng" algn="ctr">
+                      <a:solidFill>
+                        <a:schemeClr val="tx1"/>
+                      </a:solidFill>
+                      <a:prstDash val="solid"/>
+                      <a:round/>
+                      <a:headEnd type="none" w="med" len="med"/>
+                      <a:tailEnd type="none" w="med" len="med"/>
+                    </a:lnL>
+                    <a:lnR w="12700" cap="flat" cmpd="sng" algn="ctr">
+                      <a:solidFill>
+                        <a:schemeClr val="tx1"/>
+                      </a:solidFill>
+                      <a:prstDash val="solid"/>
+                      <a:round/>
+                      <a:headEnd type="none" w="med" len="med"/>
+                      <a:tailEnd type="none" w="med" len="med"/>
+                    </a:lnR>
+                    <a:lnT w="12700" cap="flat" cmpd="sng" algn="ctr">
+                      <a:solidFill>
+                        <a:schemeClr val="tx1"/>
+                      </a:solidFill>
+                      <a:prstDash val="solid"/>
+                      <a:round/>
+                      <a:headEnd type="none" w="med" len="med"/>
+                      <a:tailEnd type="none" w="med" len="med"/>
+                    </a:lnT>
+                    <a:lnB w="12700" cap="flat" cmpd="sng" algn="ctr">
+                      <a:solidFill>
+                        <a:schemeClr val="tx1"/>
+                      </a:solidFill>
+                      <a:prstDash val="solid"/>
+                      <a:round/>
+                      <a:headEnd type="none" w="med" len="med"/>
+                      <a:tailEnd type="none" w="med" len="med"/>
+                    </a:lnB>
+                    <a:solidFill>
+                      <a:schemeClr val="accent5">
+                        <a:lumMod val="20000"/>
+                        <a:lumOff val="80000"/>
+                      </a:schemeClr>
+                    </a:solidFill>
+                  </a:tcPr>
+                </a:tc>
+                <a:tc>
+                  <a:txBody>
+                    <a:bodyPr/>
+                    <a:lstStyle/>
+                    <a:p>
+                      <a:pPr marL="0" algn="l" defTabSz="685800" rtl="0" eaLnBrk="1" fontAlgn="ctr" latinLnBrk="0" hangingPunct="1"/>
+                      <a:r>
+                        <a:rPr lang="en-US" sz="1400" kern="1200" dirty="0">
+                          <a:solidFill>
+                            <a:schemeClr val="tx1"/>
+                          </a:solidFill>
+                          <a:latin typeface="Avenir Book" panose="02000503020000020003"/>
+                          <a:ea typeface="+mn-ea"/>
+                          <a:cs typeface="+mn-cs"/>
+                        </a:rPr>
+                        <a:t> 0.06 </a:t>
+                      </a:r>
+                      <a:r>
+                        <a:rPr lang="en-US" sz="1200" kern="1200" dirty="0">
+                          <a:solidFill>
+                            <a:schemeClr val="tx1"/>
+                          </a:solidFill>
+                          <a:latin typeface="Avenir Book" panose="02000503020000020003"/>
+                          <a:ea typeface="+mn-ea"/>
+                          <a:cs typeface="+mn-cs"/>
+                        </a:rPr>
+                        <a:t>(-0.03 to 0.15)</a:t>
+                      </a:r>
+                    </a:p>
+                  </a:txBody>
+                  <a:tcPr marL="47625" marR="47625" marT="76200" marB="76200" anchor="ctr">
+                    <a:lnL w="12700" cap="flat" cmpd="sng" algn="ctr">
+                      <a:solidFill>
+                        <a:schemeClr val="tx1"/>
+                      </a:solidFill>
+                      <a:prstDash val="solid"/>
+                      <a:round/>
+                      <a:headEnd type="none" w="med" len="med"/>
+                      <a:tailEnd type="none" w="med" len="med"/>
+                    </a:lnL>
+                    <a:lnR w="12700" cap="flat" cmpd="sng" algn="ctr">
+                      <a:solidFill>
+                        <a:schemeClr val="tx1"/>
+                      </a:solidFill>
+                      <a:prstDash val="solid"/>
+                      <a:round/>
+                      <a:headEnd type="none" w="med" len="med"/>
+                      <a:tailEnd type="none" w="med" len="med"/>
+                    </a:lnR>
+                    <a:lnT w="12700" cap="flat" cmpd="sng" algn="ctr">
+                      <a:solidFill>
+                        <a:schemeClr val="tx1"/>
+                      </a:solidFill>
+                      <a:prstDash val="solid"/>
+                      <a:round/>
+                      <a:headEnd type="none" w="med" len="med"/>
+                      <a:tailEnd type="none" w="med" len="med"/>
+                    </a:lnT>
+                    <a:lnB w="12700" cap="flat" cmpd="sng" algn="ctr">
+                      <a:solidFill>
+                        <a:schemeClr val="tx1"/>
+                      </a:solidFill>
+                      <a:prstDash val="solid"/>
+                      <a:round/>
+                      <a:headEnd type="none" w="med" len="med"/>
+                      <a:tailEnd type="none" w="med" len="med"/>
+                    </a:lnB>
+                    <a:solidFill>
+                      <a:schemeClr val="accent6">
+                        <a:lumMod val="20000"/>
+                        <a:lumOff val="80000"/>
+                      </a:schemeClr>
+                    </a:solidFill>
+                  </a:tcPr>
+                </a:tc>
+                <a:tc>
+                  <a:txBody>
+                    <a:bodyPr/>
+                    <a:lstStyle/>
+                    <a:p>
+                      <a:pPr marL="0" algn="l" defTabSz="685800" rtl="0" eaLnBrk="1" fontAlgn="ctr" latinLnBrk="0" hangingPunct="1"/>
+                      <a:r>
+                        <a:rPr lang="en-US" sz="1400" kern="1200" dirty="0">
+                          <a:solidFill>
+                            <a:schemeClr val="tx1"/>
+                          </a:solidFill>
+                          <a:latin typeface="Avenir Book" panose="02000503020000020003"/>
+                          <a:ea typeface="+mn-ea"/>
+                          <a:cs typeface="+mn-cs"/>
+                        </a:rPr>
+                        <a:t>-0.01 </a:t>
+                      </a:r>
+                      <a:r>
+                        <a:rPr lang="en-US" sz="1200" kern="1200" dirty="0">
+                          <a:solidFill>
+                            <a:schemeClr val="tx1"/>
+                          </a:solidFill>
+                          <a:latin typeface="Avenir Book" panose="02000503020000020003"/>
+                          <a:ea typeface="+mn-ea"/>
+                          <a:cs typeface="+mn-cs"/>
+                        </a:rPr>
+                        <a:t>(-0.10 to 0.09)</a:t>
+                      </a:r>
+                    </a:p>
+                  </a:txBody>
+                  <a:tcPr marL="47625" marR="47625" marT="76200" marB="76200" anchor="ctr">
+                    <a:lnL w="12700" cap="flat" cmpd="sng" algn="ctr">
+                      <a:solidFill>
+                        <a:schemeClr val="tx1"/>
+                      </a:solidFill>
+                      <a:prstDash val="solid"/>
+                      <a:round/>
+                      <a:headEnd type="none" w="med" len="med"/>
+                      <a:tailEnd type="none" w="med" len="med"/>
+                    </a:lnL>
+                    <a:lnR w="12700" cap="flat" cmpd="sng" algn="ctr">
+                      <a:solidFill>
+                        <a:schemeClr val="tx1"/>
+                      </a:solidFill>
+                      <a:prstDash val="solid"/>
+                      <a:round/>
+                      <a:headEnd type="none" w="med" len="med"/>
+                      <a:tailEnd type="none" w="med" len="med"/>
+                    </a:lnR>
+                    <a:lnT w="12700" cap="flat" cmpd="sng" algn="ctr">
+                      <a:solidFill>
+                        <a:schemeClr val="tx1"/>
+                      </a:solidFill>
+                      <a:prstDash val="solid"/>
+                      <a:round/>
+                      <a:headEnd type="none" w="med" len="med"/>
+                      <a:tailEnd type="none" w="med" len="med"/>
+                    </a:lnT>
+                    <a:lnB w="12700" cap="flat" cmpd="sng" algn="ctr">
+                      <a:solidFill>
+                        <a:schemeClr val="tx1"/>
+                      </a:solidFill>
+                      <a:prstDash val="solid"/>
+                      <a:round/>
+                      <a:headEnd type="none" w="med" len="med"/>
+                      <a:tailEnd type="none" w="med" len="med"/>
+                    </a:lnB>
+                    <a:solidFill>
+                      <a:schemeClr val="accent6">
+                        <a:lumMod val="20000"/>
+                        <a:lumOff val="80000"/>
+                      </a:schemeClr>
+                    </a:solidFill>
+                  </a:tcPr>
+                </a:tc>
+                <a:extLst>
+                  <a:ext uri="{0D108BD9-81ED-4DB2-BD59-A6C34878D82A}">
+                    <a16:rowId xmlns:a16="http://schemas.microsoft.com/office/drawing/2014/main" val="1346357246"/>
+                  </a:ext>
+                </a:extLst>
+              </a:tr>
+              <a:tr h="414796">
+                <a:tc>
+                  <a:txBody>
+                    <a:bodyPr/>
+                    <a:lstStyle/>
+                    <a:p>
+                      <a:pPr algn="l"/>
+                      <a:r>
+                        <a:rPr lang="en-US" sz="1400" kern="1200" dirty="0">
+                          <a:solidFill>
+                            <a:schemeClr val="tx1"/>
+                          </a:solidFill>
+                          <a:latin typeface="Avenir Book" panose="02000503020000020003"/>
+                          <a:ea typeface="+mn-ea"/>
+                          <a:cs typeface="+mn-cs"/>
+                        </a:rPr>
+                        <a:t>ECOG (performance status)</a:t>
+                      </a:r>
+                    </a:p>
+                  </a:txBody>
+                  <a:tcPr>
+                    <a:lnL w="12700" cap="flat" cmpd="sng" algn="ctr">
+                      <a:solidFill>
+                        <a:schemeClr val="tx1"/>
+                      </a:solidFill>
+                      <a:prstDash val="solid"/>
+                      <a:round/>
+                      <a:headEnd type="none" w="med" len="med"/>
+                      <a:tailEnd type="none" w="med" len="med"/>
+                    </a:lnL>
+                    <a:lnR w="12700" cap="flat" cmpd="sng" algn="ctr">
+                      <a:solidFill>
+                        <a:schemeClr val="tx1"/>
+                      </a:solidFill>
+                      <a:prstDash val="solid"/>
+                      <a:round/>
+                      <a:headEnd type="none" w="med" len="med"/>
+                      <a:tailEnd type="none" w="med" len="med"/>
+                    </a:lnR>
+                    <a:lnT w="12700" cap="flat" cmpd="sng" algn="ctr">
+                      <a:solidFill>
+                        <a:schemeClr val="tx1"/>
+                      </a:solidFill>
+                      <a:prstDash val="solid"/>
+                      <a:round/>
+                      <a:headEnd type="none" w="med" len="med"/>
+                      <a:tailEnd type="none" w="med" len="med"/>
+                    </a:lnT>
+                    <a:lnB w="12700" cap="flat" cmpd="sng" algn="ctr">
+                      <a:solidFill>
+                        <a:schemeClr val="tx1"/>
+                      </a:solidFill>
+                      <a:prstDash val="solid"/>
+                      <a:round/>
+                      <a:headEnd type="none" w="med" len="med"/>
+                      <a:tailEnd type="none" w="med" len="med"/>
+                    </a:lnB>
+                  </a:tcPr>
+                </a:tc>
+                <a:tc>
+                  <a:txBody>
+                    <a:bodyPr/>
+                    <a:lstStyle/>
+                    <a:p>
+                      <a:pPr algn="l" fontAlgn="ctr"/>
+                      <a:r>
+                        <a:rPr lang="en-US" sz="1400" b="1" kern="1200" dirty="0">
+                          <a:solidFill>
+                            <a:schemeClr val="tx1"/>
+                          </a:solidFill>
+                          <a:latin typeface="Avenir Book" panose="02000503020000020003"/>
+                          <a:ea typeface="+mn-ea"/>
+                          <a:cs typeface="+mn-cs"/>
+                        </a:rPr>
+                        <a:t>0.03</a:t>
+                      </a:r>
+                      <a:r>
+                        <a:rPr lang="en-US" sz="1400" kern="1200" dirty="0">
+                          <a:solidFill>
+                            <a:schemeClr val="tx1"/>
+                          </a:solidFill>
+                          <a:latin typeface="Avenir Book" panose="02000503020000020003"/>
+                          <a:ea typeface="+mn-ea"/>
+                          <a:cs typeface="+mn-cs"/>
+                        </a:rPr>
+                        <a:t> (0.00 to 0.07)</a:t>
+                      </a:r>
+                    </a:p>
+                  </a:txBody>
+                  <a:tcPr marL="47625" marR="47625" marT="76200" marB="76200" anchor="ctr">
+                    <a:lnL w="12700" cap="flat" cmpd="sng" algn="ctr">
+                      <a:solidFill>
+                        <a:schemeClr val="tx1"/>
+                      </a:solidFill>
+                      <a:prstDash val="solid"/>
+                      <a:round/>
+                      <a:headEnd type="none" w="med" len="med"/>
+                      <a:tailEnd type="none" w="med" len="med"/>
+                    </a:lnL>
+                    <a:lnR w="12700" cap="flat" cmpd="sng" algn="ctr">
+                      <a:solidFill>
+                        <a:schemeClr val="tx1"/>
+                      </a:solidFill>
+                      <a:prstDash val="solid"/>
+                      <a:round/>
+                      <a:headEnd type="none" w="med" len="med"/>
+                      <a:tailEnd type="none" w="med" len="med"/>
+                    </a:lnR>
+                    <a:lnT w="12700" cap="flat" cmpd="sng" algn="ctr">
+                      <a:solidFill>
+                        <a:schemeClr val="tx1"/>
+                      </a:solidFill>
+                      <a:prstDash val="solid"/>
+                      <a:round/>
+                      <a:headEnd type="none" w="med" len="med"/>
+                      <a:tailEnd type="none" w="med" len="med"/>
+                    </a:lnT>
+                    <a:lnB w="12700" cap="flat" cmpd="sng" algn="ctr">
+                      <a:solidFill>
+                        <a:schemeClr val="tx1"/>
+                      </a:solidFill>
+                      <a:prstDash val="solid"/>
+                      <a:round/>
+                      <a:headEnd type="none" w="med" len="med"/>
+                      <a:tailEnd type="none" w="med" len="med"/>
+                    </a:lnB>
+                    <a:solidFill>
+                      <a:schemeClr val="accent2">
+                        <a:lumMod val="20000"/>
+                        <a:lumOff val="80000"/>
+                      </a:schemeClr>
+                    </a:solidFill>
+                  </a:tcPr>
+                </a:tc>
+                <a:tc>
+                  <a:txBody>
+                    <a:bodyPr/>
+                    <a:lstStyle/>
+                    <a:p>
+                      <a:pPr algn="l" fontAlgn="ctr"/>
+                      <a:r>
+                        <a:rPr lang="en-US" sz="1400" b="1" kern="1200" dirty="0">
+                          <a:solidFill>
+                            <a:schemeClr val="tx1"/>
+                          </a:solidFill>
+                          <a:latin typeface="Avenir Book" panose="02000503020000020003"/>
+                          <a:ea typeface="+mn-ea"/>
+                          <a:cs typeface="+mn-cs"/>
+                        </a:rPr>
+                        <a:t>0.78</a:t>
+                      </a:r>
+                    </a:p>
+                  </a:txBody>
+                  <a:tcPr marL="47625" marR="47625" marT="76200" marB="76200" anchor="ctr">
+                    <a:lnL w="12700" cap="flat" cmpd="sng" algn="ctr">
+                      <a:solidFill>
+                        <a:schemeClr val="tx1"/>
+                      </a:solidFill>
+                      <a:prstDash val="solid"/>
+                      <a:round/>
+                      <a:headEnd type="none" w="med" len="med"/>
+                      <a:tailEnd type="none" w="med" len="med"/>
+                    </a:lnL>
+                    <a:lnR w="12700" cap="flat" cmpd="sng" algn="ctr">
+                      <a:solidFill>
+                        <a:schemeClr val="tx1"/>
+                      </a:solidFill>
+                      <a:prstDash val="solid"/>
+                      <a:round/>
+                      <a:headEnd type="none" w="med" len="med"/>
+                      <a:tailEnd type="none" w="med" len="med"/>
+                    </a:lnR>
+                    <a:lnT w="12700" cap="flat" cmpd="sng" algn="ctr">
+                      <a:solidFill>
+                        <a:schemeClr val="tx1"/>
+                      </a:solidFill>
+                      <a:prstDash val="solid"/>
+                      <a:round/>
+                      <a:headEnd type="none" w="med" len="med"/>
+                      <a:tailEnd type="none" w="med" len="med"/>
+                    </a:lnT>
+                    <a:lnB w="12700" cap="flat" cmpd="sng" algn="ctr">
+                      <a:solidFill>
+                        <a:schemeClr val="tx1"/>
+                      </a:solidFill>
+                      <a:prstDash val="solid"/>
+                      <a:round/>
+                      <a:headEnd type="none" w="med" len="med"/>
+                      <a:tailEnd type="none" w="med" len="med"/>
+                    </a:lnB>
+                    <a:solidFill>
+                      <a:schemeClr val="accent2">
+                        <a:lumMod val="20000"/>
+                        <a:lumOff val="80000"/>
+                      </a:schemeClr>
+                    </a:solidFill>
+                  </a:tcPr>
+                </a:tc>
+                <a:tc>
+                  <a:txBody>
+                    <a:bodyPr/>
+                    <a:lstStyle/>
+                    <a:p>
+                      <a:pPr algn="l" fontAlgn="ctr"/>
+                      <a:r>
+                        <a:rPr lang="en-US" sz="1400" b="1" kern="1200" dirty="0">
+                          <a:solidFill>
+                            <a:schemeClr val="tx1"/>
+                          </a:solidFill>
+                          <a:latin typeface="Avenir Book" panose="02000503020000020003"/>
+                          <a:ea typeface="+mn-ea"/>
+                          <a:cs typeface="+mn-cs"/>
+                        </a:rPr>
+                        <a:t>0.51</a:t>
+                      </a:r>
+                    </a:p>
+                  </a:txBody>
+                  <a:tcPr marL="47625" marR="47625" marT="76200" marB="76200" anchor="ctr">
+                    <a:lnL w="12700" cap="flat" cmpd="sng" algn="ctr">
+                      <a:solidFill>
+                        <a:schemeClr val="tx1"/>
+                      </a:solidFill>
+                      <a:prstDash val="solid"/>
+                      <a:round/>
+                      <a:headEnd type="none" w="med" len="med"/>
+                      <a:tailEnd type="none" w="med" len="med"/>
+                    </a:lnL>
+                    <a:lnR w="12700" cap="flat" cmpd="sng" algn="ctr">
+                      <a:solidFill>
+                        <a:schemeClr val="tx1"/>
+                      </a:solidFill>
+                      <a:prstDash val="solid"/>
+                      <a:round/>
+                      <a:headEnd type="none" w="med" len="med"/>
+                      <a:tailEnd type="none" w="med" len="med"/>
+                    </a:lnR>
+                    <a:lnT w="12700" cap="flat" cmpd="sng" algn="ctr">
+                      <a:solidFill>
+                        <a:schemeClr val="tx1"/>
+                      </a:solidFill>
+                      <a:prstDash val="solid"/>
+                      <a:round/>
+                      <a:headEnd type="none" w="med" len="med"/>
+                      <a:tailEnd type="none" w="med" len="med"/>
+                    </a:lnT>
+                    <a:lnB w="12700" cap="flat" cmpd="sng" algn="ctr">
+                      <a:solidFill>
+                        <a:schemeClr val="tx1"/>
+                      </a:solidFill>
+                      <a:prstDash val="solid"/>
+                      <a:round/>
+                      <a:headEnd type="none" w="med" len="med"/>
+                      <a:tailEnd type="none" w="med" len="med"/>
+                    </a:lnB>
+                    <a:solidFill>
+                      <a:schemeClr val="accent5">
+                        <a:lumMod val="20000"/>
+                        <a:lumOff val="80000"/>
+                      </a:schemeClr>
+                    </a:solidFill>
+                  </a:tcPr>
+                </a:tc>
+                <a:tc>
+                  <a:txBody>
+                    <a:bodyPr/>
+                    <a:lstStyle/>
+                    <a:p>
+                      <a:pPr algn="l" fontAlgn="ctr"/>
+                      <a:r>
+                        <a:rPr lang="en-US" sz="1400" kern="1200" dirty="0">
+                          <a:solidFill>
+                            <a:schemeClr val="tx1"/>
+                          </a:solidFill>
+                          <a:latin typeface="Avenir Book" panose="02000503020000020003"/>
+                          <a:ea typeface="+mn-ea"/>
+                          <a:cs typeface="+mn-cs"/>
+                        </a:rPr>
+                        <a:t>-0.06 </a:t>
+                      </a:r>
+                      <a:r>
+                        <a:rPr lang="en-US" sz="1200" kern="1200" dirty="0">
+                          <a:solidFill>
+                            <a:schemeClr val="tx1"/>
+                          </a:solidFill>
+                          <a:latin typeface="Avenir Book" panose="02000503020000020003"/>
+                          <a:ea typeface="+mn-ea"/>
+                          <a:cs typeface="+mn-cs"/>
+                        </a:rPr>
+                        <a:t>(-0.16 to 0.03)</a:t>
+                      </a:r>
+                    </a:p>
+                  </a:txBody>
+                  <a:tcPr marL="47625" marR="47625" marT="76200" marB="76200" anchor="ctr">
+                    <a:lnL w="12700" cap="flat" cmpd="sng" algn="ctr">
+                      <a:solidFill>
+                        <a:schemeClr val="tx1"/>
+                      </a:solidFill>
+                      <a:prstDash val="solid"/>
+                      <a:round/>
+                      <a:headEnd type="none" w="med" len="med"/>
+                      <a:tailEnd type="none" w="med" len="med"/>
+                    </a:lnL>
+                    <a:lnR w="12700" cap="flat" cmpd="sng" algn="ctr">
+                      <a:solidFill>
+                        <a:schemeClr val="tx1"/>
+                      </a:solidFill>
+                      <a:prstDash val="solid"/>
+                      <a:round/>
+                      <a:headEnd type="none" w="med" len="med"/>
+                      <a:tailEnd type="none" w="med" len="med"/>
+                    </a:lnR>
+                    <a:lnT w="12700" cap="flat" cmpd="sng" algn="ctr">
+                      <a:solidFill>
+                        <a:schemeClr val="tx1"/>
+                      </a:solidFill>
+                      <a:prstDash val="solid"/>
+                      <a:round/>
+                      <a:headEnd type="none" w="med" len="med"/>
+                      <a:tailEnd type="none" w="med" len="med"/>
+                    </a:lnT>
+                    <a:lnB w="12700" cap="flat" cmpd="sng" algn="ctr">
+                      <a:solidFill>
+                        <a:schemeClr val="tx1"/>
+                      </a:solidFill>
+                      <a:prstDash val="solid"/>
+                      <a:round/>
+                      <a:headEnd type="none" w="med" len="med"/>
+                      <a:tailEnd type="none" w="med" len="med"/>
+                    </a:lnB>
+                    <a:solidFill>
+                      <a:schemeClr val="accent6">
+                        <a:lumMod val="20000"/>
+                        <a:lumOff val="80000"/>
+                      </a:schemeClr>
+                    </a:solidFill>
+                  </a:tcPr>
+                </a:tc>
+                <a:tc>
+                  <a:txBody>
+                    <a:bodyPr/>
+                    <a:lstStyle/>
+                    <a:p>
+                      <a:pPr algn="l" fontAlgn="ctr"/>
+                      <a:r>
+                        <a:rPr lang="en-US" sz="1400" kern="1200" dirty="0">
+                          <a:solidFill>
+                            <a:schemeClr val="tx1"/>
+                          </a:solidFill>
+                          <a:latin typeface="Avenir Book" panose="02000503020000020003"/>
+                          <a:ea typeface="+mn-ea"/>
+                          <a:cs typeface="+mn-cs"/>
+                        </a:rPr>
+                        <a:t>-0.06 </a:t>
+                      </a:r>
+                      <a:r>
+                        <a:rPr lang="en-US" sz="1200" kern="1200" dirty="0">
+                          <a:solidFill>
+                            <a:schemeClr val="tx1"/>
+                          </a:solidFill>
+                          <a:latin typeface="Avenir Book" panose="02000503020000020003"/>
+                          <a:ea typeface="+mn-ea"/>
+                          <a:cs typeface="+mn-cs"/>
+                        </a:rPr>
+                        <a:t>(-0.16 to 0.03)</a:t>
+                      </a:r>
+                    </a:p>
+                  </a:txBody>
+                  <a:tcPr marL="47625" marR="47625" marT="76200" marB="76200" anchor="ctr">
+                    <a:lnL w="12700" cap="flat" cmpd="sng" algn="ctr">
+                      <a:solidFill>
+                        <a:schemeClr val="tx1"/>
+                      </a:solidFill>
+                      <a:prstDash val="solid"/>
+                      <a:round/>
+                      <a:headEnd type="none" w="med" len="med"/>
+                      <a:tailEnd type="none" w="med" len="med"/>
+                    </a:lnL>
+                    <a:lnR w="12700" cap="flat" cmpd="sng" algn="ctr">
+                      <a:solidFill>
+                        <a:schemeClr val="tx1"/>
+                      </a:solidFill>
+                      <a:prstDash val="solid"/>
+                      <a:round/>
+                      <a:headEnd type="none" w="med" len="med"/>
+                      <a:tailEnd type="none" w="med" len="med"/>
+                    </a:lnR>
+                    <a:lnT w="12700" cap="flat" cmpd="sng" algn="ctr">
+                      <a:solidFill>
+                        <a:schemeClr val="tx1"/>
+                      </a:solidFill>
+                      <a:prstDash val="solid"/>
+                      <a:round/>
+                      <a:headEnd type="none" w="med" len="med"/>
+                      <a:tailEnd type="none" w="med" len="med"/>
+                    </a:lnT>
+                    <a:lnB w="12700" cap="flat" cmpd="sng" algn="ctr">
+                      <a:solidFill>
+                        <a:schemeClr val="tx1"/>
+                      </a:solidFill>
+                      <a:prstDash val="solid"/>
+                      <a:round/>
+                      <a:headEnd type="none" w="med" len="med"/>
+                      <a:tailEnd type="none" w="med" len="med"/>
+                    </a:lnB>
+                    <a:solidFill>
+                      <a:schemeClr val="accent6">
+                        <a:lumMod val="20000"/>
+                        <a:lumOff val="80000"/>
+                      </a:schemeClr>
+                    </a:solidFill>
+                  </a:tcPr>
+                </a:tc>
+                <a:extLst>
+                  <a:ext uri="{0D108BD9-81ED-4DB2-BD59-A6C34878D82A}">
+                    <a16:rowId xmlns:a16="http://schemas.microsoft.com/office/drawing/2014/main" val="50545016"/>
+                  </a:ext>
+                </a:extLst>
+              </a:tr>
+              <a:tr h="414796">
+                <a:tc>
+                  <a:txBody>
+                    <a:bodyPr/>
+                    <a:lstStyle/>
+                    <a:p>
+                      <a:pPr marL="0" marR="0" lvl="0" indent="0" algn="l" defTabSz="685800" rtl="0" eaLnBrk="1" fontAlgn="auto" latinLnBrk="0" hangingPunct="1">
+                        <a:lnSpc>
+                          <a:spcPct val="100000"/>
+                        </a:lnSpc>
+                        <a:spcBef>
+                          <a:spcPts val="0"/>
+                        </a:spcBef>
+                        <a:spcAft>
+                          <a:spcPts val="0"/>
+                        </a:spcAft>
+                        <a:buClrTx/>
+                        <a:buSzTx/>
+                        <a:buFontTx/>
+                        <a:buNone/>
+                        <a:tabLst/>
+                        <a:defRPr/>
+                      </a:pPr>
+                      <a:r>
+                        <a:rPr lang="en-US" sz="1400" b="0" kern="1200" dirty="0">
+                          <a:solidFill>
+                            <a:schemeClr val="tx1"/>
+                          </a:solidFill>
+                          <a:latin typeface="Avenir Book" panose="02000503020000020003"/>
+                          <a:ea typeface="+mn-ea"/>
+                          <a:cs typeface="+mn-cs"/>
+                        </a:rPr>
+                        <a:t>PD-L1 (cancer biomarker)</a:t>
+                      </a:r>
+                    </a:p>
+                  </a:txBody>
+                  <a:tcPr>
+                    <a:lnL w="12700" cap="flat" cmpd="sng" algn="ctr">
+                      <a:solidFill>
+                        <a:schemeClr val="tx1"/>
+                      </a:solidFill>
+                      <a:prstDash val="solid"/>
+                      <a:round/>
+                      <a:headEnd type="none" w="med" len="med"/>
+                      <a:tailEnd type="none" w="med" len="med"/>
+                    </a:lnL>
+                    <a:lnR w="12700" cap="flat" cmpd="sng" algn="ctr">
+                      <a:solidFill>
+                        <a:schemeClr val="tx1"/>
+                      </a:solidFill>
+                      <a:prstDash val="solid"/>
+                      <a:round/>
+                      <a:headEnd type="none" w="med" len="med"/>
+                      <a:tailEnd type="none" w="med" len="med"/>
+                    </a:lnR>
+                    <a:lnT w="12700" cap="flat" cmpd="sng" algn="ctr">
+                      <a:solidFill>
+                        <a:schemeClr val="tx1"/>
+                      </a:solidFill>
+                      <a:prstDash val="solid"/>
+                      <a:round/>
+                      <a:headEnd type="none" w="med" len="med"/>
+                      <a:tailEnd type="none" w="med" len="med"/>
+                    </a:lnT>
+                    <a:lnB w="12700" cap="flat" cmpd="sng" algn="ctr">
+                      <a:solidFill>
+                        <a:schemeClr val="tx1"/>
+                      </a:solidFill>
+                      <a:prstDash val="solid"/>
+                      <a:round/>
+                      <a:headEnd type="none" w="med" len="med"/>
+                      <a:tailEnd type="none" w="med" len="med"/>
+                    </a:lnB>
+                  </a:tcPr>
+                </a:tc>
+                <a:tc>
+                  <a:txBody>
+                    <a:bodyPr/>
+                    <a:lstStyle/>
+                    <a:p>
+                      <a:pPr marL="0" algn="l" defTabSz="685800" rtl="0" eaLnBrk="1" fontAlgn="ctr" latinLnBrk="0" hangingPunct="1"/>
+                      <a:r>
+                        <a:rPr lang="en-US" sz="1400" b="1" kern="1200" dirty="0">
+                          <a:solidFill>
+                            <a:schemeClr val="tx1"/>
+                          </a:solidFill>
+                          <a:latin typeface="Avenir Book" panose="02000503020000020003"/>
+                          <a:ea typeface="+mn-ea"/>
+                          <a:cs typeface="+mn-cs"/>
+                        </a:rPr>
+                        <a:t>0.06</a:t>
+                      </a:r>
+                      <a:r>
+                        <a:rPr lang="en-US" sz="1400" kern="1200" dirty="0">
+                          <a:solidFill>
+                            <a:schemeClr val="tx1"/>
+                          </a:solidFill>
+                          <a:latin typeface="Avenir Book" panose="02000503020000020003"/>
+                          <a:ea typeface="+mn-ea"/>
+                          <a:cs typeface="+mn-cs"/>
+                        </a:rPr>
+                        <a:t> (0.02 to 0.34)</a:t>
+                      </a:r>
+                    </a:p>
+                  </a:txBody>
+                  <a:tcPr marL="47625" marR="47625" marT="76200" marB="76200" anchor="ctr">
+                    <a:lnL w="12700" cap="flat" cmpd="sng" algn="ctr">
+                      <a:solidFill>
+                        <a:schemeClr val="tx1"/>
+                      </a:solidFill>
+                      <a:prstDash val="solid"/>
+                      <a:round/>
+                      <a:headEnd type="none" w="med" len="med"/>
+                      <a:tailEnd type="none" w="med" len="med"/>
+                    </a:lnL>
+                    <a:lnR w="12700" cap="flat" cmpd="sng" algn="ctr">
+                      <a:solidFill>
+                        <a:schemeClr val="tx1"/>
+                      </a:solidFill>
+                      <a:prstDash val="solid"/>
+                      <a:round/>
+                      <a:headEnd type="none" w="med" len="med"/>
+                      <a:tailEnd type="none" w="med" len="med"/>
+                    </a:lnR>
+                    <a:lnT w="12700" cap="flat" cmpd="sng" algn="ctr">
+                      <a:solidFill>
+                        <a:schemeClr val="tx1"/>
+                      </a:solidFill>
+                      <a:prstDash val="solid"/>
+                      <a:round/>
+                      <a:headEnd type="none" w="med" len="med"/>
+                      <a:tailEnd type="none" w="med" len="med"/>
+                    </a:lnT>
+                    <a:lnB w="12700" cap="flat" cmpd="sng" algn="ctr">
+                      <a:solidFill>
+                        <a:schemeClr val="tx1"/>
+                      </a:solidFill>
+                      <a:prstDash val="solid"/>
+                      <a:round/>
+                      <a:headEnd type="none" w="med" len="med"/>
+                      <a:tailEnd type="none" w="med" len="med"/>
+                    </a:lnB>
+                    <a:solidFill>
+                      <a:schemeClr val="accent2">
+                        <a:lumMod val="20000"/>
+                        <a:lumOff val="80000"/>
+                      </a:schemeClr>
+                    </a:solidFill>
+                  </a:tcPr>
+                </a:tc>
+                <a:tc>
+                  <a:txBody>
+                    <a:bodyPr/>
+                    <a:lstStyle/>
+                    <a:p>
+                      <a:pPr marL="0" algn="l" defTabSz="685800" rtl="0" eaLnBrk="1" fontAlgn="ctr" latinLnBrk="0" hangingPunct="1"/>
+                      <a:r>
+                        <a:rPr lang="en-US" sz="1400" b="1" kern="1200" dirty="0">
+                          <a:solidFill>
+                            <a:schemeClr val="tx1"/>
+                          </a:solidFill>
+                          <a:latin typeface="Avenir Book" panose="02000503020000020003"/>
+                          <a:ea typeface="+mn-ea"/>
+                          <a:cs typeface="+mn-cs"/>
+                        </a:rPr>
+                        <a:t>&lt;.001</a:t>
+                      </a:r>
+                    </a:p>
+                  </a:txBody>
+                  <a:tcPr marL="47625" marR="47625" marT="76200" marB="76200" anchor="ctr">
+                    <a:lnL w="12700" cap="flat" cmpd="sng" algn="ctr">
+                      <a:solidFill>
+                        <a:schemeClr val="tx1"/>
+                      </a:solidFill>
+                      <a:prstDash val="solid"/>
+                      <a:round/>
+                      <a:headEnd type="none" w="med" len="med"/>
+                      <a:tailEnd type="none" w="med" len="med"/>
+                    </a:lnL>
+                    <a:lnR w="12700" cap="flat" cmpd="sng" algn="ctr">
+                      <a:solidFill>
+                        <a:schemeClr val="tx1"/>
+                      </a:solidFill>
+                      <a:prstDash val="solid"/>
+                      <a:round/>
+                      <a:headEnd type="none" w="med" len="med"/>
+                      <a:tailEnd type="none" w="med" len="med"/>
+                    </a:lnR>
+                    <a:lnT w="12700" cap="flat" cmpd="sng" algn="ctr">
+                      <a:solidFill>
+                        <a:schemeClr val="tx1"/>
+                      </a:solidFill>
+                      <a:prstDash val="solid"/>
+                      <a:round/>
+                      <a:headEnd type="none" w="med" len="med"/>
+                      <a:tailEnd type="none" w="med" len="med"/>
+                    </a:lnT>
+                    <a:lnB w="12700" cap="flat" cmpd="sng" algn="ctr">
+                      <a:solidFill>
+                        <a:schemeClr val="tx1"/>
+                      </a:solidFill>
+                      <a:prstDash val="solid"/>
+                      <a:round/>
+                      <a:headEnd type="none" w="med" len="med"/>
+                      <a:tailEnd type="none" w="med" len="med"/>
+                    </a:lnB>
+                    <a:solidFill>
+                      <a:schemeClr val="accent2">
+                        <a:lumMod val="20000"/>
+                        <a:lumOff val="80000"/>
+                      </a:schemeClr>
+                    </a:solidFill>
+                  </a:tcPr>
+                </a:tc>
+                <a:tc>
+                  <a:txBody>
+                    <a:bodyPr/>
+                    <a:lstStyle/>
+                    <a:p>
+                      <a:pPr marL="0" algn="l" defTabSz="685800" rtl="0" eaLnBrk="1" fontAlgn="ctr" latinLnBrk="0" hangingPunct="1"/>
+                      <a:r>
+                        <a:rPr lang="en-US" sz="1400" b="1" kern="1200" dirty="0">
+                          <a:solidFill>
+                            <a:schemeClr val="tx1"/>
+                          </a:solidFill>
+                          <a:latin typeface="Avenir Book" panose="02000503020000020003"/>
+                          <a:ea typeface="+mn-ea"/>
+                          <a:cs typeface="+mn-cs"/>
+                        </a:rPr>
+                        <a:t>0.52</a:t>
+                      </a:r>
+                    </a:p>
+                  </a:txBody>
+                  <a:tcPr marL="47625" marR="47625" marT="76200" marB="76200" anchor="ctr">
+                    <a:lnL w="12700" cap="flat" cmpd="sng" algn="ctr">
+                      <a:solidFill>
+                        <a:schemeClr val="tx1"/>
+                      </a:solidFill>
+                      <a:prstDash val="solid"/>
+                      <a:round/>
+                      <a:headEnd type="none" w="med" len="med"/>
+                      <a:tailEnd type="none" w="med" len="med"/>
+                    </a:lnL>
+                    <a:lnR w="12700" cap="flat" cmpd="sng" algn="ctr">
+                      <a:solidFill>
+                        <a:schemeClr val="tx1"/>
+                      </a:solidFill>
+                      <a:prstDash val="solid"/>
+                      <a:round/>
+                      <a:headEnd type="none" w="med" len="med"/>
+                      <a:tailEnd type="none" w="med" len="med"/>
+                    </a:lnR>
+                    <a:lnT w="12700" cap="flat" cmpd="sng" algn="ctr">
+                      <a:solidFill>
+                        <a:schemeClr val="tx1"/>
+                      </a:solidFill>
+                      <a:prstDash val="solid"/>
+                      <a:round/>
+                      <a:headEnd type="none" w="med" len="med"/>
+                      <a:tailEnd type="none" w="med" len="med"/>
+                    </a:lnT>
+                    <a:lnB w="12700" cap="flat" cmpd="sng" algn="ctr">
+                      <a:solidFill>
+                        <a:schemeClr val="tx1"/>
+                      </a:solidFill>
+                      <a:prstDash val="solid"/>
+                      <a:round/>
+                      <a:headEnd type="none" w="med" len="med"/>
+                      <a:tailEnd type="none" w="med" len="med"/>
+                    </a:lnB>
+                    <a:solidFill>
+                      <a:schemeClr val="accent5">
+                        <a:lumMod val="20000"/>
+                        <a:lumOff val="80000"/>
+                      </a:schemeClr>
+                    </a:solidFill>
+                  </a:tcPr>
+                </a:tc>
+                <a:tc>
+                  <a:txBody>
+                    <a:bodyPr/>
+                    <a:lstStyle/>
+                    <a:p>
+                      <a:pPr marL="0" algn="l" defTabSz="685800" rtl="0" eaLnBrk="1" fontAlgn="ctr" latinLnBrk="0" hangingPunct="1"/>
+                      <a:r>
+                        <a:rPr lang="en-US" sz="1400" kern="1200" dirty="0">
+                          <a:solidFill>
+                            <a:schemeClr val="tx1"/>
+                          </a:solidFill>
+                          <a:latin typeface="Avenir Book" panose="02000503020000020003"/>
+                          <a:ea typeface="+mn-ea"/>
+                          <a:cs typeface="+mn-cs"/>
+                        </a:rPr>
+                        <a:t> </a:t>
+                      </a:r>
+                      <a:r>
+                        <a:rPr lang="en-US" sz="1400" b="0" kern="1200" dirty="0">
+                          <a:solidFill>
+                            <a:schemeClr val="tx1"/>
+                          </a:solidFill>
+                          <a:latin typeface="Avenir Book" panose="02000503020000020003"/>
+                          <a:ea typeface="+mn-ea"/>
+                          <a:cs typeface="+mn-cs"/>
+                        </a:rPr>
+                        <a:t>0.12</a:t>
+                      </a:r>
+                      <a:r>
+                        <a:rPr lang="en-US" sz="1400" kern="1200" dirty="0">
+                          <a:solidFill>
+                            <a:schemeClr val="tx1"/>
+                          </a:solidFill>
+                          <a:latin typeface="Avenir Book" panose="02000503020000020003"/>
+                          <a:ea typeface="+mn-ea"/>
+                          <a:cs typeface="+mn-cs"/>
+                        </a:rPr>
+                        <a:t> </a:t>
+                      </a:r>
+                      <a:r>
+                        <a:rPr lang="en-US" sz="1200" kern="1200" dirty="0">
+                          <a:solidFill>
+                            <a:schemeClr val="tx1"/>
+                          </a:solidFill>
+                          <a:latin typeface="Avenir Book" panose="02000503020000020003"/>
+                          <a:ea typeface="+mn-ea"/>
+                          <a:cs typeface="+mn-cs"/>
+                        </a:rPr>
+                        <a:t>(0.01 to 0.23)</a:t>
+                      </a:r>
+                    </a:p>
+                  </a:txBody>
+                  <a:tcPr marL="47625" marR="47625" marT="76200" marB="76200" anchor="ctr">
+                    <a:lnL w="12700" cap="flat" cmpd="sng" algn="ctr">
+                      <a:solidFill>
+                        <a:schemeClr val="tx1"/>
+                      </a:solidFill>
+                      <a:prstDash val="solid"/>
+                      <a:round/>
+                      <a:headEnd type="none" w="med" len="med"/>
+                      <a:tailEnd type="none" w="med" len="med"/>
+                    </a:lnL>
+                    <a:lnR w="12700" cap="flat" cmpd="sng" algn="ctr">
+                      <a:solidFill>
+                        <a:schemeClr val="tx1"/>
+                      </a:solidFill>
+                      <a:prstDash val="solid"/>
+                      <a:round/>
+                      <a:headEnd type="none" w="med" len="med"/>
+                      <a:tailEnd type="none" w="med" len="med"/>
+                    </a:lnR>
+                    <a:lnT w="12700" cap="flat" cmpd="sng" algn="ctr">
+                      <a:solidFill>
+                        <a:schemeClr val="tx1"/>
+                      </a:solidFill>
+                      <a:prstDash val="solid"/>
+                      <a:round/>
+                      <a:headEnd type="none" w="med" len="med"/>
+                      <a:tailEnd type="none" w="med" len="med"/>
+                    </a:lnT>
+                    <a:lnB w="12700" cap="flat" cmpd="sng" algn="ctr">
+                      <a:solidFill>
+                        <a:schemeClr val="tx1"/>
+                      </a:solidFill>
+                      <a:prstDash val="solid"/>
+                      <a:round/>
+                      <a:headEnd type="none" w="med" len="med"/>
+                      <a:tailEnd type="none" w="med" len="med"/>
+                    </a:lnB>
+                    <a:solidFill>
+                      <a:schemeClr val="accent6">
+                        <a:lumMod val="20000"/>
+                        <a:lumOff val="80000"/>
+                      </a:schemeClr>
+                    </a:solidFill>
+                  </a:tcPr>
+                </a:tc>
+                <a:tc>
+                  <a:txBody>
+                    <a:bodyPr/>
+                    <a:lstStyle/>
+                    <a:p>
+                      <a:pPr marL="0" algn="l" defTabSz="685800" rtl="0" eaLnBrk="1" fontAlgn="ctr" latinLnBrk="0" hangingPunct="1"/>
+                      <a:r>
+                        <a:rPr lang="en-US" sz="1400" kern="1200" dirty="0">
+                          <a:solidFill>
+                            <a:schemeClr val="tx1"/>
+                          </a:solidFill>
+                          <a:latin typeface="Avenir Book" panose="02000503020000020003"/>
+                          <a:ea typeface="+mn-ea"/>
+                          <a:cs typeface="+mn-cs"/>
+                        </a:rPr>
+                        <a:t> 0.11 </a:t>
+                      </a:r>
+                      <a:r>
+                        <a:rPr lang="en-US" sz="1200" kern="1200" dirty="0">
+                          <a:solidFill>
+                            <a:schemeClr val="tx1"/>
+                          </a:solidFill>
+                          <a:latin typeface="Avenir Book" panose="02000503020000020003"/>
+                          <a:ea typeface="+mn-ea"/>
+                          <a:cs typeface="+mn-cs"/>
+                        </a:rPr>
+                        <a:t>(-0.00, 0.22)</a:t>
+                      </a:r>
+                    </a:p>
+                  </a:txBody>
+                  <a:tcPr marL="47625" marR="47625" marT="76200" marB="76200" anchor="ctr">
+                    <a:lnL w="12700" cap="flat" cmpd="sng" algn="ctr">
+                      <a:solidFill>
+                        <a:schemeClr val="tx1"/>
+                      </a:solidFill>
+                      <a:prstDash val="solid"/>
+                      <a:round/>
+                      <a:headEnd type="none" w="med" len="med"/>
+                      <a:tailEnd type="none" w="med" len="med"/>
+                    </a:lnL>
+                    <a:lnR w="12700" cap="flat" cmpd="sng" algn="ctr">
+                      <a:solidFill>
+                        <a:schemeClr val="tx1"/>
+                      </a:solidFill>
+                      <a:prstDash val="solid"/>
+                      <a:round/>
+                      <a:headEnd type="none" w="med" len="med"/>
+                      <a:tailEnd type="none" w="med" len="med"/>
+                    </a:lnR>
+                    <a:lnT w="12700" cap="flat" cmpd="sng" algn="ctr">
+                      <a:solidFill>
+                        <a:schemeClr val="tx1"/>
+                      </a:solidFill>
+                      <a:prstDash val="solid"/>
+                      <a:round/>
+                      <a:headEnd type="none" w="med" len="med"/>
+                      <a:tailEnd type="none" w="med" len="med"/>
+                    </a:lnT>
+                    <a:lnB w="12700" cap="flat" cmpd="sng" algn="ctr">
+                      <a:solidFill>
+                        <a:schemeClr val="tx1"/>
+                      </a:solidFill>
+                      <a:prstDash val="solid"/>
+                      <a:round/>
+                      <a:headEnd type="none" w="med" len="med"/>
+                      <a:tailEnd type="none" w="med" len="med"/>
+                    </a:lnB>
+                    <a:solidFill>
+                      <a:schemeClr val="accent6">
+                        <a:lumMod val="20000"/>
+                        <a:lumOff val="80000"/>
+                      </a:schemeClr>
+                    </a:solidFill>
+                  </a:tcPr>
+                </a:tc>
+                <a:extLst>
+                  <a:ext uri="{0D108BD9-81ED-4DB2-BD59-A6C34878D82A}">
+                    <a16:rowId xmlns:a16="http://schemas.microsoft.com/office/drawing/2014/main" val="3659009812"/>
+                  </a:ext>
+                </a:extLst>
+              </a:tr>
+            </a:tbl>
+          </a:graphicData>
+        </a:graphic>
+      </p:graphicFrame>
+      <p:grpSp>
+        <p:nvGrpSpPr>
+          <p:cNvPr id="36" name="Group 35">
+            <a:extLst>
+              <a:ext uri="{FF2B5EF4-FFF2-40B4-BE49-F238E27FC236}">
+                <a16:creationId xmlns:a16="http://schemas.microsoft.com/office/drawing/2014/main" id="{3EACC6A7-84A3-508F-C697-D58A9768B73C}"/>
+              </a:ext>
+            </a:extLst>
+          </p:cNvPr>
+          <p:cNvGrpSpPr/>
+          <p:nvPr/>
+        </p:nvGrpSpPr>
+        <p:grpSpPr>
+          <a:xfrm>
+            <a:off x="739471" y="2400779"/>
+            <a:ext cx="222635" cy="2024520"/>
+            <a:chOff x="278296" y="2960542"/>
+            <a:chExt cx="254441" cy="1979874"/>
+          </a:xfrm>
+        </p:grpSpPr>
+        <p:cxnSp>
+          <p:nvCxnSpPr>
+            <p:cNvPr id="29" name="Straight Connector 28">
+              <a:extLst>
+                <a:ext uri="{FF2B5EF4-FFF2-40B4-BE49-F238E27FC236}">
+                  <a16:creationId xmlns:a16="http://schemas.microsoft.com/office/drawing/2014/main" id="{89213BE5-26CB-7E28-347B-F231CD9EB41C}"/>
+                </a:ext>
+              </a:extLst>
+            </p:cNvPr>
+            <p:cNvCxnSpPr/>
+            <p:nvPr/>
+          </p:nvCxnSpPr>
+          <p:spPr>
+            <a:xfrm>
+              <a:off x="278296" y="2960542"/>
+              <a:ext cx="0" cy="1979874"/>
+            </a:xfrm>
+            <a:prstGeom prst="line">
+              <a:avLst/>
+            </a:prstGeom>
+            <a:ln w="28575">
+              <a:solidFill>
+                <a:schemeClr val="accent1"/>
+              </a:solidFill>
+            </a:ln>
+          </p:spPr>
+          <p:style>
+            <a:lnRef idx="1">
+              <a:schemeClr val="accent1"/>
+            </a:lnRef>
+            <a:fillRef idx="0">
+              <a:schemeClr val="accent1"/>
+            </a:fillRef>
+            <a:effectRef idx="0">
+              <a:schemeClr val="accent1"/>
+            </a:effectRef>
+            <a:fontRef idx="minor">
+              <a:schemeClr val="tx1"/>
+            </a:fontRef>
+          </p:style>
+        </p:cxnSp>
+        <p:cxnSp>
+          <p:nvCxnSpPr>
+            <p:cNvPr id="30" name="Straight Connector 29">
+              <a:extLst>
+                <a:ext uri="{FF2B5EF4-FFF2-40B4-BE49-F238E27FC236}">
+                  <a16:creationId xmlns:a16="http://schemas.microsoft.com/office/drawing/2014/main" id="{1F7275DB-268F-CF26-E541-9D67F7797103}"/>
+                </a:ext>
+              </a:extLst>
+            </p:cNvPr>
+            <p:cNvCxnSpPr>
+              <a:cxnSpLocks/>
+            </p:cNvCxnSpPr>
+            <p:nvPr/>
+          </p:nvCxnSpPr>
+          <p:spPr>
+            <a:xfrm>
+              <a:off x="278296" y="2968493"/>
+              <a:ext cx="254441" cy="0"/>
+            </a:xfrm>
+            <a:prstGeom prst="line">
+              <a:avLst/>
+            </a:prstGeom>
+            <a:ln w="28575">
+              <a:solidFill>
+                <a:schemeClr val="accent1"/>
+              </a:solidFill>
+            </a:ln>
+          </p:spPr>
+          <p:style>
+            <a:lnRef idx="1">
+              <a:schemeClr val="accent1"/>
+            </a:lnRef>
+            <a:fillRef idx="0">
+              <a:schemeClr val="accent1"/>
+            </a:fillRef>
+            <a:effectRef idx="0">
+              <a:schemeClr val="accent1"/>
+            </a:effectRef>
+            <a:fontRef idx="minor">
+              <a:schemeClr val="tx1"/>
+            </a:fontRef>
+          </p:style>
+        </p:cxnSp>
+        <p:cxnSp>
+          <p:nvCxnSpPr>
+            <p:cNvPr id="34" name="Straight Arrow Connector 33">
+              <a:extLst>
+                <a:ext uri="{FF2B5EF4-FFF2-40B4-BE49-F238E27FC236}">
+                  <a16:creationId xmlns:a16="http://schemas.microsoft.com/office/drawing/2014/main" id="{21A8EFA2-4FA4-1383-68AD-301C9D5B1995}"/>
+                </a:ext>
+              </a:extLst>
+            </p:cNvPr>
+            <p:cNvCxnSpPr/>
+            <p:nvPr/>
+          </p:nvCxnSpPr>
+          <p:spPr>
+            <a:xfrm>
+              <a:off x="278296" y="4932296"/>
+              <a:ext cx="254441" cy="0"/>
+            </a:xfrm>
+            <a:prstGeom prst="straightConnector1">
+              <a:avLst/>
+            </a:prstGeom>
+            <a:ln w="28575">
+              <a:solidFill>
+                <a:schemeClr val="accent1"/>
+              </a:solidFill>
+              <a:tailEnd type="triangle"/>
+            </a:ln>
+          </p:spPr>
+          <p:style>
+            <a:lnRef idx="1">
+              <a:schemeClr val="accent1"/>
+            </a:lnRef>
+            <a:fillRef idx="0">
+              <a:schemeClr val="accent1"/>
+            </a:fillRef>
+            <a:effectRef idx="0">
+              <a:schemeClr val="accent1"/>
+            </a:effectRef>
+            <a:fontRef idx="minor">
+              <a:schemeClr val="tx1"/>
+            </a:fontRef>
+          </p:style>
+        </p:cxnSp>
+      </p:grpSp>
+      <p:grpSp>
+        <p:nvGrpSpPr>
+          <p:cNvPr id="37" name="Group 36">
+            <a:extLst>
+              <a:ext uri="{FF2B5EF4-FFF2-40B4-BE49-F238E27FC236}">
+                <a16:creationId xmlns:a16="http://schemas.microsoft.com/office/drawing/2014/main" id="{23013183-9AC6-2528-73F4-74EC69F59A67}"/>
+              </a:ext>
+            </a:extLst>
+          </p:cNvPr>
+          <p:cNvGrpSpPr/>
+          <p:nvPr/>
+        </p:nvGrpSpPr>
+        <p:grpSpPr>
+          <a:xfrm>
+            <a:off x="556590" y="1921568"/>
+            <a:ext cx="405515" cy="2847500"/>
+            <a:chOff x="278296" y="2960542"/>
+            <a:chExt cx="554434" cy="1979874"/>
+          </a:xfrm>
+        </p:grpSpPr>
+        <p:cxnSp>
+          <p:nvCxnSpPr>
+            <p:cNvPr id="38" name="Straight Connector 37">
+              <a:extLst>
+                <a:ext uri="{FF2B5EF4-FFF2-40B4-BE49-F238E27FC236}">
+                  <a16:creationId xmlns:a16="http://schemas.microsoft.com/office/drawing/2014/main" id="{4AC1623D-E8DE-6682-A397-1915D95B8CF7}"/>
+                </a:ext>
+              </a:extLst>
+            </p:cNvPr>
+            <p:cNvCxnSpPr/>
+            <p:nvPr/>
+          </p:nvCxnSpPr>
+          <p:spPr>
+            <a:xfrm>
+              <a:off x="278296" y="2960542"/>
+              <a:ext cx="0" cy="1979874"/>
+            </a:xfrm>
+            <a:prstGeom prst="line">
+              <a:avLst/>
+            </a:prstGeom>
+            <a:ln w="28575">
+              <a:solidFill>
+                <a:schemeClr val="accent1"/>
+              </a:solidFill>
+            </a:ln>
+          </p:spPr>
+          <p:style>
+            <a:lnRef idx="1">
+              <a:schemeClr val="accent1"/>
+            </a:lnRef>
+            <a:fillRef idx="0">
+              <a:schemeClr val="accent1"/>
+            </a:fillRef>
+            <a:effectRef idx="0">
+              <a:schemeClr val="accent1"/>
+            </a:effectRef>
+            <a:fontRef idx="minor">
+              <a:schemeClr val="tx1"/>
+            </a:fontRef>
+          </p:style>
+        </p:cxnSp>
+        <p:cxnSp>
+          <p:nvCxnSpPr>
+            <p:cNvPr id="39" name="Straight Connector 38">
+              <a:extLst>
+                <a:ext uri="{FF2B5EF4-FFF2-40B4-BE49-F238E27FC236}">
+                  <a16:creationId xmlns:a16="http://schemas.microsoft.com/office/drawing/2014/main" id="{1DC02BAD-FFD0-57A9-3CDA-A1BC0B60DFB7}"/>
+                </a:ext>
+              </a:extLst>
+            </p:cNvPr>
+            <p:cNvCxnSpPr>
+              <a:cxnSpLocks/>
+            </p:cNvCxnSpPr>
+            <p:nvPr/>
+          </p:nvCxnSpPr>
+          <p:spPr>
+            <a:xfrm>
+              <a:off x="278296" y="2968493"/>
+              <a:ext cx="554434" cy="0"/>
+            </a:xfrm>
+            <a:prstGeom prst="line">
+              <a:avLst/>
+            </a:prstGeom>
+            <a:ln w="28575">
+              <a:solidFill>
+                <a:schemeClr val="accent1"/>
+              </a:solidFill>
+            </a:ln>
+          </p:spPr>
+          <p:style>
+            <a:lnRef idx="1">
+              <a:schemeClr val="accent1"/>
+            </a:lnRef>
+            <a:fillRef idx="0">
+              <a:schemeClr val="accent1"/>
+            </a:fillRef>
+            <a:effectRef idx="0">
+              <a:schemeClr val="accent1"/>
+            </a:effectRef>
+            <a:fontRef idx="minor">
+              <a:schemeClr val="tx1"/>
+            </a:fontRef>
+          </p:style>
+        </p:cxnSp>
+        <p:cxnSp>
+          <p:nvCxnSpPr>
+            <p:cNvPr id="40" name="Straight Arrow Connector 39">
+              <a:extLst>
+                <a:ext uri="{FF2B5EF4-FFF2-40B4-BE49-F238E27FC236}">
+                  <a16:creationId xmlns:a16="http://schemas.microsoft.com/office/drawing/2014/main" id="{732D4A0C-2CD6-D7F7-B4B7-0F2FAD8856FB}"/>
+                </a:ext>
+              </a:extLst>
+            </p:cNvPr>
+            <p:cNvCxnSpPr>
+              <a:cxnSpLocks/>
+            </p:cNvCxnSpPr>
+            <p:nvPr/>
+          </p:nvCxnSpPr>
+          <p:spPr>
+            <a:xfrm>
+              <a:off x="278296" y="4940416"/>
+              <a:ext cx="554434" cy="0"/>
+            </a:xfrm>
+            <a:prstGeom prst="straightConnector1">
+              <a:avLst/>
+            </a:prstGeom>
+            <a:ln w="28575">
+              <a:solidFill>
+                <a:schemeClr val="accent1"/>
+              </a:solidFill>
+              <a:tailEnd type="triangle"/>
+            </a:ln>
+          </p:spPr>
+          <p:style>
+            <a:lnRef idx="1">
+              <a:schemeClr val="accent1"/>
+            </a:lnRef>
+            <a:fillRef idx="0">
+              <a:schemeClr val="accent1"/>
+            </a:fillRef>
+            <a:effectRef idx="0">
+              <a:schemeClr val="accent1"/>
+            </a:effectRef>
+            <a:fontRef idx="minor">
+              <a:schemeClr val="tx1"/>
+            </a:fontRef>
+          </p:style>
+        </p:cxnSp>
+      </p:grpSp>
+      <p:grpSp>
+        <p:nvGrpSpPr>
+          <p:cNvPr id="43" name="Group 42">
+            <a:extLst>
+              <a:ext uri="{FF2B5EF4-FFF2-40B4-BE49-F238E27FC236}">
+                <a16:creationId xmlns:a16="http://schemas.microsoft.com/office/drawing/2014/main" id="{435E988F-B7AD-2376-30A0-BC0646B6C452}"/>
+              </a:ext>
+            </a:extLst>
+          </p:cNvPr>
+          <p:cNvGrpSpPr/>
+          <p:nvPr/>
+        </p:nvGrpSpPr>
+        <p:grpSpPr>
+          <a:xfrm>
+            <a:off x="381664" y="3163706"/>
+            <a:ext cx="580336" cy="2024521"/>
+            <a:chOff x="278296" y="2960542"/>
+            <a:chExt cx="554434" cy="1979874"/>
+          </a:xfrm>
+        </p:grpSpPr>
+        <p:cxnSp>
+          <p:nvCxnSpPr>
+            <p:cNvPr id="44" name="Straight Connector 43">
+              <a:extLst>
+                <a:ext uri="{FF2B5EF4-FFF2-40B4-BE49-F238E27FC236}">
+                  <a16:creationId xmlns:a16="http://schemas.microsoft.com/office/drawing/2014/main" id="{120C54B1-18AC-92B8-DFBD-261B1742E2FA}"/>
+                </a:ext>
+              </a:extLst>
+            </p:cNvPr>
+            <p:cNvCxnSpPr/>
+            <p:nvPr/>
+          </p:nvCxnSpPr>
+          <p:spPr>
+            <a:xfrm>
+              <a:off x="278296" y="2960542"/>
+              <a:ext cx="0" cy="1979874"/>
+            </a:xfrm>
+            <a:prstGeom prst="line">
+              <a:avLst/>
+            </a:prstGeom>
+            <a:ln w="28575">
+              <a:solidFill>
+                <a:schemeClr val="accent1"/>
+              </a:solidFill>
+            </a:ln>
+          </p:spPr>
+          <p:style>
+            <a:lnRef idx="1">
+              <a:schemeClr val="accent1"/>
+            </a:lnRef>
+            <a:fillRef idx="0">
+              <a:schemeClr val="accent1"/>
+            </a:fillRef>
+            <a:effectRef idx="0">
+              <a:schemeClr val="accent1"/>
+            </a:effectRef>
+            <a:fontRef idx="minor">
+              <a:schemeClr val="tx1"/>
+            </a:fontRef>
+          </p:style>
+        </p:cxnSp>
+        <p:cxnSp>
+          <p:nvCxnSpPr>
+            <p:cNvPr id="45" name="Straight Connector 44">
+              <a:extLst>
+                <a:ext uri="{FF2B5EF4-FFF2-40B4-BE49-F238E27FC236}">
+                  <a16:creationId xmlns:a16="http://schemas.microsoft.com/office/drawing/2014/main" id="{8F5B424B-BF89-9EBE-E75E-3A5A7E0567DC}"/>
+                </a:ext>
+              </a:extLst>
+            </p:cNvPr>
+            <p:cNvCxnSpPr>
+              <a:cxnSpLocks/>
+            </p:cNvCxnSpPr>
+            <p:nvPr/>
+          </p:nvCxnSpPr>
+          <p:spPr>
+            <a:xfrm>
+              <a:off x="278296" y="2968493"/>
+              <a:ext cx="554434" cy="0"/>
+            </a:xfrm>
+            <a:prstGeom prst="line">
+              <a:avLst/>
+            </a:prstGeom>
+            <a:ln w="28575">
+              <a:solidFill>
+                <a:schemeClr val="accent1"/>
+              </a:solidFill>
+            </a:ln>
+          </p:spPr>
+          <p:style>
+            <a:lnRef idx="1">
+              <a:schemeClr val="accent1"/>
+            </a:lnRef>
+            <a:fillRef idx="0">
+              <a:schemeClr val="accent1"/>
+            </a:fillRef>
+            <a:effectRef idx="0">
+              <a:schemeClr val="accent1"/>
+            </a:effectRef>
+            <a:fontRef idx="minor">
+              <a:schemeClr val="tx1"/>
+            </a:fontRef>
+          </p:style>
+        </p:cxnSp>
+        <p:cxnSp>
+          <p:nvCxnSpPr>
+            <p:cNvPr id="46" name="Straight Arrow Connector 45">
+              <a:extLst>
+                <a:ext uri="{FF2B5EF4-FFF2-40B4-BE49-F238E27FC236}">
+                  <a16:creationId xmlns:a16="http://schemas.microsoft.com/office/drawing/2014/main" id="{1443CF6C-ADEC-76A3-D590-EAA2948839D9}"/>
+                </a:ext>
+              </a:extLst>
+            </p:cNvPr>
+            <p:cNvCxnSpPr>
+              <a:cxnSpLocks/>
+            </p:cNvCxnSpPr>
+            <p:nvPr/>
+          </p:nvCxnSpPr>
+          <p:spPr>
+            <a:xfrm>
+              <a:off x="278296" y="4940416"/>
+              <a:ext cx="554434" cy="0"/>
+            </a:xfrm>
+            <a:prstGeom prst="straightConnector1">
+              <a:avLst/>
+            </a:prstGeom>
+            <a:ln w="28575">
+              <a:solidFill>
+                <a:schemeClr val="accent1"/>
+              </a:solidFill>
+              <a:tailEnd type="triangle"/>
+            </a:ln>
+          </p:spPr>
+          <p:style>
+            <a:lnRef idx="1">
+              <a:schemeClr val="accent1"/>
+            </a:lnRef>
+            <a:fillRef idx="0">
+              <a:schemeClr val="accent1"/>
+            </a:fillRef>
+            <a:effectRef idx="0">
+              <a:schemeClr val="accent1"/>
+            </a:effectRef>
+            <a:fontRef idx="minor">
+              <a:schemeClr val="tx1"/>
+            </a:fontRef>
+          </p:style>
+        </p:cxnSp>
+      </p:grpSp>
+      <p:sp>
+        <p:nvSpPr>
+          <p:cNvPr id="47" name="TextBox 46">
+            <a:extLst>
+              <a:ext uri="{FF2B5EF4-FFF2-40B4-BE49-F238E27FC236}">
+                <a16:creationId xmlns:a16="http://schemas.microsoft.com/office/drawing/2014/main" id="{2739B799-34BA-AD9C-9359-455346F37248}"/>
+              </a:ext>
+            </a:extLst>
+          </p:cNvPr>
+          <p:cNvSpPr txBox="1"/>
+          <p:nvPr/>
+        </p:nvSpPr>
+        <p:spPr>
+          <a:xfrm>
+            <a:off x="3474719" y="689071"/>
+            <a:ext cx="2989691" cy="276999"/>
+          </a:xfrm>
+          <a:prstGeom prst="rect">
+            <a:avLst/>
+          </a:prstGeom>
+          <a:noFill/>
+          <a:ln w="25400">
+            <a:solidFill>
+              <a:schemeClr val="accent2">
+                <a:lumMod val="20000"/>
+                <a:lumOff val="80000"/>
+              </a:schemeClr>
+            </a:solidFill>
+          </a:ln>
+        </p:spPr>
+        <p:txBody>
+          <a:bodyPr wrap="square" rtlCol="0">
+            <a:spAutoFit/>
+          </a:bodyPr>
+          <a:lstStyle/>
+          <a:p>
+            <a:pPr algn="ctr"/>
+            <a:r>
+              <a:rPr lang="en-US" sz="1200" b="1" dirty="0">
+                <a:latin typeface="Avenir Book" panose="02000503020000020003" pitchFamily="2" charset="0"/>
+              </a:rPr>
+              <a:t>Group 1 Diagnostics</a:t>
+            </a:r>
+          </a:p>
+        </p:txBody>
+      </p:sp>
+      <p:sp>
+        <p:nvSpPr>
+          <p:cNvPr id="48" name="TextBox 47">
+            <a:extLst>
+              <a:ext uri="{FF2B5EF4-FFF2-40B4-BE49-F238E27FC236}">
+                <a16:creationId xmlns:a16="http://schemas.microsoft.com/office/drawing/2014/main" id="{A7256172-9FE7-7C1B-D4A2-C6278D9B54F4}"/>
+              </a:ext>
+            </a:extLst>
+          </p:cNvPr>
+          <p:cNvSpPr txBox="1"/>
+          <p:nvPr/>
+        </p:nvSpPr>
+        <p:spPr>
+          <a:xfrm>
+            <a:off x="6464410" y="687961"/>
+            <a:ext cx="1765190" cy="276999"/>
+          </a:xfrm>
+          <a:prstGeom prst="rect">
+            <a:avLst/>
+          </a:prstGeom>
+          <a:noFill/>
+          <a:ln w="25400">
+            <a:solidFill>
+              <a:schemeClr val="accent5">
+                <a:lumMod val="20000"/>
+                <a:lumOff val="80000"/>
+              </a:schemeClr>
+            </a:solidFill>
+          </a:ln>
+        </p:spPr>
+        <p:txBody>
+          <a:bodyPr wrap="square" rtlCol="0">
+            <a:spAutoFit/>
+          </a:bodyPr>
+          <a:lstStyle/>
+          <a:p>
+            <a:pPr algn="ctr"/>
+            <a:r>
+              <a:rPr lang="en-US" sz="1200" b="1" dirty="0">
+                <a:latin typeface="Avenir Book" panose="02000503020000020003" pitchFamily="2" charset="0"/>
+              </a:rPr>
+              <a:t>Group 2 Diagnostics</a:t>
+            </a:r>
+          </a:p>
+        </p:txBody>
+      </p:sp>
+      <p:sp>
+        <p:nvSpPr>
+          <p:cNvPr id="49" name="TextBox 48">
+            <a:extLst>
+              <a:ext uri="{FF2B5EF4-FFF2-40B4-BE49-F238E27FC236}">
+                <a16:creationId xmlns:a16="http://schemas.microsoft.com/office/drawing/2014/main" id="{0BE186C7-7824-2B5C-8627-F324B6D89781}"/>
+              </a:ext>
+            </a:extLst>
+          </p:cNvPr>
+          <p:cNvSpPr txBox="1"/>
+          <p:nvPr/>
+        </p:nvSpPr>
+        <p:spPr>
+          <a:xfrm>
+            <a:off x="8229600" y="682466"/>
+            <a:ext cx="3075664" cy="276999"/>
+          </a:xfrm>
+          <a:prstGeom prst="rect">
+            <a:avLst/>
+          </a:prstGeom>
+          <a:noFill/>
+          <a:ln w="25400">
+            <a:solidFill>
+              <a:schemeClr val="accent6">
+                <a:lumMod val="20000"/>
+                <a:lumOff val="80000"/>
+              </a:schemeClr>
+            </a:solidFill>
+          </a:ln>
+        </p:spPr>
+        <p:txBody>
+          <a:bodyPr wrap="square" rtlCol="0">
+            <a:spAutoFit/>
+          </a:bodyPr>
+          <a:lstStyle/>
+          <a:p>
+            <a:pPr algn="ctr"/>
+            <a:r>
+              <a:rPr lang="en-US" sz="1200" b="1" dirty="0">
+                <a:latin typeface="Avenir Book" panose="02000503020000020003" pitchFamily="2" charset="0"/>
+              </a:rPr>
+              <a:t>Group 3 Diagnostics</a:t>
+            </a:r>
+          </a:p>
+        </p:txBody>
+      </p:sp>
+    </p:spTree>
+    <p:extLst>
+      <p:ext uri="{BB962C8B-B14F-4D97-AF65-F5344CB8AC3E}">
+        <p14:creationId xmlns:p14="http://schemas.microsoft.com/office/powerpoint/2010/main" val="1777144905"/>
       </p:ext>
     </p:extLst>
   </p:cSld>

--- a/figures/manual_figures.pptx
+++ b/figures/manual_figures.pptx
@@ -198,7 +198,7 @@
           <a:p>
             <a:fld id="{9BE14856-88DD-744A-9FB7-3830681E7195}" type="datetimeFigureOut">
               <a:rPr lang="en-US" smtClean="0"/>
-              <a:t>8/3/23</a:t>
+              <a:t>9/9/23</a:t>
             </a:fld>
             <a:endParaRPr lang="en-US"/>
           </a:p>
@@ -762,7 +762,7 @@
           <a:p>
             <a:fld id="{9AFA58C7-16A3-DE4A-8BA1-DC642EC38F33}" type="datetimeFigureOut">
               <a:rPr lang="en-US" smtClean="0"/>
-              <a:t>8/3/23</a:t>
+              <a:t>9/9/23</a:t>
             </a:fld>
             <a:endParaRPr lang="en-US"/>
           </a:p>
@@ -960,7 +960,7 @@
           <a:p>
             <a:fld id="{9AFA58C7-16A3-DE4A-8BA1-DC642EC38F33}" type="datetimeFigureOut">
               <a:rPr lang="en-US" smtClean="0"/>
-              <a:t>8/3/23</a:t>
+              <a:t>9/9/23</a:t>
             </a:fld>
             <a:endParaRPr lang="en-US"/>
           </a:p>
@@ -1168,7 +1168,7 @@
           <a:p>
             <a:fld id="{9AFA58C7-16A3-DE4A-8BA1-DC642EC38F33}" type="datetimeFigureOut">
               <a:rPr lang="en-US" smtClean="0"/>
-              <a:t>8/3/23</a:t>
+              <a:t>9/9/23</a:t>
             </a:fld>
             <a:endParaRPr lang="en-US"/>
           </a:p>
@@ -1366,7 +1366,7 @@
           <a:p>
             <a:fld id="{9AFA58C7-16A3-DE4A-8BA1-DC642EC38F33}" type="datetimeFigureOut">
               <a:rPr lang="en-US" smtClean="0"/>
-              <a:t>8/3/23</a:t>
+              <a:t>9/9/23</a:t>
             </a:fld>
             <a:endParaRPr lang="en-US"/>
           </a:p>
@@ -1641,7 +1641,7 @@
           <a:p>
             <a:fld id="{9AFA58C7-16A3-DE4A-8BA1-DC642EC38F33}" type="datetimeFigureOut">
               <a:rPr lang="en-US" smtClean="0"/>
-              <a:t>8/3/23</a:t>
+              <a:t>9/9/23</a:t>
             </a:fld>
             <a:endParaRPr lang="en-US"/>
           </a:p>
@@ -1906,7 +1906,7 @@
           <a:p>
             <a:fld id="{9AFA58C7-16A3-DE4A-8BA1-DC642EC38F33}" type="datetimeFigureOut">
               <a:rPr lang="en-US" smtClean="0"/>
-              <a:t>8/3/23</a:t>
+              <a:t>9/9/23</a:t>
             </a:fld>
             <a:endParaRPr lang="en-US"/>
           </a:p>
@@ -2318,7 +2318,7 @@
           <a:p>
             <a:fld id="{9AFA58C7-16A3-DE4A-8BA1-DC642EC38F33}" type="datetimeFigureOut">
               <a:rPr lang="en-US" smtClean="0"/>
-              <a:t>8/3/23</a:t>
+              <a:t>9/9/23</a:t>
             </a:fld>
             <a:endParaRPr lang="en-US"/>
           </a:p>
@@ -2459,7 +2459,7 @@
           <a:p>
             <a:fld id="{9AFA58C7-16A3-DE4A-8BA1-DC642EC38F33}" type="datetimeFigureOut">
               <a:rPr lang="en-US" smtClean="0"/>
-              <a:t>8/3/23</a:t>
+              <a:t>9/9/23</a:t>
             </a:fld>
             <a:endParaRPr lang="en-US"/>
           </a:p>
@@ -2572,7 +2572,7 @@
           <a:p>
             <a:fld id="{9AFA58C7-16A3-DE4A-8BA1-DC642EC38F33}" type="datetimeFigureOut">
               <a:rPr lang="en-US" smtClean="0"/>
-              <a:t>8/3/23</a:t>
+              <a:t>9/9/23</a:t>
             </a:fld>
             <a:endParaRPr lang="en-US"/>
           </a:p>
@@ -2883,7 +2883,7 @@
           <a:p>
             <a:fld id="{9AFA58C7-16A3-DE4A-8BA1-DC642EC38F33}" type="datetimeFigureOut">
               <a:rPr lang="en-US" smtClean="0"/>
-              <a:t>8/3/23</a:t>
+              <a:t>9/9/23</a:t>
             </a:fld>
             <a:endParaRPr lang="en-US"/>
           </a:p>
@@ -3171,7 +3171,7 @@
           <a:p>
             <a:fld id="{9AFA58C7-16A3-DE4A-8BA1-DC642EC38F33}" type="datetimeFigureOut">
               <a:rPr lang="en-US" smtClean="0"/>
-              <a:t>8/3/23</a:t>
+              <a:t>9/9/23</a:t>
             </a:fld>
             <a:endParaRPr lang="en-US"/>
           </a:p>
@@ -3412,7 +3412,7 @@
           <a:p>
             <a:fld id="{9AFA58C7-16A3-DE4A-8BA1-DC642EC38F33}" type="datetimeFigureOut">
               <a:rPr lang="en-US" smtClean="0"/>
-              <a:t>8/3/23</a:t>
+              <a:t>9/9/23</a:t>
             </a:fld>
             <a:endParaRPr lang="en-US"/>
           </a:p>
@@ -4003,13 +4003,13 @@
         </p:nvPicPr>
         <p:blipFill rotWithShape="1">
           <a:blip r:embed="rId3"/>
-          <a:srcRect l="6612"/>
+          <a:srcRect l="6968"/>
           <a:stretch/>
         </p:blipFill>
         <p:spPr>
           <a:xfrm>
-            <a:off x="522360" y="106988"/>
-            <a:ext cx="11318552" cy="1309334"/>
+            <a:off x="308008" y="122741"/>
+            <a:ext cx="11633678" cy="1350940"/>
           </a:xfrm>
           <a:prstGeom prst="rect">
             <a:avLst/>
@@ -5409,8 +5409,8 @@
         </p:nvSpPr>
         <p:spPr>
           <a:xfrm>
-            <a:off x="3283132" y="6177078"/>
-            <a:ext cx="8836826" cy="523220"/>
+            <a:off x="3221453" y="6073598"/>
+            <a:ext cx="8836826" cy="584775"/>
           </a:xfrm>
           <a:prstGeom prst="rect">
             <a:avLst/>
@@ -5424,37 +5424,37 @@
           <a:lstStyle/>
           <a:p>
             <a:r>
-              <a:rPr lang="en-US" sz="1400" i="1" dirty="0">
+              <a:rPr lang="en-US" sz="1600" i="1" dirty="0">
                 <a:latin typeface="Avenir Book" panose="02000503020000020003" pitchFamily="2" charset="0"/>
               </a:rPr>
               <a:t>If pattern seems </a:t>
             </a:r>
             <a:r>
-              <a:rPr lang="en-US" sz="1400" b="1" i="1" dirty="0">
+              <a:rPr lang="en-US" sz="1600" b="1" i="1" dirty="0">
                 <a:latin typeface="Avenir Book" panose="02000503020000020003" pitchFamily="2" charset="0"/>
               </a:rPr>
               <a:t>non-monotone</a:t>
             </a:r>
             <a:r>
-              <a:rPr lang="en-US" sz="1400" i="1" dirty="0">
+              <a:rPr lang="en-US" sz="1600" i="1" dirty="0">
                 <a:latin typeface="Avenir Book" panose="02000503020000020003" pitchFamily="2" charset="0"/>
               </a:rPr>
               <a:t> → run diagnostics on all partially observed covariates jointly, if </a:t>
             </a:r>
             <a:r>
-              <a:rPr lang="en-US" sz="1400" b="1" i="1" dirty="0">
+              <a:rPr lang="en-US" sz="1600" b="1" i="1" dirty="0">
                 <a:latin typeface="Avenir Book" panose="02000503020000020003" pitchFamily="2" charset="0"/>
               </a:rPr>
               <a:t>monotone</a:t>
             </a:r>
             <a:r>
-              <a:rPr lang="en-US" sz="1400" i="1" dirty="0">
+              <a:rPr lang="en-US" sz="1600" i="1" dirty="0">
                 <a:latin typeface="Avenir Book" panose="02000503020000020003" pitchFamily="2" charset="0"/>
               </a:rPr>
               <a:t> consider running diagnostics on each partially observed covariate individually </a:t>
             </a:r>
             <a:r>
-              <a:rPr lang="en-US" sz="1400" i="1" dirty="0">
+              <a:rPr lang="en-US" sz="1600" i="1" dirty="0">
                 <a:latin typeface="Avenir Black" panose="02000503020000020003" pitchFamily="2" charset="0"/>
               </a:rPr>
               <a:t> </a:t>

--- a/figures/manual_figures.pptx
+++ b/figures/manual_figures.pptx
@@ -198,7 +198,7 @@
           <a:p>
             <a:fld id="{9BE14856-88DD-744A-9FB7-3830681E7195}" type="datetimeFigureOut">
               <a:rPr lang="en-US" smtClean="0"/>
-              <a:t>9/9/23</a:t>
+              <a:t>9/15/23</a:t>
             </a:fld>
             <a:endParaRPr lang="en-US"/>
           </a:p>
@@ -762,7 +762,7 @@
           <a:p>
             <a:fld id="{9AFA58C7-16A3-DE4A-8BA1-DC642EC38F33}" type="datetimeFigureOut">
               <a:rPr lang="en-US" smtClean="0"/>
-              <a:t>9/9/23</a:t>
+              <a:t>9/15/23</a:t>
             </a:fld>
             <a:endParaRPr lang="en-US"/>
           </a:p>
@@ -960,7 +960,7 @@
           <a:p>
             <a:fld id="{9AFA58C7-16A3-DE4A-8BA1-DC642EC38F33}" type="datetimeFigureOut">
               <a:rPr lang="en-US" smtClean="0"/>
-              <a:t>9/9/23</a:t>
+              <a:t>9/15/23</a:t>
             </a:fld>
             <a:endParaRPr lang="en-US"/>
           </a:p>
@@ -1168,7 +1168,7 @@
           <a:p>
             <a:fld id="{9AFA58C7-16A3-DE4A-8BA1-DC642EC38F33}" type="datetimeFigureOut">
               <a:rPr lang="en-US" smtClean="0"/>
-              <a:t>9/9/23</a:t>
+              <a:t>9/15/23</a:t>
             </a:fld>
             <a:endParaRPr lang="en-US"/>
           </a:p>
@@ -1366,7 +1366,7 @@
           <a:p>
             <a:fld id="{9AFA58C7-16A3-DE4A-8BA1-DC642EC38F33}" type="datetimeFigureOut">
               <a:rPr lang="en-US" smtClean="0"/>
-              <a:t>9/9/23</a:t>
+              <a:t>9/15/23</a:t>
             </a:fld>
             <a:endParaRPr lang="en-US"/>
           </a:p>
@@ -1641,7 +1641,7 @@
           <a:p>
             <a:fld id="{9AFA58C7-16A3-DE4A-8BA1-DC642EC38F33}" type="datetimeFigureOut">
               <a:rPr lang="en-US" smtClean="0"/>
-              <a:t>9/9/23</a:t>
+              <a:t>9/15/23</a:t>
             </a:fld>
             <a:endParaRPr lang="en-US"/>
           </a:p>
@@ -1906,7 +1906,7 @@
           <a:p>
             <a:fld id="{9AFA58C7-16A3-DE4A-8BA1-DC642EC38F33}" type="datetimeFigureOut">
               <a:rPr lang="en-US" smtClean="0"/>
-              <a:t>9/9/23</a:t>
+              <a:t>9/15/23</a:t>
             </a:fld>
             <a:endParaRPr lang="en-US"/>
           </a:p>
@@ -2318,7 +2318,7 @@
           <a:p>
             <a:fld id="{9AFA58C7-16A3-DE4A-8BA1-DC642EC38F33}" type="datetimeFigureOut">
               <a:rPr lang="en-US" smtClean="0"/>
-              <a:t>9/9/23</a:t>
+              <a:t>9/15/23</a:t>
             </a:fld>
             <a:endParaRPr lang="en-US"/>
           </a:p>
@@ -2459,7 +2459,7 @@
           <a:p>
             <a:fld id="{9AFA58C7-16A3-DE4A-8BA1-DC642EC38F33}" type="datetimeFigureOut">
               <a:rPr lang="en-US" smtClean="0"/>
-              <a:t>9/9/23</a:t>
+              <a:t>9/15/23</a:t>
             </a:fld>
             <a:endParaRPr lang="en-US"/>
           </a:p>
@@ -2572,7 +2572,7 @@
           <a:p>
             <a:fld id="{9AFA58C7-16A3-DE4A-8BA1-DC642EC38F33}" type="datetimeFigureOut">
               <a:rPr lang="en-US" smtClean="0"/>
-              <a:t>9/9/23</a:t>
+              <a:t>9/15/23</a:t>
             </a:fld>
             <a:endParaRPr lang="en-US"/>
           </a:p>
@@ -2883,7 +2883,7 @@
           <a:p>
             <a:fld id="{9AFA58C7-16A3-DE4A-8BA1-DC642EC38F33}" type="datetimeFigureOut">
               <a:rPr lang="en-US" smtClean="0"/>
-              <a:t>9/9/23</a:t>
+              <a:t>9/15/23</a:t>
             </a:fld>
             <a:endParaRPr lang="en-US"/>
           </a:p>
@@ -3171,7 +3171,7 @@
           <a:p>
             <a:fld id="{9AFA58C7-16A3-DE4A-8BA1-DC642EC38F33}" type="datetimeFigureOut">
               <a:rPr lang="en-US" smtClean="0"/>
-              <a:t>9/9/23</a:t>
+              <a:t>9/15/23</a:t>
             </a:fld>
             <a:endParaRPr lang="en-US"/>
           </a:p>
@@ -3412,7 +3412,7 @@
           <a:p>
             <a:fld id="{9AFA58C7-16A3-DE4A-8BA1-DC642EC38F33}" type="datetimeFigureOut">
               <a:rPr lang="en-US" smtClean="0"/>
-              <a:t>9/9/23</a:t>
+              <a:t>9/15/23</a:t>
             </a:fld>
             <a:endParaRPr lang="en-US"/>
           </a:p>
@@ -4656,9 +4656,9 @@
         <p:grpSpPr>
           <a:xfrm>
             <a:off x="121416" y="4185862"/>
-            <a:ext cx="12120440" cy="2514436"/>
+            <a:ext cx="12049244" cy="2514436"/>
             <a:chOff x="1654003" y="828669"/>
-            <a:chExt cx="5029577" cy="5019023"/>
+            <a:chExt cx="5000033" cy="5019023"/>
           </a:xfrm>
         </p:grpSpPr>
         <p:sp>
@@ -4676,7 +4676,7 @@
           <p:spPr>
             <a:xfrm>
               <a:off x="1683547" y="828669"/>
-              <a:ext cx="5000033" cy="5019023"/>
+              <a:ext cx="4954189" cy="5019023"/>
             </a:xfrm>
             <a:prstGeom prst="roundRect">
               <a:avLst/>
